--- a/FUNDAMENTALS_OF_DEVOPS/version control system.pptx
+++ b/FUNDAMENTALS_OF_DEVOPS/version control system.pptx
@@ -132,6 +132,1296 @@
 </p:presentation>
 </file>
 
+<file path=ppt/revisionInfo.xml><?xml version="1.0" encoding="utf-8"?>
+<p1510:revInfo xmlns:a="http://schemas.openxmlformats.org/drawingml/2006/main" xmlns:r="http://schemas.openxmlformats.org/officeDocument/2006/relationships" xmlns:p1510="http://schemas.microsoft.com/office/powerpoint/2015/10/main">
+  <p1510:revLst>
+    <p1510:client id="{E029E847-8492-486F-A4B8-22FBD24EA0CE}" v="12" dt="2023-12-04T16:50:30.703"/>
+  </p1510:revLst>
+</p1510:revInfo>
+</file>
+
+<file path=ppt/changesInfos/changesInfo1.xml><?xml version="1.0" encoding="utf-8"?>
+<pc:chgInfo xmlns:a="http://schemas.openxmlformats.org/drawingml/2006/main" xmlns:r="http://schemas.openxmlformats.org/officeDocument/2006/relationships" xmlns:ac="http://schemas.microsoft.com/office/drawing/2013/main/command" xmlns:pc="http://schemas.microsoft.com/office/powerpoint/2013/main/command">
+  <pc:docChgLst>
+    <pc:chgData name="Ayan Ruzdan" userId="281b3fb1-178d-4595-a67e-42f3d5782a4e" providerId="ADAL" clId="{E029E847-8492-486F-A4B8-22FBD24EA0CE}"/>
+    <pc:docChg chg="modSld">
+      <pc:chgData name="Ayan Ruzdan" userId="281b3fb1-178d-4595-a67e-42f3d5782a4e" providerId="ADAL" clId="{E029E847-8492-486F-A4B8-22FBD24EA0CE}" dt="2023-12-04T16:50:33.204" v="41" actId="9405"/>
+      <pc:docMkLst>
+        <pc:docMk/>
+      </pc:docMkLst>
+      <pc:sldChg chg="addSp delSp modSp mod">
+        <pc:chgData name="Ayan Ruzdan" userId="281b3fb1-178d-4595-a67e-42f3d5782a4e" providerId="ADAL" clId="{E029E847-8492-486F-A4B8-22FBD24EA0CE}" dt="2023-12-04T16:50:33.204" v="41" actId="9405"/>
+        <pc:sldMkLst>
+          <pc:docMk/>
+          <pc:sldMk cId="959288859" sldId="275"/>
+        </pc:sldMkLst>
+        <pc:grpChg chg="del mod">
+          <ac:chgData name="Ayan Ruzdan" userId="281b3fb1-178d-4595-a67e-42f3d5782a4e" providerId="ADAL" clId="{E029E847-8492-486F-A4B8-22FBD24EA0CE}" dt="2023-12-04T16:49:42.576" v="6"/>
+          <ac:grpSpMkLst>
+            <pc:docMk/>
+            <pc:sldMk cId="959288859" sldId="275"/>
+            <ac:grpSpMk id="7" creationId="{EE79A5DD-D54E-F827-B11F-C6A3ECFA2713}"/>
+          </ac:grpSpMkLst>
+        </pc:grpChg>
+        <pc:grpChg chg="del mod">
+          <ac:chgData name="Ayan Ruzdan" userId="281b3fb1-178d-4595-a67e-42f3d5782a4e" providerId="ADAL" clId="{E029E847-8492-486F-A4B8-22FBD24EA0CE}" dt="2023-12-04T16:49:43.580" v="8"/>
+          <ac:grpSpMkLst>
+            <pc:docMk/>
+            <pc:sldMk cId="959288859" sldId="275"/>
+            <ac:grpSpMk id="9" creationId="{0ED0C7C3-DBE7-86A9-EE73-177A62FF7B73}"/>
+          </ac:grpSpMkLst>
+        </pc:grpChg>
+        <pc:grpChg chg="del mod">
+          <ac:chgData name="Ayan Ruzdan" userId="281b3fb1-178d-4595-a67e-42f3d5782a4e" providerId="ADAL" clId="{E029E847-8492-486F-A4B8-22FBD24EA0CE}" dt="2023-12-04T16:49:46.657" v="11"/>
+          <ac:grpSpMkLst>
+            <pc:docMk/>
+            <pc:sldMk cId="959288859" sldId="275"/>
+            <ac:grpSpMk id="11" creationId="{17AA2001-A8CE-A0C0-DA33-74C16843FCF1}"/>
+          </ac:grpSpMkLst>
+        </pc:grpChg>
+        <pc:grpChg chg="del mod">
+          <ac:chgData name="Ayan Ruzdan" userId="281b3fb1-178d-4595-a67e-42f3d5782a4e" providerId="ADAL" clId="{E029E847-8492-486F-A4B8-22FBD24EA0CE}" dt="2023-12-04T16:49:50.448" v="14"/>
+          <ac:grpSpMkLst>
+            <pc:docMk/>
+            <pc:sldMk cId="959288859" sldId="275"/>
+            <ac:grpSpMk id="14" creationId="{5D7D18FB-200B-66E7-F206-458ADE2B1A27}"/>
+          </ac:grpSpMkLst>
+        </pc:grpChg>
+        <pc:grpChg chg="mod">
+          <ac:chgData name="Ayan Ruzdan" userId="281b3fb1-178d-4595-a67e-42f3d5782a4e" providerId="ADAL" clId="{E029E847-8492-486F-A4B8-22FBD24EA0CE}" dt="2023-12-04T16:49:50.448" v="14"/>
+          <ac:grpSpMkLst>
+            <pc:docMk/>
+            <pc:sldMk cId="959288859" sldId="275"/>
+            <ac:grpSpMk id="17" creationId="{E20E03C4-A4DB-724F-7B71-E44D06AF8C1A}"/>
+          </ac:grpSpMkLst>
+        </pc:grpChg>
+        <pc:grpChg chg="mod">
+          <ac:chgData name="Ayan Ruzdan" userId="281b3fb1-178d-4595-a67e-42f3d5782a4e" providerId="ADAL" clId="{E029E847-8492-486F-A4B8-22FBD24EA0CE}" dt="2023-12-04T16:49:54.275" v="17"/>
+          <ac:grpSpMkLst>
+            <pc:docMk/>
+            <pc:sldMk cId="959288859" sldId="275"/>
+            <ac:grpSpMk id="20" creationId="{EDE67D0C-5E6A-4745-6571-0B0D2D82094E}"/>
+          </ac:grpSpMkLst>
+        </pc:grpChg>
+        <pc:grpChg chg="del mod">
+          <ac:chgData name="Ayan Ruzdan" userId="281b3fb1-178d-4595-a67e-42f3d5782a4e" providerId="ADAL" clId="{E029E847-8492-486F-A4B8-22FBD24EA0CE}" dt="2023-12-04T16:49:59.301" v="22"/>
+          <ac:grpSpMkLst>
+            <pc:docMk/>
+            <pc:sldMk cId="959288859" sldId="275"/>
+            <ac:grpSpMk id="23" creationId="{85EC5CFF-EF2C-2508-A9E5-244C93086742}"/>
+          </ac:grpSpMkLst>
+        </pc:grpChg>
+        <pc:grpChg chg="mod">
+          <ac:chgData name="Ayan Ruzdan" userId="281b3fb1-178d-4595-a67e-42f3d5782a4e" providerId="ADAL" clId="{E029E847-8492-486F-A4B8-22FBD24EA0CE}" dt="2023-12-04T16:49:59.301" v="22"/>
+          <ac:grpSpMkLst>
+            <pc:docMk/>
+            <pc:sldMk cId="959288859" sldId="275"/>
+            <ac:grpSpMk id="25" creationId="{10F64851-0991-D21E-AB00-424FAD0ACC0B}"/>
+          </ac:grpSpMkLst>
+        </pc:grpChg>
+        <pc:grpChg chg="del mod">
+          <ac:chgData name="Ayan Ruzdan" userId="281b3fb1-178d-4595-a67e-42f3d5782a4e" providerId="ADAL" clId="{E029E847-8492-486F-A4B8-22FBD24EA0CE}" dt="2023-12-04T16:50:14.827" v="30"/>
+          <ac:grpSpMkLst>
+            <pc:docMk/>
+            <pc:sldMk cId="959288859" sldId="275"/>
+            <ac:grpSpMk id="30" creationId="{6338546E-C82D-4C97-75AB-0A7C0B85C077}"/>
+          </ac:grpSpMkLst>
+        </pc:grpChg>
+        <pc:grpChg chg="del mod">
+          <ac:chgData name="Ayan Ruzdan" userId="281b3fb1-178d-4595-a67e-42f3d5782a4e" providerId="ADAL" clId="{E029E847-8492-486F-A4B8-22FBD24EA0CE}" dt="2023-12-04T16:50:18.369" v="35"/>
+          <ac:grpSpMkLst>
+            <pc:docMk/>
+            <pc:sldMk cId="959288859" sldId="275"/>
+            <ac:grpSpMk id="33" creationId="{53325E6A-8F44-1FFA-ED42-9EEDEFCF7182}"/>
+          </ac:grpSpMkLst>
+        </pc:grpChg>
+        <pc:grpChg chg="mod">
+          <ac:chgData name="Ayan Ruzdan" userId="281b3fb1-178d-4595-a67e-42f3d5782a4e" providerId="ADAL" clId="{E029E847-8492-486F-A4B8-22FBD24EA0CE}" dt="2023-12-04T16:50:18.369" v="35"/>
+          <ac:grpSpMkLst>
+            <pc:docMk/>
+            <pc:sldMk cId="959288859" sldId="275"/>
+            <ac:grpSpMk id="38" creationId="{52175C69-46E7-4283-B92D-069968FE1A40}"/>
+          </ac:grpSpMkLst>
+        </pc:grpChg>
+        <pc:grpChg chg="mod">
+          <ac:chgData name="Ayan Ruzdan" userId="281b3fb1-178d-4595-a67e-42f3d5782a4e" providerId="ADAL" clId="{E029E847-8492-486F-A4B8-22FBD24EA0CE}" dt="2023-12-04T16:50:30.703" v="40"/>
+          <ac:grpSpMkLst>
+            <pc:docMk/>
+            <pc:sldMk cId="959288859" sldId="275"/>
+            <ac:grpSpMk id="43" creationId="{02A632EA-A16C-72B1-262C-AFD43F608F90}"/>
+          </ac:grpSpMkLst>
+        </pc:grpChg>
+        <pc:inkChg chg="add">
+          <ac:chgData name="Ayan Ruzdan" userId="281b3fb1-178d-4595-a67e-42f3d5782a4e" providerId="ADAL" clId="{E029E847-8492-486F-A4B8-22FBD24EA0CE}" dt="2023-12-04T16:49:31.607" v="0" actId="9405"/>
+          <ac:inkMkLst>
+            <pc:docMk/>
+            <pc:sldMk cId="959288859" sldId="275"/>
+            <ac:inkMk id="3" creationId="{1929FA03-4D34-1AAC-88F1-1AF3AD35A14C}"/>
+          </ac:inkMkLst>
+        </pc:inkChg>
+        <pc:inkChg chg="add mod">
+          <ac:chgData name="Ayan Ruzdan" userId="281b3fb1-178d-4595-a67e-42f3d5782a4e" providerId="ADAL" clId="{E029E847-8492-486F-A4B8-22FBD24EA0CE}" dt="2023-12-04T16:49:50.448" v="14"/>
+          <ac:inkMkLst>
+            <pc:docMk/>
+            <pc:sldMk cId="959288859" sldId="275"/>
+            <ac:inkMk id="4" creationId="{5F363977-475F-26D5-192B-132F3EAEAD98}"/>
+          </ac:inkMkLst>
+        </pc:inkChg>
+        <pc:inkChg chg="add mod">
+          <ac:chgData name="Ayan Ruzdan" userId="281b3fb1-178d-4595-a67e-42f3d5782a4e" providerId="ADAL" clId="{E029E847-8492-486F-A4B8-22FBD24EA0CE}" dt="2023-12-04T16:49:50.448" v="14"/>
+          <ac:inkMkLst>
+            <pc:docMk/>
+            <pc:sldMk cId="959288859" sldId="275"/>
+            <ac:inkMk id="5" creationId="{ACD0142F-4BA4-DC9B-1109-B8C625E4F897}"/>
+          </ac:inkMkLst>
+        </pc:inkChg>
+        <pc:inkChg chg="add mod">
+          <ac:chgData name="Ayan Ruzdan" userId="281b3fb1-178d-4595-a67e-42f3d5782a4e" providerId="ADAL" clId="{E029E847-8492-486F-A4B8-22FBD24EA0CE}" dt="2023-12-04T16:49:50.448" v="14"/>
+          <ac:inkMkLst>
+            <pc:docMk/>
+            <pc:sldMk cId="959288859" sldId="275"/>
+            <ac:inkMk id="6" creationId="{1C25251D-6437-A3F6-B4E2-62430C71DCFD}"/>
+          </ac:inkMkLst>
+        </pc:inkChg>
+        <pc:inkChg chg="add mod">
+          <ac:chgData name="Ayan Ruzdan" userId="281b3fb1-178d-4595-a67e-42f3d5782a4e" providerId="ADAL" clId="{E029E847-8492-486F-A4B8-22FBD24EA0CE}" dt="2023-12-04T16:49:50.448" v="14"/>
+          <ac:inkMkLst>
+            <pc:docMk/>
+            <pc:sldMk cId="959288859" sldId="275"/>
+            <ac:inkMk id="8" creationId="{E176A22C-292C-8FEB-FE84-B2C190422C0B}"/>
+          </ac:inkMkLst>
+        </pc:inkChg>
+        <pc:inkChg chg="add mod">
+          <ac:chgData name="Ayan Ruzdan" userId="281b3fb1-178d-4595-a67e-42f3d5782a4e" providerId="ADAL" clId="{E029E847-8492-486F-A4B8-22FBD24EA0CE}" dt="2023-12-04T16:49:50.448" v="14"/>
+          <ac:inkMkLst>
+            <pc:docMk/>
+            <pc:sldMk cId="959288859" sldId="275"/>
+            <ac:inkMk id="10" creationId="{CB72731F-0336-0B84-56B1-DB22BB2791C7}"/>
+          </ac:inkMkLst>
+        </pc:inkChg>
+        <pc:inkChg chg="add mod">
+          <ac:chgData name="Ayan Ruzdan" userId="281b3fb1-178d-4595-a67e-42f3d5782a4e" providerId="ADAL" clId="{E029E847-8492-486F-A4B8-22FBD24EA0CE}" dt="2023-12-04T16:49:50.448" v="14"/>
+          <ac:inkMkLst>
+            <pc:docMk/>
+            <pc:sldMk cId="959288859" sldId="275"/>
+            <ac:inkMk id="12" creationId="{8B49B88C-A7DB-042C-3D29-30BB67E12670}"/>
+          </ac:inkMkLst>
+        </pc:inkChg>
+        <pc:inkChg chg="add mod">
+          <ac:chgData name="Ayan Ruzdan" userId="281b3fb1-178d-4595-a67e-42f3d5782a4e" providerId="ADAL" clId="{E029E847-8492-486F-A4B8-22FBD24EA0CE}" dt="2023-12-04T16:49:50.448" v="14"/>
+          <ac:inkMkLst>
+            <pc:docMk/>
+            <pc:sldMk cId="959288859" sldId="275"/>
+            <ac:inkMk id="13" creationId="{666253B4-B020-152C-16D6-463349A3D51C}"/>
+          </ac:inkMkLst>
+        </pc:inkChg>
+        <pc:inkChg chg="add mod">
+          <ac:chgData name="Ayan Ruzdan" userId="281b3fb1-178d-4595-a67e-42f3d5782a4e" providerId="ADAL" clId="{E029E847-8492-486F-A4B8-22FBD24EA0CE}" dt="2023-12-04T16:49:50.448" v="14"/>
+          <ac:inkMkLst>
+            <pc:docMk/>
+            <pc:sldMk cId="959288859" sldId="275"/>
+            <ac:inkMk id="15" creationId="{D3213635-692B-D1E4-D9D4-8C0224A4DBD9}"/>
+          </ac:inkMkLst>
+        </pc:inkChg>
+        <pc:inkChg chg="add mod">
+          <ac:chgData name="Ayan Ruzdan" userId="281b3fb1-178d-4595-a67e-42f3d5782a4e" providerId="ADAL" clId="{E029E847-8492-486F-A4B8-22FBD24EA0CE}" dt="2023-12-04T16:49:50.448" v="14"/>
+          <ac:inkMkLst>
+            <pc:docMk/>
+            <pc:sldMk cId="959288859" sldId="275"/>
+            <ac:inkMk id="16" creationId="{EE7F968A-C524-7F17-1023-68C0513C11C7}"/>
+          </ac:inkMkLst>
+        </pc:inkChg>
+        <pc:inkChg chg="add mod">
+          <ac:chgData name="Ayan Ruzdan" userId="281b3fb1-178d-4595-a67e-42f3d5782a4e" providerId="ADAL" clId="{E029E847-8492-486F-A4B8-22FBD24EA0CE}" dt="2023-12-04T16:49:54.275" v="17"/>
+          <ac:inkMkLst>
+            <pc:docMk/>
+            <pc:sldMk cId="959288859" sldId="275"/>
+            <ac:inkMk id="18" creationId="{E53C7F4E-6800-5433-100F-A9DB92739747}"/>
+          </ac:inkMkLst>
+        </pc:inkChg>
+        <pc:inkChg chg="add mod">
+          <ac:chgData name="Ayan Ruzdan" userId="281b3fb1-178d-4595-a67e-42f3d5782a4e" providerId="ADAL" clId="{E029E847-8492-486F-A4B8-22FBD24EA0CE}" dt="2023-12-04T16:49:54.275" v="17"/>
+          <ac:inkMkLst>
+            <pc:docMk/>
+            <pc:sldMk cId="959288859" sldId="275"/>
+            <ac:inkMk id="19" creationId="{A8D480F4-A33F-01E9-02AC-8A0A7929C4A9}"/>
+          </ac:inkMkLst>
+        </pc:inkChg>
+        <pc:inkChg chg="add mod">
+          <ac:chgData name="Ayan Ruzdan" userId="281b3fb1-178d-4595-a67e-42f3d5782a4e" providerId="ADAL" clId="{E029E847-8492-486F-A4B8-22FBD24EA0CE}" dt="2023-12-04T16:49:59.301" v="22"/>
+          <ac:inkMkLst>
+            <pc:docMk/>
+            <pc:sldMk cId="959288859" sldId="275"/>
+            <ac:inkMk id="21" creationId="{B7A0508C-0C49-D673-24C1-832E5836A828}"/>
+          </ac:inkMkLst>
+        </pc:inkChg>
+        <pc:inkChg chg="add mod">
+          <ac:chgData name="Ayan Ruzdan" userId="281b3fb1-178d-4595-a67e-42f3d5782a4e" providerId="ADAL" clId="{E029E847-8492-486F-A4B8-22FBD24EA0CE}" dt="2023-12-04T16:49:59.301" v="22"/>
+          <ac:inkMkLst>
+            <pc:docMk/>
+            <pc:sldMk cId="959288859" sldId="275"/>
+            <ac:inkMk id="22" creationId="{626EB99E-0E5E-B84A-32FD-FC246172C90A}"/>
+          </ac:inkMkLst>
+        </pc:inkChg>
+        <pc:inkChg chg="add mod">
+          <ac:chgData name="Ayan Ruzdan" userId="281b3fb1-178d-4595-a67e-42f3d5782a4e" providerId="ADAL" clId="{E029E847-8492-486F-A4B8-22FBD24EA0CE}" dt="2023-12-04T16:49:59.301" v="22"/>
+          <ac:inkMkLst>
+            <pc:docMk/>
+            <pc:sldMk cId="959288859" sldId="275"/>
+            <ac:inkMk id="24" creationId="{D17334C1-820C-49B9-6FB1-079624F8C476}"/>
+          </ac:inkMkLst>
+        </pc:inkChg>
+        <pc:inkChg chg="add">
+          <ac:chgData name="Ayan Ruzdan" userId="281b3fb1-178d-4595-a67e-42f3d5782a4e" providerId="ADAL" clId="{E029E847-8492-486F-A4B8-22FBD24EA0CE}" dt="2023-12-04T16:50:01.137" v="23" actId="9405"/>
+          <ac:inkMkLst>
+            <pc:docMk/>
+            <pc:sldMk cId="959288859" sldId="275"/>
+            <ac:inkMk id="26" creationId="{439ACF91-4498-A2CF-8BF1-6723A83E5C61}"/>
+          </ac:inkMkLst>
+        </pc:inkChg>
+        <pc:inkChg chg="add mod">
+          <ac:chgData name="Ayan Ruzdan" userId="281b3fb1-178d-4595-a67e-42f3d5782a4e" providerId="ADAL" clId="{E029E847-8492-486F-A4B8-22FBD24EA0CE}" dt="2023-12-04T16:50:18.369" v="35"/>
+          <ac:inkMkLst>
+            <pc:docMk/>
+            <pc:sldMk cId="959288859" sldId="275"/>
+            <ac:inkMk id="27" creationId="{12479AE1-67F9-EB94-A55B-13D93DA043CA}"/>
+          </ac:inkMkLst>
+        </pc:inkChg>
+        <pc:inkChg chg="add mod">
+          <ac:chgData name="Ayan Ruzdan" userId="281b3fb1-178d-4595-a67e-42f3d5782a4e" providerId="ADAL" clId="{E029E847-8492-486F-A4B8-22FBD24EA0CE}" dt="2023-12-04T16:50:18.369" v="35"/>
+          <ac:inkMkLst>
+            <pc:docMk/>
+            <pc:sldMk cId="959288859" sldId="275"/>
+            <ac:inkMk id="28" creationId="{138BFE6C-8667-3621-095C-FB4DD093FB0A}"/>
+          </ac:inkMkLst>
+        </pc:inkChg>
+        <pc:inkChg chg="add mod">
+          <ac:chgData name="Ayan Ruzdan" userId="281b3fb1-178d-4595-a67e-42f3d5782a4e" providerId="ADAL" clId="{E029E847-8492-486F-A4B8-22FBD24EA0CE}" dt="2023-12-04T16:50:18.369" v="35"/>
+          <ac:inkMkLst>
+            <pc:docMk/>
+            <pc:sldMk cId="959288859" sldId="275"/>
+            <ac:inkMk id="29" creationId="{6A735C85-AA8C-8870-9333-5CF39E4B5CD0}"/>
+          </ac:inkMkLst>
+        </pc:inkChg>
+        <pc:inkChg chg="add mod">
+          <ac:chgData name="Ayan Ruzdan" userId="281b3fb1-178d-4595-a67e-42f3d5782a4e" providerId="ADAL" clId="{E029E847-8492-486F-A4B8-22FBD24EA0CE}" dt="2023-12-04T16:50:18.369" v="35"/>
+          <ac:inkMkLst>
+            <pc:docMk/>
+            <pc:sldMk cId="959288859" sldId="275"/>
+            <ac:inkMk id="31" creationId="{CDC5FEAD-0463-F769-0E2B-F9185E7EB97D}"/>
+          </ac:inkMkLst>
+        </pc:inkChg>
+        <pc:inkChg chg="add mod">
+          <ac:chgData name="Ayan Ruzdan" userId="281b3fb1-178d-4595-a67e-42f3d5782a4e" providerId="ADAL" clId="{E029E847-8492-486F-A4B8-22FBD24EA0CE}" dt="2023-12-04T16:50:18.369" v="35"/>
+          <ac:inkMkLst>
+            <pc:docMk/>
+            <pc:sldMk cId="959288859" sldId="275"/>
+            <ac:inkMk id="32" creationId="{730B4B64-D73F-5618-A945-1627C41A93EF}"/>
+          </ac:inkMkLst>
+        </pc:inkChg>
+        <pc:inkChg chg="add mod">
+          <ac:chgData name="Ayan Ruzdan" userId="281b3fb1-178d-4595-a67e-42f3d5782a4e" providerId="ADAL" clId="{E029E847-8492-486F-A4B8-22FBD24EA0CE}" dt="2023-12-04T16:50:18.369" v="35"/>
+          <ac:inkMkLst>
+            <pc:docMk/>
+            <pc:sldMk cId="959288859" sldId="275"/>
+            <ac:inkMk id="34" creationId="{B1EEAD6B-5483-A2EE-E1B7-9956D008D309}"/>
+          </ac:inkMkLst>
+        </pc:inkChg>
+        <pc:inkChg chg="add mod">
+          <ac:chgData name="Ayan Ruzdan" userId="281b3fb1-178d-4595-a67e-42f3d5782a4e" providerId="ADAL" clId="{E029E847-8492-486F-A4B8-22FBD24EA0CE}" dt="2023-12-04T16:50:18.369" v="35"/>
+          <ac:inkMkLst>
+            <pc:docMk/>
+            <pc:sldMk cId="959288859" sldId="275"/>
+            <ac:inkMk id="35" creationId="{A3A2B742-6545-0C7A-62C0-9BA80553DF07}"/>
+          </ac:inkMkLst>
+        </pc:inkChg>
+        <pc:inkChg chg="add mod">
+          <ac:chgData name="Ayan Ruzdan" userId="281b3fb1-178d-4595-a67e-42f3d5782a4e" providerId="ADAL" clId="{E029E847-8492-486F-A4B8-22FBD24EA0CE}" dt="2023-12-04T16:50:18.369" v="35"/>
+          <ac:inkMkLst>
+            <pc:docMk/>
+            <pc:sldMk cId="959288859" sldId="275"/>
+            <ac:inkMk id="36" creationId="{C4CA2C02-47CC-E890-2B14-2B22A35B499E}"/>
+          </ac:inkMkLst>
+        </pc:inkChg>
+        <pc:inkChg chg="add">
+          <ac:chgData name="Ayan Ruzdan" userId="281b3fb1-178d-4595-a67e-42f3d5782a4e" providerId="ADAL" clId="{E029E847-8492-486F-A4B8-22FBD24EA0CE}" dt="2023-12-04T16:50:17.489" v="34" actId="9405"/>
+          <ac:inkMkLst>
+            <pc:docMk/>
+            <pc:sldMk cId="959288859" sldId="275"/>
+            <ac:inkMk id="37" creationId="{E9B89F56-12DC-D2F9-8598-B7E9E849387E}"/>
+          </ac:inkMkLst>
+        </pc:inkChg>
+        <pc:inkChg chg="add">
+          <ac:chgData name="Ayan Ruzdan" userId="281b3fb1-178d-4595-a67e-42f3d5782a4e" providerId="ADAL" clId="{E029E847-8492-486F-A4B8-22FBD24EA0CE}" dt="2023-12-04T16:50:21.252" v="36" actId="9405"/>
+          <ac:inkMkLst>
+            <pc:docMk/>
+            <pc:sldMk cId="959288859" sldId="275"/>
+            <ac:inkMk id="39" creationId="{CD5EE340-531E-24CE-952C-7A9A2617D5BE}"/>
+          </ac:inkMkLst>
+        </pc:inkChg>
+        <pc:inkChg chg="add mod">
+          <ac:chgData name="Ayan Ruzdan" userId="281b3fb1-178d-4595-a67e-42f3d5782a4e" providerId="ADAL" clId="{E029E847-8492-486F-A4B8-22FBD24EA0CE}" dt="2023-12-04T16:50:30.703" v="40"/>
+          <ac:inkMkLst>
+            <pc:docMk/>
+            <pc:sldMk cId="959288859" sldId="275"/>
+            <ac:inkMk id="40" creationId="{4A37E173-B389-0385-3FF1-8216CB8209E8}"/>
+          </ac:inkMkLst>
+        </pc:inkChg>
+        <pc:inkChg chg="add mod">
+          <ac:chgData name="Ayan Ruzdan" userId="281b3fb1-178d-4595-a67e-42f3d5782a4e" providerId="ADAL" clId="{E029E847-8492-486F-A4B8-22FBD24EA0CE}" dt="2023-12-04T16:50:30.703" v="40"/>
+          <ac:inkMkLst>
+            <pc:docMk/>
+            <pc:sldMk cId="959288859" sldId="275"/>
+            <ac:inkMk id="41" creationId="{586DDDED-5559-9F96-B28A-43C26FA2A636}"/>
+          </ac:inkMkLst>
+        </pc:inkChg>
+        <pc:inkChg chg="add mod">
+          <ac:chgData name="Ayan Ruzdan" userId="281b3fb1-178d-4595-a67e-42f3d5782a4e" providerId="ADAL" clId="{E029E847-8492-486F-A4B8-22FBD24EA0CE}" dt="2023-12-04T16:50:30.703" v="40"/>
+          <ac:inkMkLst>
+            <pc:docMk/>
+            <pc:sldMk cId="959288859" sldId="275"/>
+            <ac:inkMk id="42" creationId="{C4EC6F1B-FCDD-2C8F-BBC4-C1AB5E3B32A4}"/>
+          </ac:inkMkLst>
+        </pc:inkChg>
+        <pc:inkChg chg="add">
+          <ac:chgData name="Ayan Ruzdan" userId="281b3fb1-178d-4595-a67e-42f3d5782a4e" providerId="ADAL" clId="{E029E847-8492-486F-A4B8-22FBD24EA0CE}" dt="2023-12-04T16:50:33.204" v="41" actId="9405"/>
+          <ac:inkMkLst>
+            <pc:docMk/>
+            <pc:sldMk cId="959288859" sldId="275"/>
+            <ac:inkMk id="44" creationId="{F2849226-1C04-1547-8821-C28219CCD1D4}"/>
+          </ac:inkMkLst>
+        </pc:inkChg>
+      </pc:sldChg>
+    </pc:docChg>
+  </pc:docChgLst>
+</pc:chgInfo>
+</file>
+
+<file path=ppt/ink/ink1.xml><?xml version="1.0" encoding="utf-8"?>
+<inkml:ink xmlns:inkml="http://www.w3.org/2003/InkML">
+  <inkml:definitions>
+    <inkml:context xml:id="ctx0">
+      <inkml:inkSource xml:id="inkSrc0">
+        <inkml:traceFormat>
+          <inkml:channel name="X" type="integer" min="-2.14748E9" max="2.14748E9" units="cm"/>
+          <inkml:channel name="Y" type="integer" min="-2.14748E9" max="2.14748E9" units="cm"/>
+          <inkml:channel name="F" type="integer" max="32767" units="dev"/>
+        </inkml:traceFormat>
+        <inkml:channelProperties>
+          <inkml:channelProperty channel="X" name="resolution" value="1000" units="1/cm"/>
+          <inkml:channelProperty channel="Y" name="resolution" value="1000" units="1/cm"/>
+          <inkml:channelProperty channel="F" name="resolution" value="0" units="1/dev"/>
+        </inkml:channelProperties>
+      </inkml:inkSource>
+      <inkml:timestamp xml:id="ts0" timeString="2023-12-04T16:49:31.607"/>
+    </inkml:context>
+    <inkml:brush xml:id="br0">
+      <inkml:brushProperty name="width" value="0.035" units="cm"/>
+      <inkml:brushProperty name="height" value="0.035" units="cm"/>
+      <inkml:brushProperty name="color" value="#E71224"/>
+    </inkml:brush>
+  </inkml:definitions>
+  <inkml:trace contextRef="#ctx0" brushRef="#br0">1 0 24575,'393'23'-87,"-260"-11"-476,480 46-2886,319 50 4477,-825-95-885,-50-8 638,90-3 1,-127-3-7608</inkml:trace>
+</inkml:ink>
+</file>
+
+<file path=ppt/ink/ink10.xml><?xml version="1.0" encoding="utf-8"?>
+<inkml:ink xmlns:inkml="http://www.w3.org/2003/InkML">
+  <inkml:definitions>
+    <inkml:context xml:id="ctx0">
+      <inkml:inkSource xml:id="inkSrc0">
+        <inkml:traceFormat>
+          <inkml:channel name="X" type="integer" min="-2.14748E9" max="2.14748E9" units="cm"/>
+          <inkml:channel name="Y" type="integer" min="-2.14748E9" max="2.14748E9" units="cm"/>
+          <inkml:channel name="F" type="integer" max="32767" units="dev"/>
+        </inkml:traceFormat>
+        <inkml:channelProperties>
+          <inkml:channelProperty channel="X" name="resolution" value="1000" units="1/cm"/>
+          <inkml:channelProperty channel="Y" name="resolution" value="1000" units="1/cm"/>
+          <inkml:channelProperty channel="F" name="resolution" value="0" units="1/dev"/>
+        </inkml:channelProperties>
+      </inkml:inkSource>
+      <inkml:timestamp xml:id="ts0" timeString="2023-12-04T16:49:49.818"/>
+    </inkml:context>
+    <inkml:brush xml:id="br0">
+      <inkml:brushProperty name="width" value="0.035" units="cm"/>
+      <inkml:brushProperty name="height" value="0.035" units="cm"/>
+      <inkml:brushProperty name="color" value="#E71224"/>
+    </inkml:brush>
+  </inkml:definitions>
+  <inkml:trace contextRef="#ctx0" brushRef="#br0">497 0 24575,'-43'3'0,"-1"2"0,1 2 0,1 1 0,-54 19 0,-18 3 0,107-29 0,1 0 0,0 1 0,0 0 0,0 0 0,0 1 0,0-1 0,1 1 0,-1 0 0,1 1 0,0 0 0,-1-1 0,2 2 0,-7 5 0,7-5 0,1 1 0,-1-1 0,2 1 0,-1 0 0,0-1 0,1 1 0,0 0 0,1 0 0,-1 1 0,1-1 0,0 0 0,1 0 0,-1 9 0,1-11 0,0 0 0,0-1 0,0 1 0,0 0 0,1 0 0,-1 0 0,1-1 0,0 1 0,0 0 0,1-1 0,-1 1 0,1-1 0,-1 1 0,1-1 0,5 7 0,-4-8 0,0 1 0,0-1 0,0 0 0,0 0 0,1 0 0,-1 0 0,1 0 0,0-1 0,-1 1 0,1-1 0,0 0 0,0 0 0,0-1 0,-1 1 0,8-1 0,16 0 0,-1-1 0,1-1 0,49-11 0,-43 6 0,57-4 0,-87 11 0,5 0 0,1-1 0,0 2 0,-1-1 0,1 1 0,16 4 0,-23-5 0,1 1 0,-1 0 0,0 1 0,0-1 0,0 0 0,0 1 0,0-1 0,0 1 0,0 0 0,0-1 0,0 1 0,-1 0 0,1 0 0,-1 0 0,1 0 0,-1 0 0,0 1 0,0-1 0,0 0 0,0 1 0,0-1 0,0 1 0,-1-1 0,1 5 0,0 2 0,0 0 0,0 0 0,-1 0 0,0 1 0,-1-1 0,0 0 0,0 0 0,-1 0 0,0 0 0,0 0 0,-1 0 0,-1-1 0,1 1 0,-10 13 0,-83 177 0,87-184 0,0-1 0,-1 1 0,0-1 0,-20 19 0,26-29 0,-1 0 0,0-1 0,-1 0 0,1 0 0,-1 0 0,1 0 0,-1-1 0,0 0 0,0 0 0,0-1 0,0 0 0,0 0 0,0 0 0,0-1 0,0 0 0,0 0 0,0 0 0,0-1 0,-1 0 0,1 0 0,-7-2 0,7 1 0,-1 1 0,1-1 0,0-1 0,0 1 0,0-1 0,0 0 0,0 0 0,0 0 0,1-1 0,0 0 0,0 0 0,0-1 0,0 1 0,1-1 0,-1 0 0,1 0 0,0-1 0,1 1 0,-5-10 0,1-9-1365,4 2-5461</inkml:trace>
+</inkml:ink>
+</file>
+
+<file path=ppt/ink/ink11.xml><?xml version="1.0" encoding="utf-8"?>
+<inkml:ink xmlns:inkml="http://www.w3.org/2003/InkML">
+  <inkml:definitions>
+    <inkml:context xml:id="ctx0">
+      <inkml:inkSource xml:id="inkSrc0">
+        <inkml:traceFormat>
+          <inkml:channel name="X" type="integer" min="-2.14748E9" max="2.14748E9" units="cm"/>
+          <inkml:channel name="Y" type="integer" min="-2.14748E9" max="2.14748E9" units="cm"/>
+          <inkml:channel name="F" type="integer" max="32767" units="dev"/>
+        </inkml:traceFormat>
+        <inkml:channelProperties>
+          <inkml:channelProperty channel="X" name="resolution" value="1000" units="1/cm"/>
+          <inkml:channelProperty channel="Y" name="resolution" value="1000" units="1/cm"/>
+          <inkml:channelProperty channel="F" name="resolution" value="0" units="1/dev"/>
+        </inkml:channelProperties>
+      </inkml:inkSource>
+      <inkml:timestamp xml:id="ts0" timeString="2023-12-04T16:49:51.231"/>
+    </inkml:context>
+    <inkml:brush xml:id="br0">
+      <inkml:brushProperty name="width" value="0.035" units="cm"/>
+      <inkml:brushProperty name="height" value="0.035" units="cm"/>
+      <inkml:brushProperty name="color" value="#E71224"/>
+    </inkml:brush>
+  </inkml:definitions>
+  <inkml:trace contextRef="#ctx0" brushRef="#br0">0 0 24575,'19'0'0,"47"0"0,46 9 0,40 8 0,23 1 0,18 2 0,-4-3 0,-17-3 0,-32 0 0,-31-3 0,-30-2 0,-23-3 0,-16-3 0,-11-2 0,-5 0 0,-3-2 0,1 1 0,-5-1-8191</inkml:trace>
+</inkml:ink>
+</file>
+
+<file path=ppt/ink/ink12.xml><?xml version="1.0" encoding="utf-8"?>
+<inkml:ink xmlns:inkml="http://www.w3.org/2003/InkML">
+  <inkml:definitions>
+    <inkml:context xml:id="ctx0">
+      <inkml:inkSource xml:id="inkSrc0">
+        <inkml:traceFormat>
+          <inkml:channel name="X" type="integer" min="-2.14748E9" max="2.14748E9" units="cm"/>
+          <inkml:channel name="Y" type="integer" min="-2.14748E9" max="2.14748E9" units="cm"/>
+          <inkml:channel name="F" type="integer" max="32767" units="dev"/>
+        </inkml:traceFormat>
+        <inkml:channelProperties>
+          <inkml:channelProperty channel="X" name="resolution" value="1000" units="1/cm"/>
+          <inkml:channelProperty channel="Y" name="resolution" value="1000" units="1/cm"/>
+          <inkml:channelProperty channel="F" name="resolution" value="0" units="1/dev"/>
+        </inkml:channelProperties>
+      </inkml:inkSource>
+      <inkml:timestamp xml:id="ts0" timeString="2023-12-04T16:49:53.353"/>
+    </inkml:context>
+    <inkml:brush xml:id="br0">
+      <inkml:brushProperty name="width" value="0.035" units="cm"/>
+      <inkml:brushProperty name="height" value="0.035" units="cm"/>
+      <inkml:brushProperty name="color" value="#E71224"/>
+    </inkml:brush>
+  </inkml:definitions>
+  <inkml:trace contextRef="#ctx0" brushRef="#br0">333 0 24575,'-19'0'0,"0"1"0,-1 0 0,-26 7 0,39-7 0,0 1 0,0 1 0,0-1 0,0 1 0,1 1 0,-1-1 0,1 1 0,0 0 0,0 0 0,0 1 0,-9 10 0,-5 10 0,1 1 0,2 1 0,0 1 0,2 0 0,-14 38 0,26-60 0,-1 5 0,0 1 0,0-1 0,1 1 0,1 0 0,0 0 0,1 0 0,0 1 0,1-1 0,0 0 0,1 0 0,0 0 0,1 0 0,0 0 0,1 0 0,0 0 0,1-1 0,0 1 0,12 20 0,-12-27 0,0-2 0,0 1 0,0 0 0,1-1 0,-1 0 0,1 0 0,0 0 0,0-1 0,0 1 0,0-1 0,0-1 0,1 1 0,-1-1 0,0 1 0,1-2 0,-1 1 0,1 0 0,6-1 0,7 0 0,-1 0 0,1-2 0,-1 0 0,22-5 0,-15-1 0,0 0 0,41-22 0,-46 21 0,-15 7 0,1-1 0,-1 0 0,1 0 0,-1-1 0,0 1 0,0-1 0,-1 0 0,1 0 0,-1-1 0,0 1 0,0-1 0,0 0 0,5-11 0,-8 13 0,1 0 0,-1-1 0,-1 1 0,1-1 0,0 1 0,-1-1 0,0 1 0,0-1 0,0 1 0,0-1 0,0 1 0,-1 0 0,1-1 0,-1 1 0,0-1 0,0 1 0,0 0 0,-1 0 0,1-1 0,-1 1 0,0 0 0,0 0 0,0 1 0,0-1 0,-5-4 0,0 0 8,0 0 0,-1 1 0,0 0 0,0 1 0,-1 0 0,1 0 0,-1 1 0,0 0 0,-1 0 0,1 1 0,0 0 0,-1 1 0,0 0 0,-18-1 0,23 2-65,-1 0 0,0 1 0,0 0 0,0 0-1,0 0 1,0 1 0,0 0 0,0 0 0,0 1 0,1 0 0,-1 0 0,1 0-1,-1 0 1,1 1 0,0 0 0,0 0 0,0 1 0,0-1 0,0 1 0,1 0 0,0 0-1,0 1 1,0-1 0,0 1 0,-5 8 0,2 5-6769</inkml:trace>
+</inkml:ink>
+</file>
+
+<file path=ppt/ink/ink13.xml><?xml version="1.0" encoding="utf-8"?>
+<inkml:ink xmlns:inkml="http://www.w3.org/2003/InkML">
+  <inkml:definitions>
+    <inkml:context xml:id="ctx0">
+      <inkml:inkSource xml:id="inkSrc0">
+        <inkml:traceFormat>
+          <inkml:channel name="X" type="integer" min="-2.14748E9" max="2.14748E9" units="cm"/>
+          <inkml:channel name="Y" type="integer" min="-2.14748E9" max="2.14748E9" units="cm"/>
+          <inkml:channel name="F" type="integer" max="32767" units="dev"/>
+        </inkml:traceFormat>
+        <inkml:channelProperties>
+          <inkml:channelProperty channel="X" name="resolution" value="1000" units="1/cm"/>
+          <inkml:channelProperty channel="Y" name="resolution" value="1000" units="1/cm"/>
+          <inkml:channelProperty channel="F" name="resolution" value="0" units="1/dev"/>
+        </inkml:channelProperties>
+      </inkml:inkSource>
+      <inkml:timestamp xml:id="ts0" timeString="2023-12-04T16:49:54.811"/>
+    </inkml:context>
+    <inkml:brush xml:id="br0">
+      <inkml:brushProperty name="width" value="0.035" units="cm"/>
+      <inkml:brushProperty name="height" value="0.035" units="cm"/>
+      <inkml:brushProperty name="color" value="#E71224"/>
+    </inkml:brush>
+  </inkml:definitions>
+  <inkml:trace contextRef="#ctx0" brushRef="#br0">1 0 24575,'737'0'-1365,"-711"0"-5461</inkml:trace>
+</inkml:ink>
+</file>
+
+<file path=ppt/ink/ink14.xml><?xml version="1.0" encoding="utf-8"?>
+<inkml:ink xmlns:inkml="http://www.w3.org/2003/InkML">
+  <inkml:definitions>
+    <inkml:context xml:id="ctx0">
+      <inkml:inkSource xml:id="inkSrc0">
+        <inkml:traceFormat>
+          <inkml:channel name="X" type="integer" min="-2.14748E9" max="2.14748E9" units="cm"/>
+          <inkml:channel name="Y" type="integer" min="-2.14748E9" max="2.14748E9" units="cm"/>
+          <inkml:channel name="F" type="integer" max="32767" units="dev"/>
+        </inkml:traceFormat>
+        <inkml:channelProperties>
+          <inkml:channelProperty channel="X" name="resolution" value="1000" units="1/cm"/>
+          <inkml:channelProperty channel="Y" name="resolution" value="1000" units="1/cm"/>
+          <inkml:channelProperty channel="F" name="resolution" value="0" units="1/dev"/>
+        </inkml:channelProperties>
+      </inkml:inkSource>
+      <inkml:timestamp xml:id="ts0" timeString="2023-12-04T16:49:56.673"/>
+    </inkml:context>
+    <inkml:brush xml:id="br0">
+      <inkml:brushProperty name="width" value="0.035" units="cm"/>
+      <inkml:brushProperty name="height" value="0.035" units="cm"/>
+      <inkml:brushProperty name="color" value="#E71224"/>
+    </inkml:brush>
+  </inkml:definitions>
+  <inkml:trace contextRef="#ctx0" brushRef="#br0">1 1 24575,'495'0'0,"-491"-1"0,0 1 0,0 1 0,0-1 0,0 0 0,0 1 0,0 0 0,0 0 0,-1 0 0,1 0 0,0 1 0,-1-1 0,1 1 0,-1 0 0,6 4 0,-7-4 0,0 0 0,-1 0 0,1 0 0,-1 1 0,1-1 0,-1 1 0,0-1 0,0 1 0,0-1 0,0 1 0,0 0 0,-1-1 0,1 1 0,-1 0 0,1 0 0,-1-1 0,0 1 0,0 0 0,-1 0 0,1 0 0,-1 4 0,-5 21 0,-2-1 0,-15 41 0,12-38 0,-13 51 0,19-42 0,1-1 0,3 1 0,2 45 0,-2 59 0,1-140-124,-1 0 0,1 0 0,-1 0 0,1 0 0,-1 0 0,0 0-1,0-1 1,0 1 0,0 0 0,-2 2 0,-3 1-6702</inkml:trace>
+</inkml:ink>
+</file>
+
+<file path=ppt/ink/ink15.xml><?xml version="1.0" encoding="utf-8"?>
+<inkml:ink xmlns:inkml="http://www.w3.org/2003/InkML">
+  <inkml:definitions>
+    <inkml:context xml:id="ctx0">
+      <inkml:inkSource xml:id="inkSrc0">
+        <inkml:traceFormat>
+          <inkml:channel name="X" type="integer" min="-2.14748E9" max="2.14748E9" units="cm"/>
+          <inkml:channel name="Y" type="integer" min="-2.14748E9" max="2.14748E9" units="cm"/>
+          <inkml:channel name="F" type="integer" max="32767" units="dev"/>
+        </inkml:traceFormat>
+        <inkml:channelProperties>
+          <inkml:channelProperty channel="X" name="resolution" value="1000" units="1/cm"/>
+          <inkml:channelProperty channel="Y" name="resolution" value="1000" units="1/cm"/>
+          <inkml:channelProperty channel="F" name="resolution" value="0" units="1/dev"/>
+        </inkml:channelProperties>
+      </inkml:inkSource>
+      <inkml:timestamp xml:id="ts0" timeString="2023-12-04T16:49:58.299"/>
+    </inkml:context>
+    <inkml:brush xml:id="br0">
+      <inkml:brushProperty name="width" value="0.035" units="cm"/>
+      <inkml:brushProperty name="height" value="0.035" units="cm"/>
+      <inkml:brushProperty name="color" value="#E71224"/>
+    </inkml:brush>
+  </inkml:definitions>
+  <inkml:trace contextRef="#ctx0" brushRef="#br0">1 1 24575,'493'0'-1365,"-470"0"-5461</inkml:trace>
+</inkml:ink>
+</file>
+
+<file path=ppt/ink/ink16.xml><?xml version="1.0" encoding="utf-8"?>
+<inkml:ink xmlns:inkml="http://www.w3.org/2003/InkML">
+  <inkml:definitions>
+    <inkml:context xml:id="ctx0">
+      <inkml:inkSource xml:id="inkSrc0">
+        <inkml:traceFormat>
+          <inkml:channel name="X" type="integer" min="-2.14748E9" max="2.14748E9" units="cm"/>
+          <inkml:channel name="Y" type="integer" min="-2.14748E9" max="2.14748E9" units="cm"/>
+          <inkml:channel name="F" type="integer" max="32767" units="dev"/>
+        </inkml:traceFormat>
+        <inkml:channelProperties>
+          <inkml:channelProperty channel="X" name="resolution" value="1000" units="1/cm"/>
+          <inkml:channelProperty channel="Y" name="resolution" value="1000" units="1/cm"/>
+          <inkml:channelProperty channel="F" name="resolution" value="0" units="1/dev"/>
+        </inkml:channelProperties>
+      </inkml:inkSource>
+      <inkml:timestamp xml:id="ts0" timeString="2023-12-04T16:49:54.811"/>
+    </inkml:context>
+    <inkml:brush xml:id="br0">
+      <inkml:brushProperty name="width" value="0.035" units="cm"/>
+      <inkml:brushProperty name="height" value="0.035" units="cm"/>
+      <inkml:brushProperty name="color" value="#E71224"/>
+    </inkml:brush>
+  </inkml:definitions>
+  <inkml:trace contextRef="#ctx0" brushRef="#br0">1 0 24575,'737'0'-1365,"-711"0"-5461</inkml:trace>
+</inkml:ink>
+</file>
+
+<file path=ppt/ink/ink17.xml><?xml version="1.0" encoding="utf-8"?>
+<inkml:ink xmlns:inkml="http://www.w3.org/2003/InkML">
+  <inkml:definitions>
+    <inkml:context xml:id="ctx0">
+      <inkml:inkSource xml:id="inkSrc0">
+        <inkml:traceFormat>
+          <inkml:channel name="X" type="integer" min="-2.14748E9" max="2.14748E9" units="cm"/>
+          <inkml:channel name="Y" type="integer" min="-2.14748E9" max="2.14748E9" units="cm"/>
+          <inkml:channel name="F" type="integer" max="32767" units="dev"/>
+        </inkml:traceFormat>
+        <inkml:channelProperties>
+          <inkml:channelProperty channel="X" name="resolution" value="1000" units="1/cm"/>
+          <inkml:channelProperty channel="Y" name="resolution" value="1000" units="1/cm"/>
+          <inkml:channelProperty channel="F" name="resolution" value="0" units="1/dev"/>
+        </inkml:channelProperties>
+      </inkml:inkSource>
+      <inkml:timestamp xml:id="ts0" timeString="2023-12-04T16:49:56.673"/>
+    </inkml:context>
+    <inkml:brush xml:id="br0">
+      <inkml:brushProperty name="width" value="0.035" units="cm"/>
+      <inkml:brushProperty name="height" value="0.035" units="cm"/>
+      <inkml:brushProperty name="color" value="#E71224"/>
+    </inkml:brush>
+  </inkml:definitions>
+  <inkml:trace contextRef="#ctx0" brushRef="#br0">1 1 24575,'495'0'0,"-491"-1"0,0 1 0,0 1 0,0-1 0,0 0 0,0 1 0,0 0 0,0 0 0,-1 0 0,1 0 0,0 1 0,-1-1 0,1 1 0,-1 0 0,6 4 0,-7-4 0,0 0 0,-1 0 0,1 0 0,-1 1 0,1-1 0,-1 1 0,0-1 0,0 1 0,0-1 0,0 1 0,0 0 0,-1-1 0,1 1 0,-1 0 0,1 0 0,-1-1 0,0 1 0,0 0 0,-1 0 0,1 0 0,-1 4 0,-5 21 0,-2-1 0,-15 41 0,12-38 0,-13 51 0,19-42 0,1-1 0,3 1 0,2 45 0,-2 59 0,1-140-124,-1 0 0,1 0 0,-1 0 0,1 0 0,-1 0 0,0 0-1,0-1 1,0 1 0,0 0 0,-2 2 0,-3 1-6702</inkml:trace>
+</inkml:ink>
+</file>
+
+<file path=ppt/ink/ink18.xml><?xml version="1.0" encoding="utf-8"?>
+<inkml:ink xmlns:inkml="http://www.w3.org/2003/InkML">
+  <inkml:definitions>
+    <inkml:context xml:id="ctx0">
+      <inkml:inkSource xml:id="inkSrc0">
+        <inkml:traceFormat>
+          <inkml:channel name="X" type="integer" min="-2.14748E9" max="2.14748E9" units="cm"/>
+          <inkml:channel name="Y" type="integer" min="-2.14748E9" max="2.14748E9" units="cm"/>
+          <inkml:channel name="F" type="integer" max="32767" units="dev"/>
+        </inkml:traceFormat>
+        <inkml:channelProperties>
+          <inkml:channelProperty channel="X" name="resolution" value="1000" units="1/cm"/>
+          <inkml:channelProperty channel="Y" name="resolution" value="1000" units="1/cm"/>
+          <inkml:channelProperty channel="F" name="resolution" value="0" units="1/dev"/>
+        </inkml:channelProperties>
+      </inkml:inkSource>
+      <inkml:timestamp xml:id="ts0" timeString="2023-12-04T16:49:58.299"/>
+    </inkml:context>
+    <inkml:brush xml:id="br0">
+      <inkml:brushProperty name="width" value="0.035" units="cm"/>
+      <inkml:brushProperty name="height" value="0.035" units="cm"/>
+      <inkml:brushProperty name="color" value="#E71224"/>
+    </inkml:brush>
+  </inkml:definitions>
+  <inkml:trace contextRef="#ctx0" brushRef="#br0">1 1 24575,'493'0'-1365,"-470"0"-5461</inkml:trace>
+</inkml:ink>
+</file>
+
+<file path=ppt/ink/ink19.xml><?xml version="1.0" encoding="utf-8"?>
+<inkml:ink xmlns:inkml="http://www.w3.org/2003/InkML">
+  <inkml:definitions>
+    <inkml:context xml:id="ctx0">
+      <inkml:inkSource xml:id="inkSrc0">
+        <inkml:traceFormat>
+          <inkml:channel name="X" type="integer" min="-2.14748E9" max="2.14748E9" units="cm"/>
+          <inkml:channel name="Y" type="integer" min="-2.14748E9" max="2.14748E9" units="cm"/>
+          <inkml:channel name="F" type="integer" max="32767" units="dev"/>
+        </inkml:traceFormat>
+        <inkml:channelProperties>
+          <inkml:channelProperty channel="X" name="resolution" value="1000" units="1/cm"/>
+          <inkml:channelProperty channel="Y" name="resolution" value="1000" units="1/cm"/>
+          <inkml:channelProperty channel="F" name="resolution" value="0" units="1/dev"/>
+        </inkml:channelProperties>
+      </inkml:inkSource>
+      <inkml:timestamp xml:id="ts0" timeString="2023-12-04T16:50:01.137"/>
+    </inkml:context>
+    <inkml:brush xml:id="br0">
+      <inkml:brushProperty name="width" value="0.035" units="cm"/>
+      <inkml:brushProperty name="height" value="0.035" units="cm"/>
+      <inkml:brushProperty name="color" value="#E71224"/>
+    </inkml:brush>
+  </inkml:definitions>
+  <inkml:trace contextRef="#ctx0" brushRef="#br0">962 168 24575,'-10'0'0,"0"-2"0,-1 1 0,1-1 0,1-1 0,-1 0 0,-14-6 0,-12-3 0,-68-21 0,-156-41 0,215 65 0,0 1 0,-1 2 0,-88 1 0,108 5 0,12 0 0,1 1 0,0-1 0,0 2 0,-14 3 0,22-3 0,1-1 0,0 1 0,0-1 0,0 1 0,1 0 0,-1 1 0,0-1 0,1 1 0,-1 0 0,1 0 0,0 0 0,0 0 0,0 0 0,0 1 0,1-1 0,-4 7 0,0 2 0,0 1 0,1 0 0,0 0 0,1 0 0,0 1 0,1 0 0,-2 27 0,3 7 0,5 48 0,0-16 0,-5 32 0,4 109 0,2-200 0,0 1 0,1-1 0,1 0 0,1-1 0,1 1 0,1-1 0,20 32 0,-26-48 0,0 1 0,1-1 0,0 1 0,0-1 0,0 0 0,0-1 0,1 1 0,-1-1 0,1 0 0,0 0 0,0 0 0,0-1 0,1 0 0,-1 0 0,0 0 0,1 0 0,5 0 0,12 2 0,0 0 0,41 0 0,240-5 0,-295 0 0,0 1 0,0-2 0,-1 1 0,1-1 0,-1 0 0,1-1 0,-1 0 0,0 0 0,0-1 0,0 0 0,-1-1 0,1 1 0,10-10 0,5-7 0,0-1 0,30-36 0,1-2 0,-9 15 0,-14 17 0,-2-1 0,-2-2 0,45-64 0,-58 73 0,9-16 0,32-69 0,-50 93 0,0 0 0,0 0 0,-2 0 0,0-1 0,0 1 0,-1-1 0,-1 0 0,-1 0 0,-1-16 0,0 27 0,0 0 0,0 0 0,0 0 0,-1 1 0,0-1 0,1 0 0,-1 1 0,-1 0 0,1-1 0,0 1 0,-1 0 0,0 0 0,0 0 0,0 0 0,0 1 0,0-1 0,0 1 0,-4-2 0,-5-4 0,-1 2 0,1-1 0,-27-8 0,17 10 0,1 1 0,-1 1 0,0 1 0,0 1 0,0 1 0,-26 3 0,-8-1 0,45-2-273,1 1 0,-1 0 0,0 1 0,-17 5 0,10-1-6553</inkml:trace>
+</inkml:ink>
+</file>
+
+<file path=ppt/ink/ink2.xml><?xml version="1.0" encoding="utf-8"?>
+<inkml:ink xmlns:inkml="http://www.w3.org/2003/InkML">
+  <inkml:definitions>
+    <inkml:context xml:id="ctx0">
+      <inkml:inkSource xml:id="inkSrc0">
+        <inkml:traceFormat>
+          <inkml:channel name="X" type="integer" min="-2.14748E9" max="2.14748E9" units="cm"/>
+          <inkml:channel name="Y" type="integer" min="-2.14748E9" max="2.14748E9" units="cm"/>
+          <inkml:channel name="F" type="integer" max="32767" units="dev"/>
+        </inkml:traceFormat>
+        <inkml:channelProperties>
+          <inkml:channelProperty channel="X" name="resolution" value="1000" units="1/cm"/>
+          <inkml:channelProperty channel="Y" name="resolution" value="1000" units="1/cm"/>
+          <inkml:channelProperty channel="F" name="resolution" value="0" units="1/dev"/>
+        </inkml:channelProperties>
+      </inkml:inkSource>
+      <inkml:timestamp xml:id="ts0" timeString="2023-12-04T16:49:34.617"/>
+    </inkml:context>
+    <inkml:brush xml:id="br0">
+      <inkml:brushProperty name="width" value="0.035" units="cm"/>
+      <inkml:brushProperty name="height" value="0.035" units="cm"/>
+      <inkml:brushProperty name="color" value="#E71224"/>
+    </inkml:brush>
+  </inkml:definitions>
+  <inkml:trace contextRef="#ctx0" brushRef="#br0">1 0 24575,'0'5'0,"0"5"0,0 7 0,0 5 0,0 2 0,0 8 0,0-2 0,14 147 0,18 94-6784,5 6 6784,-5-44-1407</inkml:trace>
+</inkml:ink>
+</file>
+
+<file path=ppt/ink/ink20.xml><?xml version="1.0" encoding="utf-8"?>
+<inkml:ink xmlns:inkml="http://www.w3.org/2003/InkML">
+  <inkml:definitions>
+    <inkml:context xml:id="ctx0">
+      <inkml:inkSource xml:id="inkSrc0">
+        <inkml:traceFormat>
+          <inkml:channel name="X" type="integer" min="-2.14748E9" max="2.14748E9" units="cm"/>
+          <inkml:channel name="Y" type="integer" min="-2.14748E9" max="2.14748E9" units="cm"/>
+          <inkml:channel name="F" type="integer" max="32767" units="dev"/>
+        </inkml:traceFormat>
+        <inkml:channelProperties>
+          <inkml:channelProperty channel="X" name="resolution" value="1000" units="1/cm"/>
+          <inkml:channelProperty channel="Y" name="resolution" value="1000" units="1/cm"/>
+          <inkml:channelProperty channel="F" name="resolution" value="0" units="1/dev"/>
+        </inkml:channelProperties>
+      </inkml:inkSource>
+      <inkml:timestamp xml:id="ts0" timeString="2023-12-04T16:50:04.328"/>
+    </inkml:context>
+    <inkml:brush xml:id="br0">
+      <inkml:brushProperty name="width" value="0.035" units="cm"/>
+      <inkml:brushProperty name="height" value="0.035" units="cm"/>
+      <inkml:brushProperty name="color" value="#E71224"/>
+    </inkml:brush>
+  </inkml:definitions>
+  <inkml:trace contextRef="#ctx0" brushRef="#br0">860 0 24575,'-8'12'0,"1"1"0,0-1 0,-9 23 0,-2 8 0,-62 144 0,-34 98-927,-148 408-2086,39 25 1390,185-559 1477,6 2 0,8 0 0,-6 245 1,30-334 227,3 1 0,3-1 0,31 138 0,-25-164-138,2-1 1,2-1-1,2-1 1,2 0-1,1-1 1,3-1-1,30 40 1,-21-39 44,2-2 0,1-2 0,2-1 1,85 64-1,-62-60 28,2-2-1,134 59 1,152 24 67,1-34-41,799 98-562,8-99 122,-1130-86 566,174 4 1854,-189-7-159,-29 0 264,1 0-2159,-21-5 229,1-1-1,0-3 0,1 0 0,-37-19 0,-131-74-321,186 95 164,-13-7-40,-368-217 0,379 221 0,-29-27 0,44 36 0,1 1 0,0-2 0,0 1 0,0 0 0,0 0 0,0-1 0,1 0 0,-1 1 0,1-1 0,0 0 0,0 0 0,1 0 0,-1-1 0,1 1 0,-2-9 0,3 12 0,0 0 0,1 0 0,-1 0 0,0 0 0,0 0 0,0-1 0,1 1 0,-1 0 0,0 0 0,1 0 0,-1 0 0,1 0 0,-1 0 0,1 0 0,0 1 0,-1-1 0,1 0 0,0 0 0,0 0 0,0 1 0,-1-1 0,1 0 0,0 1 0,0-1 0,0 0 0,0 1 0,0-1 0,0 1 0,0 0 0,0-1 0,0 1 0,1 0 0,-1 0 0,0 0 0,0 0 0,0 0 0,0 0 0,0 0 0,0 0 0,0 0 0,1 0 0,-1 0 0,0 1 0,0-1 0,0 1 0,1 0 0,2 0 0,0 0 0,-1 0 0,1 0 0,-1 1 0,1 0 0,-1 0 0,0 0 0,0 0 0,0 0 0,0 1 0,0-1 0,5 6 0,3 11 0,-1 1 0,-1-1 0,0 2 0,-2-1 0,0 1 0,-2 0 0,0 0 0,-1 1 0,1 24 0,17 123 0,1 7 0,-14 274 0,-9-384 0,0-65 0,-1 20 0,-4 36 0,5-52 0,-1-1 0,0 1 0,0-1 0,0 1 0,-1-1 0,0 0 0,1 0 0,-2 1 0,1-1 0,0-1 0,-1 1 0,0 0 0,1-1 0,-7 6 0,9-9-45,-1 1-1,0 0 1,1-1-1,-1 1 1,0-1-1,0 1 1,0-1-1,0 0 1,0 1-1,1-1 1,-1 0-1,0 0 1,0 1-1,0-1 1,0 0-1,0 0 1,0 0-1,0 0 1,0 0-1,0 0 1,0 0-1,0-1 1,0 1-1,0 0 0,1-1 1,-1 1-1,0 0 1,0-1-1,-1 0 1,-8-8-6781</inkml:trace>
+</inkml:ink>
+</file>
+
+<file path=ppt/ink/ink21.xml><?xml version="1.0" encoding="utf-8"?>
+<inkml:ink xmlns:inkml="http://www.w3.org/2003/InkML">
+  <inkml:definitions>
+    <inkml:context xml:id="ctx0">
+      <inkml:inkSource xml:id="inkSrc0">
+        <inkml:traceFormat>
+          <inkml:channel name="X" type="integer" min="-2.14748E9" max="2.14748E9" units="cm"/>
+          <inkml:channel name="Y" type="integer" min="-2.14748E9" max="2.14748E9" units="cm"/>
+          <inkml:channel name="F" type="integer" max="32767" units="dev"/>
+        </inkml:traceFormat>
+        <inkml:channelProperties>
+          <inkml:channelProperty channel="X" name="resolution" value="1000" units="1/cm"/>
+          <inkml:channelProperty channel="Y" name="resolution" value="1000" units="1/cm"/>
+          <inkml:channelProperty channel="F" name="resolution" value="0" units="1/dev"/>
+        </inkml:channelProperties>
+      </inkml:inkSource>
+      <inkml:timestamp xml:id="ts0" timeString="2023-12-04T16:50:05.063"/>
+    </inkml:context>
+    <inkml:brush xml:id="br0">
+      <inkml:brushProperty name="width" value="0.035" units="cm"/>
+      <inkml:brushProperty name="height" value="0.035" units="cm"/>
+      <inkml:brushProperty name="color" value="#E71224"/>
+    </inkml:brush>
+  </inkml:definitions>
+  <inkml:trace contextRef="#ctx0" brushRef="#br0">1 0 24575,'0'0'-8191</inkml:trace>
+</inkml:ink>
+</file>
+
+<file path=ppt/ink/ink22.xml><?xml version="1.0" encoding="utf-8"?>
+<inkml:ink xmlns:inkml="http://www.w3.org/2003/InkML">
+  <inkml:definitions>
+    <inkml:context xml:id="ctx0">
+      <inkml:inkSource xml:id="inkSrc0">
+        <inkml:traceFormat>
+          <inkml:channel name="X" type="integer" min="-2.14748E9" max="2.14748E9" units="cm"/>
+          <inkml:channel name="Y" type="integer" min="-2.14748E9" max="2.14748E9" units="cm"/>
+          <inkml:channel name="F" type="integer" max="32767" units="dev"/>
+        </inkml:traceFormat>
+        <inkml:channelProperties>
+          <inkml:channelProperty channel="X" name="resolution" value="1000" units="1/cm"/>
+          <inkml:channelProperty channel="Y" name="resolution" value="1000" units="1/cm"/>
+          <inkml:channelProperty channel="F" name="resolution" value="0" units="1/dev"/>
+        </inkml:channelProperties>
+      </inkml:inkSource>
+      <inkml:timestamp xml:id="ts0" timeString="2023-12-04T16:50:06.251"/>
+    </inkml:context>
+    <inkml:brush xml:id="br0">
+      <inkml:brushProperty name="width" value="0.035" units="cm"/>
+      <inkml:brushProperty name="height" value="0.035" units="cm"/>
+      <inkml:brushProperty name="color" value="#E71224"/>
+    </inkml:brush>
+  </inkml:definitions>
+  <inkml:trace contextRef="#ctx0" brushRef="#br0">1 640 24575,'16'-17'0,"-1"2"0,0 0 0,1 1 0,22-14 0,270-162 0,-288 180 0,0 1 0,22-7 0,-28 12 0,-1 0 0,1-2 0,-1 1 0,0-2 0,-1 0 0,0 0 0,20-16 0,-26 18 0,1-1 0,1 2 0,-1-1 0,1 1 0,14-6 0,22-13 0,-5 3 0,-35 19 0,-1 0 0,1 0 0,0-1 0,-1 1 0,0-1 0,1 0 0,-1 0 0,0 0 0,0-1 0,0 1 0,0 0 0,-1-1 0,1 0 0,-1 0 0,1 0 0,-1 0 0,0 0 0,0 0 0,0-1 0,-1 1 0,1-1 0,-1 1 0,2-8 0,-1 2-151,-1-1-1,0 1 0,0-1 0,-1 0 1,0 1-1,-1-1 0,0 0 1,-4-13-1,-2 5-6674</inkml:trace>
+</inkml:ink>
+</file>
+
+<file path=ppt/ink/ink23.xml><?xml version="1.0" encoding="utf-8"?>
+<inkml:ink xmlns:inkml="http://www.w3.org/2003/InkML">
+  <inkml:definitions>
+    <inkml:context xml:id="ctx0">
+      <inkml:inkSource xml:id="inkSrc0">
+        <inkml:traceFormat>
+          <inkml:channel name="X" type="integer" min="-2.14748E9" max="2.14748E9" units="cm"/>
+          <inkml:channel name="Y" type="integer" min="-2.14748E9" max="2.14748E9" units="cm"/>
+          <inkml:channel name="F" type="integer" max="32767" units="dev"/>
+        </inkml:traceFormat>
+        <inkml:channelProperties>
+          <inkml:channelProperty channel="X" name="resolution" value="1000" units="1/cm"/>
+          <inkml:channelProperty channel="Y" name="resolution" value="1000" units="1/cm"/>
+          <inkml:channelProperty channel="F" name="resolution" value="0" units="1/dev"/>
+        </inkml:channelProperties>
+      </inkml:inkSource>
+      <inkml:timestamp xml:id="ts0" timeString="2023-12-04T16:50:11.369"/>
+    </inkml:context>
+    <inkml:brush xml:id="br0">
+      <inkml:brushProperty name="width" value="0.035" units="cm"/>
+      <inkml:brushProperty name="height" value="0.035" units="cm"/>
+      <inkml:brushProperty name="color" value="#E71224"/>
+    </inkml:brush>
+  </inkml:definitions>
+  <inkml:trace contextRef="#ctx0" brushRef="#br0">1 0 24575,'3'53'0,"2"0"0,14 61 0,-8-49 0,105 483 0,-113-536 0,1 1 0,1-1 0,0-1 0,0 1 0,10 13 0,-14-23 0,0 0 0,0 1 0,1-1 0,-1 0 0,1 0 0,0 0 0,-1 0 0,1 0 0,0-1 0,0 1 0,0 0 0,0-1 0,1 0 0,-1 1 0,0-1 0,1 0 0,-1 0 0,1 0 0,-1 0 0,1-1 0,-1 1 0,1-1 0,-1 0 0,1 1 0,0-1 0,-1 0 0,1-1 0,-1 1 0,1 0 0,0-1 0,2 0 0,-1-1 0,-1 0 0,0 0 0,1-1 0,-1 1 0,0-1 0,-1 0 0,1 0 0,0 0 0,-1 0 0,0 0 0,1 0 0,-1-1 0,2-5 0,22-54 0,-20 46 0,0-1 0,14-33 0,-19 48 0,1 0 0,0 0 0,0 1 0,-1-1 0,2 0 0,-1 0 0,0 1 0,0 0 0,1-1 0,0 1 0,-1 0 0,6-3 0,-7 4 0,0 1 0,0 0 0,0-1 0,0 1 0,0 0 0,-1-1 0,1 1 0,0 0 0,0 0 0,0 0 0,0 0 0,0 0 0,0 0 0,0 0 0,0 0 0,0 0 0,0 0 0,-1 1 0,1-1 0,0 0 0,0 1 0,0-1 0,0 0 0,0 1 0,-1-1 0,2 2 0,0 0 0,-1 0 0,1-1 0,-1 1 0,0 0 0,1 0 0,-1 0 0,0 0 0,-1 1 0,1-1 0,1 4 0,0 6 0,0 1 0,-1-1 0,0 14 0,-1-23 0,0 5 0,0 6 0,1 0 0,0-1 0,0 1 0,7 25 0,-7-35 0,1 0 0,0 0 0,-1 0 0,1-1 0,0 1 0,1-1 0,-1 1 0,1-1 0,-1 0 0,1 0 0,0 0 0,0 0 0,1-1 0,-1 1 0,0-1 0,1 0 0,0 0 0,-1 0 0,1 0 0,7 2 0,2-1 0,-1 0 0,1-1 0,0 0 0,-1-1 0,1-1 0,0 0 0,0 0 0,0-2 0,-1 1 0,16-5 0,-20 4 0,0 0 0,-1 0 0,1-1 0,0 0 0,-1 0 0,0-1 0,0 0 0,0 0 0,0-1 0,-1 0 0,0 0 0,0 0 0,0-1 0,0 0 0,-1 0 0,0 0 0,4-8 0,2-8 0,-2 0 0,-1 0 0,0-1 0,-2 0 0,0-1 0,-2 1 0,-1-1 0,1-32 0,-4 36 0,0 1 0,-1-1 0,-2 0 0,0 0 0,-1 1 0,0-1 0,-2 1 0,0 0 0,-2 1 0,-12-26 0,12 33 0,0-1 0,-1 1 0,0 1 0,-1-1 0,0 2 0,-1-1 0,-21-14 0,23 18 0,-1 0 0,0 0 0,0 1 0,0 0 0,-1 1 0,0 0 0,0 1 0,0 0 0,0 0 0,-12 0 0,20 3 0,-1 0 0,1 0 0,-1 0 0,1 1 0,-1 0 0,1-1 0,-1 1 0,1 0 0,0 1 0,-1-1 0,1 1 0,0-1 0,0 1 0,0 0 0,0 0 0,0 0 0,1 0 0,-1 1 0,0-1 0,1 1 0,0 0 0,0 0 0,0-1 0,0 1 0,0 1 0,0-1 0,1 0 0,0 0 0,-1 1 0,1-1 0,0 0 0,0 6 0,-1 2 0,0-1 0,1 1 0,1 0 0,-1-1 0,2 1 0,0-1 0,0 1 0,0-1 0,7 20 0,-7-27 0,1 1 0,0-1 0,0 1 0,0-1 0,0 0 0,0 0 0,1 0 0,-1 0 0,1 0 0,0-1 0,0 1 0,0-1 0,0 0 0,0 0 0,1 0 0,-1 0 0,1 0 0,-1-1 0,1 1 0,0-1 0,-1 0 0,1 0 0,0-1 0,6 1 0,9 1 0,1-1 0,0-1 0,31-4 0,-36 2 0,4 0 0,-1-2 0,1 0 0,-1 0 0,0-2 0,-1-1 0,1 0 0,-1-1 0,0 0 0,-1-2 0,0 0 0,-1-1 0,0 0 0,0-1 0,-2-1 0,1 0 0,-2-1 0,1-1 0,-2 0 0,0 0 0,-1-1 0,-1 0 0,0-1 0,-1 0 0,11-36 0,4-15 0,-29 87 0,1 1 0,0 0 0,2 0 0,-1 24 0,2 85 0,3-86 0,1 11 0,13 62 0,-6-49 0,-4-36 0,17 55 0,-13-60 0,-3 0 0,0 1 0,3 31 0,-9-51 0,1-1 0,0 0 0,0 0 0,1 0 0,0 0 0,0 0 0,4 8 0,-6-13 0,1-1 0,-1 1 0,1 0 0,-1 0 0,1 0 0,-1-1 0,1 1 0,-1 0 0,1-1 0,0 1 0,0-1 0,-1 1 0,1-1 0,0 1 0,0-1 0,-1 1 0,1-1 0,0 0 0,0 1 0,0-1 0,0 0 0,1 0 0,0 0 0,-1 0 0,1-1 0,-1 1 0,1-1 0,-1 0 0,0 0 0,1 1 0,-1-1 0,0 0 0,1 0 0,-1 0 0,0 0 0,0 0 0,0-1 0,0 1 0,0 0 0,0 0 0,1-3 0,32-56 0,-30 49 0,1 1 0,0 0 0,1 0 0,0 0 0,1 1 0,0 0 0,0 0 0,1 1 0,17-15 0,-23 21 0,1 1 0,-1-1 0,1 1 0,0 0 0,0 0 0,0 0 0,-1 0 0,1 0 0,0 0 0,0 1 0,0-1 0,0 1 0,1 0 0,-1 0 0,0 0 0,0 1 0,0-1 0,0 1 0,0-1 0,-1 1 0,1 0 0,0 0 0,0 1 0,2 0 0,6 5 0,-2 0 0,1 0 0,-1 1 0,16 18 0,-17-18 0,1 1 0,-1-1 0,2 0 0,11 8 0,-11-12 0,0 0 0,1-1 0,-1 0 0,1 0 0,-1-1 0,1 0 0,0-1 0,0-1 0,-1 1 0,1-2 0,0 1 0,0-2 0,0 1 0,17-6 0,-23 4 0,1 0 0,-1 0 0,0-1 0,0 0 0,0 0 0,0 0 0,-1 0 0,0-1 0,0 0 0,0 1 0,0-2 0,-1 1 0,1 0 0,-1-1 0,-1 1 0,1-1 0,-1 0 0,0 0 0,2-11 0,0 0 0,-1 0 0,-1-1 0,0 1 0,-2-1 0,-2-34 0,2 49 0,0 0 0,-1-1 0,1 1 0,-1-1 0,0 1 0,0 0 0,0-1 0,0 1 0,-1 0 0,1 0 0,-1 0 0,0 0 0,0 0 0,0 1 0,0-1 0,0 0 0,-1 1 0,1 0 0,-1-1 0,1 1 0,-1 0 0,0 0 0,0 1 0,0-1 0,0 0 0,0 1 0,-1 0 0,1 0 0,0 0 0,-1 0 0,1 1 0,0-1 0,-1 1 0,-4 0 0,3 0 0,-1 0 0,0 1 0,0 0 0,0 0 0,1 0 0,-1 1 0,1 0 0,-1 0 0,1 1 0,0-1 0,0 1 0,0 0 0,0 1 0,0-1 0,1 1 0,-1 0 0,1 0 0,0 0 0,-6 9 0,4-2 0,0-1 0,2 1 0,-1 0 0,1 0 0,1 0 0,0 1 0,1-1 0,0 1 0,-1 19 0,2 1 0,2 1 0,5 40 0,-5-69 0,0 0 0,0 1 0,1-2 0,-1 1 0,1 0 0,0 0 0,0 0 0,0-1 0,1 0 0,0 1 0,-1-1 0,1 0 0,0 0 0,0 0 0,1 0 0,-1-1 0,0 0 0,1 1 0,0-1 0,6 3 0,10 3 0,0 0 0,38 10 0,-40-13 0,7 2 0,-1-1 0,1-2 0,0 0 0,1-2 0,-1 0 0,40-4 0,-49 1 0,-1-2 0,0 0 0,0 0 0,0-1 0,-1-1 0,1-1 0,-1 0 0,0-1 0,-1 0 0,1-1 0,-2-1 0,14-10 0,-13 7 0,0-1 0,-1 0 0,0-1 0,-1 0 0,0-1 0,-1 0 0,10-22 0,-17 31 0,0-1 0,-1 1 0,0-1 0,0 1 0,-1-1 0,0 0 0,0 0 0,0 1 0,-1-15 0,-1 17 0,1 0 0,-1 0 0,0 0 0,0 0 0,-1 1 0,1-1 0,-1 0 0,0 0 0,0 1 0,0 0 0,-1-1 0,1 1 0,-1 0 0,1 0 0,-1 0 0,0 0 0,-7-4 0,6 4 0,0 0 0,0 1 0,0 0 0,-1 0 0,1 0 0,-1 0 0,1 1 0,-1 0 0,0-1 0,0 2 0,0-1 0,1 1 0,-1-1 0,0 1 0,0 1 0,0-1 0,0 1 0,1 0 0,-1 0 0,0 0 0,0 0 0,1 1 0,-1 0 0,1 0 0,0 0 0,-1 1 0,1-1 0,0 1 0,0 0 0,1 0 0,-1 1 0,1-1 0,-1 1 0,1-1 0,0 1 0,1 0 0,-1 0 0,1 1 0,-1-1 0,1 0 0,0 1 0,1-1 0,-2 8 0,1-3 0,1 1 0,0-1 0,1 1 0,0-1 0,0 0 0,3 17 0,-2-24 0,0 1 0,0 0 0,0 0 0,0 0 0,0-1 0,0 1 0,1 0 0,0-1 0,-1 1 0,1-1 0,0 0 0,0 0 0,0 0 0,0 0 0,1 0 0,-1 0 0,0 0 0,1 0 0,-1-1 0,1 0 0,0 1 0,-1-1 0,1 0 0,0 0 0,3 0 0,52 9 0,-44-9 0,0 1 0,-1 1 0,1 0 0,-1 0 0,0 2 0,18 7 0,-18-4 0,-1 1 0,1 0 0,-2 0 0,20 21 0,-23-22 0,0 1 0,1-1 0,0 0 0,0-1 0,1 0 0,0 0 0,0-1 0,1-1 0,12 6 0,-14-9 0,0 1 0,0-1 0,1 0 0,-1-1 0,0 0 0,1 0 0,-1-1 0,1-1 0,-1 1 0,0-1 0,14-4 0,-18 4 0,0-1 0,1-1 0,-1 1 0,0 0 0,-1-1 0,1 0 0,0 0 0,-1-1 0,0 1 0,1-1 0,-2 0 0,1 0 0,0 0 0,-1-1 0,0 1 0,0-1 0,0 0 0,0 0 0,-1 0 0,3-8 0,14-58 0,-15 50 0,1 0 0,10-24 0,-2 18 0,-9 20 0,-1 0 0,1 0 0,-1 0 0,0 0 0,-1 0 0,0-1 0,0 1 0,0-1 0,-1 1 0,0-1 0,-1 0 0,0-9 0,0 16 0,-1-1 0,0 0 0,1 0 0,-1 0 0,0 1 0,0-1 0,0 0 0,0 1 0,0-1 0,0 1 0,-1-1 0,1 1 0,0-1 0,-1 1 0,1 0 0,-1 0 0,1 0 0,-1 0 0,0 0 0,1 0 0,-1 0 0,0 0 0,0 1 0,0-1 0,0 1 0,1-1 0,-1 1 0,0 0 0,0 0 0,0 0 0,0 0 0,0 0 0,0 0 0,0 0 0,0 1 0,0-1 0,-2 2 0,-2-1 0,-1 1 0,1 0 0,0 0 0,-1 1 0,1 0 0,1 0 0,-1 0 0,0 1 0,-8 7 0,8-5 0,1 0 0,0 0 0,1 0 0,0 0 0,0 1 0,0 0 0,1 0 0,0 0 0,0 0 0,-2 10 0,-1 8 0,-4 46 0,2-9 0,5-47 0,0 1 0,0-1 0,1 1 0,0-1 0,2 23 0,0-35 0,0 0 0,1 0 0,-1 1 0,1-1 0,0 0 0,0 0 0,0 0 0,0 0 0,0 0 0,1 0 0,0 0 0,-1 0 0,1-1 0,0 1 0,0 0 0,0-1 0,1 0 0,-1 1 0,0-1 0,1 0 0,0 0 0,-1-1 0,1 1 0,0 0 0,0-1 0,6 2 0,12 2 0,-1-2 0,2 0 0,-1-1 0,0-1 0,0-1 0,23-3 0,-1 1 0,3-2 0,-1-2 0,1-2 0,45-14 0,-68 17 0,31-5 25,-41 8-303,0 0 0,1 0 0,-1-2 0,21-7 0,-11-1-6548</inkml:trace>
+</inkml:ink>
+</file>
+
+<file path=ppt/ink/ink24.xml><?xml version="1.0" encoding="utf-8"?>
+<inkml:ink xmlns:inkml="http://www.w3.org/2003/InkML">
+  <inkml:definitions>
+    <inkml:context xml:id="ctx0">
+      <inkml:inkSource xml:id="inkSrc0">
+        <inkml:traceFormat>
+          <inkml:channel name="X" type="integer" min="-2.14748E9" max="2.14748E9" units="cm"/>
+          <inkml:channel name="Y" type="integer" min="-2.14748E9" max="2.14748E9" units="cm"/>
+          <inkml:channel name="F" type="integer" max="32767" units="dev"/>
+        </inkml:traceFormat>
+        <inkml:channelProperties>
+          <inkml:channelProperty channel="X" name="resolution" value="1000" units="1/cm"/>
+          <inkml:channelProperty channel="Y" name="resolution" value="1000" units="1/cm"/>
+          <inkml:channelProperty channel="F" name="resolution" value="0" units="1/dev"/>
+        </inkml:channelProperties>
+      </inkml:inkSource>
+      <inkml:timestamp xml:id="ts0" timeString="2023-12-04T16:50:14.184"/>
+    </inkml:context>
+    <inkml:brush xml:id="br0">
+      <inkml:brushProperty name="width" value="0.035" units="cm"/>
+      <inkml:brushProperty name="height" value="0.035" units="cm"/>
+      <inkml:brushProperty name="color" value="#E71224"/>
+    </inkml:brush>
+  </inkml:definitions>
+  <inkml:trace contextRef="#ctx0" brushRef="#br0">5 346 24575,'0'-345'0,"-2"431"0,0-30 0,2-1 0,8 59 0,-3-94 0,0 0 0,1 0 0,2 0 0,-1-1 0,22 36 0,-27-51 0,1-1 0,0 1 0,0-1 0,0 1 0,1-1 0,-1 0 0,1 0 0,-1-1 0,1 1 0,0-1 0,0 1 0,0-1 0,1-1 0,-1 1 0,0-1 0,1 1 0,-1-1 0,1 0 0,5 0 0,7 0 0,-1 0 0,1-1 0,33-4 0,-42 2 0,-1 1 0,1-2 0,-1 1 0,0-1 0,0 0 0,0 0 0,0-1 0,0 0 0,-1-1 0,1 1 0,-1-1 0,0 0 0,-1-1 0,1 1 0,-1-1 0,0 0 0,-1 0 0,5-8 0,1-3 0,0-1 0,-1 0 0,-1 0 0,-1-1 0,10-37 0,-14 44 0,-1 0 0,1 0 0,-2-1 0,0 1 0,0-1 0,-1 1 0,-1-1 0,0 1 0,-5-24 0,5 35 0,0-1 0,0 0 0,0 1 0,0-1 0,0 1 0,0-1 0,0 1 0,0 0 0,0-1 0,-1 1 0,1 0 0,-1 0 0,1 0 0,-1 0 0,1 0 0,-1 0 0,1 0 0,-1 1 0,0-1 0,0 1 0,1-1 0,-1 1 0,0-1 0,0 1 0,1 0 0,-1 0 0,0 0 0,0 0 0,0 0 0,1 1 0,-1-1 0,0 0 0,0 1 0,0-1 0,1 1 0,-1 0 0,0-1 0,1 1 0,-2 1 0,-3 1 0,0 0 0,1 0 0,0 0 0,0 1 0,0 0 0,0 0 0,0 0 0,1 1 0,0-1 0,-6 9 0,4-2 0,0 0 0,1 1 0,0 0 0,0 0 0,2 0 0,-4 15 0,6-20 0,0 1 0,0 0 0,0-1 0,1 1 0,0 0 0,1-1 0,0 1 0,0 0 0,1-1 0,-1 1 0,5 10 0,-4-14 0,0-1 0,0 0 0,0 0 0,1 0 0,-1 0 0,1-1 0,-1 1 0,1 0 0,0-1 0,0 0 0,4 3 0,42 19 0,-18-9 0,-13-6 0,-1 0 0,0 1 0,-1 1 0,0 1 0,0 0 0,-2 1 0,1 0 0,14 20 0,-25-27 0,0 1 0,-1 0 0,0 0 0,-1 0 0,1 0 0,-1 1 0,0-1 0,-1 0 0,0 1 0,0-1 0,-1 1 0,0 0 0,-1 13 0,0-13 0,0 1 0,-1-1 0,0 1 0,0-1 0,-1 0 0,0 1 0,0-2 0,-1 1 0,0 0 0,0-1 0,-10 13 0,4-10 0,0 0 0,0-1 0,-1 0 0,-1 0 0,1-1 0,-1-1 0,0 0 0,-1 0 0,0-2 0,0 1 0,-19 4 0,11-5 0,0-1 0,0-1 0,0-1 0,-1 0 0,1-2 0,-39-4 0,57 4 0,1-1 0,-1 0 0,0 0 0,0 0 0,1 0 0,-1 0 0,0-1 0,1 1 0,-1-1 0,1 0 0,0 1 0,-1-1 0,1 0 0,0 0 0,0-1 0,0 1 0,1 0 0,-1-1 0,1 1 0,-1-1 0,1 1 0,0-1 0,0 0 0,0 0 0,0 0 0,0 1 0,0-1 0,1-5 0,-3-11 0,1 1 0,2 0 0,1-28 0,0 26 0,0-6-455,2 0 0,7-30 0,-4 26-6371</inkml:trace>
+</inkml:ink>
+</file>
+
+<file path=ppt/ink/ink25.xml><?xml version="1.0" encoding="utf-8"?>
+<inkml:ink xmlns:inkml="http://www.w3.org/2003/InkML">
+  <inkml:definitions>
+    <inkml:context xml:id="ctx0">
+      <inkml:inkSource xml:id="inkSrc0">
+        <inkml:traceFormat>
+          <inkml:channel name="X" type="integer" min="-2.14748E9" max="2.14748E9" units="cm"/>
+          <inkml:channel name="Y" type="integer" min="-2.14748E9" max="2.14748E9" units="cm"/>
+          <inkml:channel name="F" type="integer" max="32767" units="dev"/>
+        </inkml:traceFormat>
+        <inkml:channelProperties>
+          <inkml:channelProperty channel="X" name="resolution" value="1000" units="1/cm"/>
+          <inkml:channelProperty channel="Y" name="resolution" value="1000" units="1/cm"/>
+          <inkml:channelProperty channel="F" name="resolution" value="0" units="1/dev"/>
+        </inkml:channelProperties>
+      </inkml:inkSource>
+      <inkml:timestamp xml:id="ts0" timeString="2023-12-04T16:50:15.424"/>
+    </inkml:context>
+    <inkml:brush xml:id="br0">
+      <inkml:brushProperty name="width" value="0.035" units="cm"/>
+      <inkml:brushProperty name="height" value="0.035" units="cm"/>
+      <inkml:brushProperty name="color" value="#E71224"/>
+    </inkml:brush>
+  </inkml:definitions>
+  <inkml:trace contextRef="#ctx0" brushRef="#br0">1 1 24575,'0'0'-8191</inkml:trace>
+</inkml:ink>
+</file>
+
+<file path=ppt/ink/ink26.xml><?xml version="1.0" encoding="utf-8"?>
+<inkml:ink xmlns:inkml="http://www.w3.org/2003/InkML">
+  <inkml:definitions>
+    <inkml:context xml:id="ctx0">
+      <inkml:inkSource xml:id="inkSrc0">
+        <inkml:traceFormat>
+          <inkml:channel name="X" type="integer" min="-2.14748E9" max="2.14748E9" units="cm"/>
+          <inkml:channel name="Y" type="integer" min="-2.14748E9" max="2.14748E9" units="cm"/>
+          <inkml:channel name="F" type="integer" max="32767" units="dev"/>
+        </inkml:traceFormat>
+        <inkml:channelProperties>
+          <inkml:channelProperty channel="X" name="resolution" value="1000" units="1/cm"/>
+          <inkml:channelProperty channel="Y" name="resolution" value="1000" units="1/cm"/>
+          <inkml:channelProperty channel="F" name="resolution" value="0" units="1/dev"/>
+        </inkml:channelProperties>
+      </inkml:inkSource>
+      <inkml:timestamp xml:id="ts0" timeString="2023-12-04T16:50:15.768"/>
+    </inkml:context>
+    <inkml:brush xml:id="br0">
+      <inkml:brushProperty name="width" value="0.035" units="cm"/>
+      <inkml:brushProperty name="height" value="0.035" units="cm"/>
+      <inkml:brushProperty name="color" value="#E71224"/>
+    </inkml:brush>
+  </inkml:definitions>
+  <inkml:trace contextRef="#ctx0" brushRef="#br0">1 1 24575,'0'0'-8191</inkml:trace>
+  <inkml:trace contextRef="#ctx0" brushRef="#br0" timeOffset="1">1 1 24575,'0'0'-8191</inkml:trace>
+</inkml:ink>
+</file>
+
+<file path=ppt/ink/ink27.xml><?xml version="1.0" encoding="utf-8"?>
+<inkml:ink xmlns:inkml="http://www.w3.org/2003/InkML">
+  <inkml:definitions>
+    <inkml:context xml:id="ctx0">
+      <inkml:inkSource xml:id="inkSrc0">
+        <inkml:traceFormat>
+          <inkml:channel name="X" type="integer" min="-2.14748E9" max="2.14748E9" units="cm"/>
+          <inkml:channel name="Y" type="integer" min="-2.14748E9" max="2.14748E9" units="cm"/>
+          <inkml:channel name="F" type="integer" max="32767" units="dev"/>
+        </inkml:traceFormat>
+        <inkml:channelProperties>
+          <inkml:channelProperty channel="X" name="resolution" value="1000" units="1/cm"/>
+          <inkml:channelProperty channel="Y" name="resolution" value="1000" units="1/cm"/>
+          <inkml:channelProperty channel="F" name="resolution" value="0" units="1/dev"/>
+        </inkml:channelProperties>
+      </inkml:inkSource>
+      <inkml:timestamp xml:id="ts0" timeString="2023-12-04T16:50:16.149"/>
+    </inkml:context>
+    <inkml:brush xml:id="br0">
+      <inkml:brushProperty name="width" value="0.035" units="cm"/>
+      <inkml:brushProperty name="height" value="0.035" units="cm"/>
+      <inkml:brushProperty name="color" value="#E71224"/>
+    </inkml:brush>
+  </inkml:definitions>
+  <inkml:trace contextRef="#ctx0" brushRef="#br0">1 1 24575,'0'0'-8191</inkml:trace>
+</inkml:ink>
+</file>
+
+<file path=ppt/ink/ink28.xml><?xml version="1.0" encoding="utf-8"?>
+<inkml:ink xmlns:inkml="http://www.w3.org/2003/InkML">
+  <inkml:definitions>
+    <inkml:context xml:id="ctx0">
+      <inkml:inkSource xml:id="inkSrc0">
+        <inkml:traceFormat>
+          <inkml:channel name="X" type="integer" min="-2.14748E9" max="2.14748E9" units="cm"/>
+          <inkml:channel name="Y" type="integer" min="-2.14748E9" max="2.14748E9" units="cm"/>
+          <inkml:channel name="F" type="integer" max="32767" units="dev"/>
+        </inkml:traceFormat>
+        <inkml:channelProperties>
+          <inkml:channelProperty channel="X" name="resolution" value="1000" units="1/cm"/>
+          <inkml:channelProperty channel="Y" name="resolution" value="1000" units="1/cm"/>
+          <inkml:channelProperty channel="F" name="resolution" value="0" units="1/dev"/>
+        </inkml:channelProperties>
+      </inkml:inkSource>
+      <inkml:timestamp xml:id="ts0" timeString="2023-12-04T16:50:17.489"/>
+    </inkml:context>
+    <inkml:brush xml:id="br0">
+      <inkml:brushProperty name="width" value="0.035" units="cm"/>
+      <inkml:brushProperty name="height" value="0.035" units="cm"/>
+      <inkml:brushProperty name="color" value="#E71224"/>
+    </inkml:brush>
+  </inkml:definitions>
+  <inkml:trace contextRef="#ctx0" brushRef="#br0">2 0 24575,'-1'146'0,"3"159"0,1-284 0,0 1 0,2-1 0,13 40 0,7 28 0,-14-37 0,2-1 0,24 58 0,-26-77 0,-8-20 0,1 0 0,1-1 0,10 20 0,-9-21 0,-1 1 0,-1-1 0,7 22 0,8 18 0,-15-43 12,0-1 0,0 0 0,1 0 0,-1-1 0,1 1 0,1-1 0,-1 0 0,1-1 0,7 6 0,-9-7-118,0-1 0,1 1 0,-1-1 0,1 1 0,0-1 0,0-1-1,0 1 1,0-1 0,0 0 0,0 0 0,0 0 0,1-1 0,5 1 0,11-5-6720</inkml:trace>
+</inkml:ink>
+</file>
+
+<file path=ppt/ink/ink29.xml><?xml version="1.0" encoding="utf-8"?>
+<inkml:ink xmlns:inkml="http://www.w3.org/2003/InkML">
+  <inkml:definitions>
+    <inkml:context xml:id="ctx0">
+      <inkml:inkSource xml:id="inkSrc0">
+        <inkml:traceFormat>
+          <inkml:channel name="X" type="integer" min="-2.14748E9" max="2.14748E9" units="cm"/>
+          <inkml:channel name="Y" type="integer" min="-2.14748E9" max="2.14748E9" units="cm"/>
+          <inkml:channel name="F" type="integer" max="32767" units="dev"/>
+        </inkml:traceFormat>
+        <inkml:channelProperties>
+          <inkml:channelProperty channel="X" name="resolution" value="1000" units="1/cm"/>
+          <inkml:channelProperty channel="Y" name="resolution" value="1000" units="1/cm"/>
+          <inkml:channelProperty channel="F" name="resolution" value="0" units="1/dev"/>
+        </inkml:channelProperties>
+      </inkml:inkSource>
+      <inkml:timestamp xml:id="ts0" timeString="2023-12-04T16:50:21.252"/>
+    </inkml:context>
+    <inkml:brush xml:id="br0">
+      <inkml:brushProperty name="width" value="0.035" units="cm"/>
+      <inkml:brushProperty name="height" value="0.035" units="cm"/>
+      <inkml:brushProperty name="color" value="#E71224"/>
+    </inkml:brush>
+  </inkml:definitions>
+  <inkml:trace contextRef="#ctx0" brushRef="#br0">1 440 24575,'135'2'0,"146"-5"0,-258 0 0,-1-2 0,0 0 0,-1-2 0,1 0 0,22-11 0,4-2 0,-39 17 0,0 0 0,0-1 0,-1-1 0,1 1 0,-1-1 0,0-1 0,0 1 0,-1-1 0,0-1 0,0 0 0,-1 0 0,1 0 0,-1 0 0,-1-1 0,0 0 0,0 0 0,0-1 0,6-17 0,15-23 0,-21 41 0,0 0 0,0 0 0,-1-1 0,0 0 0,-1 0 0,0 0 0,3-11 0,-6 13 0,1 1 0,0-1 0,-1 0 0,0 1 0,-1-1 0,0 1 0,0-1 0,0 1 0,-5-13 0,6 17 0,-1 0 0,0 0 0,0 0 0,0 0 0,0 1 0,0-1 0,-1 0 0,1 1 0,0-1 0,-1 1 0,1 0 0,-1-1 0,1 1 0,-1 0 0,0 0 0,0 0 0,1 0 0,-1 0 0,0 0 0,0 1 0,0-1 0,0 1 0,0-1 0,0 1 0,0 0 0,0-1 0,0 1 0,0 0 0,0 1 0,0-1 0,0 0 0,0 0 0,0 1 0,0-1 0,0 1 0,-3 1 0,1 0 0,0 0 0,0 1 0,0-1 0,0 1 0,1 0 0,-1 0 0,1 0 0,-1 1 0,1-1 0,0 1 0,1 0 0,-1 0 0,1 0 0,-1 0 0,-1 6 0,-3 4 0,1 1 0,1-1 0,-4 21 0,2 12 0,2 1 0,2-1 0,6 87 0,0-27 0,-6 9 0,6 123 0,10-170 0,-9-50 0,0 1 0,1 20 0,-5-32 0,2 23 0,-2-30 0,0 0 0,0 0 0,0 1 0,0-1 0,1 0 0,-1 0 0,0 0 0,1 0 0,-1 1 0,1-1 0,-1 0 0,1 0 0,0 0 0,-1 0 0,1 0 0,0 0 0,0 0 0,1 1 0,-1-2 0,0-1 0,0 1 0,0 0 0,-1-1 0,1 1 0,0-1 0,0 1 0,-1-1 0,1 1 0,0-1 0,-1 1 0,1-1 0,-1 0 0,1 1 0,-1-1 0,1 0 0,-1 1 0,1-1 0,-1 0 0,0 0 0,1 0 0,-1 1 0,1-3 0,8-19 0,33-100 0,-37 110 0,1-1 0,0 1 0,0 1 0,2-1 0,-1 1 0,12-13 0,10-15 0,-26 34 0,-1 1 0,1 1 0,0-1 0,1 0 0,-1 1 0,0-1 0,1 1 0,0 0 0,0 0 0,0 0 0,0 1 0,0 0 0,6-3 0,-7 4 0,0 1 0,1-1 0,-1 1 0,0-1 0,1 1 0,-1 0 0,0 0 0,1 0 0,-1 1 0,0-1 0,0 1 0,1 0 0,-1 0 0,0 0 0,0 0 0,0 1 0,0-1 0,0 1 0,0 0 0,2 2 0,1 0 0,-1 0 0,0 0 0,-1 1 0,1-1 0,-1 1 0,0 0 0,0 1 0,0-1 0,-1 1 0,4 8 0,1 5 0,-1-1 0,4 23 0,-7-23 0,1-1 0,1 1 0,9 16 0,-11-25 0,1-1 0,0 0 0,0-1 0,1 1 0,0-1 0,0-1 0,1 1 0,-1-1 0,1 0 0,1 0 0,-1-1 0,1 0 0,12 6 0,-14-9 0,1 1 0,0-1 0,-1 0 0,1-1 0,0 1 0,0-1 0,0-1 0,1 0 0,-1 1 0,0-2 0,0 1 0,0-1 0,0-1 0,0 1 0,0-1 0,-1 0 0,1 0 0,7-5 0,-2 2 0,0-2 0,-1 0 0,0 0 0,0-1 0,-1-1 0,0 1 0,0-2 0,15-18 0,-12 11 0,-2-1 0,0-1 0,-1 0 0,14-34 0,-17 36 0,0-1 0,-2 0 0,0 0 0,3-24 0,-7 37 0,0 0 0,-1 1 0,0-1 0,0 0 0,-1 0 0,1 1 0,-1-1 0,0 0 0,0 1 0,-1-1 0,1 1 0,-1 0 0,0-1 0,0 1 0,-1 0 0,1 0 0,-1 0 0,0 0 0,0 1 0,0-1 0,0 1 0,-7-6 0,7 7 0,0 0 0,0-1 0,-1 1 0,1 0 0,0 1 0,-1-1 0,0 1 0,1-1 0,-1 1 0,0 0 0,1 1 0,-1-1 0,0 1 0,0-1 0,0 1 0,1 0 0,-1 0 0,0 1 0,-4 0 0,3 1 0,0 0 0,0 0 0,0 0 0,0 1 0,0-1 0,1 1 0,-1 0 0,1 1 0,0-1 0,0 1 0,0 0 0,-4 5 0,0 2 0,0 0 0,1 0 0,0 1 0,0 0 0,2 1 0,-1-1 0,2 1 0,-1 0 0,2 0 0,-3 14 0,3-4 0,1 0 0,1-1 0,1 1 0,1 0 0,1 0 0,6 29 0,-7-47 0,1 0 0,0-1 0,0 1 0,0-1 0,1 1 0,-1-1 0,1 0 0,0 1 0,0-1 0,1-1 0,-1 1 0,1-1 0,0 1 0,-1-1 0,2 0 0,-1 0 0,0-1 0,1 1 0,-1-1 0,1 0 0,-1 0 0,1 0 0,0-1 0,9 2 0,9 0 0,0-1 0,0-1 0,0-1 0,30-3 0,4 0 0,-32 3-102,-18 1 12,-1 0 0,0-1 0,0 0-1,1 0 1,-1 0 0,0-1 0,0 0-1,0 0 1,0-1 0,0 1 0,0-1-1,0-1 1,9-4 0,-3-5-6736</inkml:trace>
+</inkml:ink>
+</file>
+
+<file path=ppt/ink/ink3.xml><?xml version="1.0" encoding="utf-8"?>
+<inkml:ink xmlns:inkml="http://www.w3.org/2003/InkML">
+  <inkml:definitions>
+    <inkml:context xml:id="ctx0">
+      <inkml:inkSource xml:id="inkSrc0">
+        <inkml:traceFormat>
+          <inkml:channel name="X" type="integer" min="-2.14748E9" max="2.14748E9" units="cm"/>
+          <inkml:channel name="Y" type="integer" min="-2.14748E9" max="2.14748E9" units="cm"/>
+          <inkml:channel name="F" type="integer" max="32767" units="dev"/>
+        </inkml:traceFormat>
+        <inkml:channelProperties>
+          <inkml:channelProperty channel="X" name="resolution" value="1000" units="1/cm"/>
+          <inkml:channelProperty channel="Y" name="resolution" value="1000" units="1/cm"/>
+          <inkml:channelProperty channel="F" name="resolution" value="0" units="1/dev"/>
+        </inkml:channelProperties>
+      </inkml:inkSource>
+      <inkml:timestamp xml:id="ts0" timeString="2023-12-04T16:49:37.402"/>
+    </inkml:context>
+    <inkml:brush xml:id="br0">
+      <inkml:brushProperty name="width" value="0.035" units="cm"/>
+      <inkml:brushProperty name="height" value="0.035" units="cm"/>
+      <inkml:brushProperty name="color" value="#E71224"/>
+    </inkml:brush>
+  </inkml:definitions>
+  <inkml:trace contextRef="#ctx0" brushRef="#br0">0 0 24575,'214'3'0,"-9"10"0,71 11-611,744 97-2448,-535-59 3183,-326-40 336,-65-7-156,161 4 1,-201-21 1816,-43 1-3155,6 0-5767</inkml:trace>
+</inkml:ink>
+</file>
+
+<file path=ppt/ink/ink30.xml><?xml version="1.0" encoding="utf-8"?>
+<inkml:ink xmlns:inkml="http://www.w3.org/2003/InkML">
+  <inkml:definitions>
+    <inkml:context xml:id="ctx0">
+      <inkml:inkSource xml:id="inkSrc0">
+        <inkml:traceFormat>
+          <inkml:channel name="X" type="integer" min="-2.14748E9" max="2.14748E9" units="cm"/>
+          <inkml:channel name="Y" type="integer" min="-2.14748E9" max="2.14748E9" units="cm"/>
+          <inkml:channel name="F" type="integer" max="32767" units="dev"/>
+        </inkml:traceFormat>
+        <inkml:channelProperties>
+          <inkml:channelProperty channel="X" name="resolution" value="1000" units="1/cm"/>
+          <inkml:channelProperty channel="Y" name="resolution" value="1000" units="1/cm"/>
+          <inkml:channelProperty channel="F" name="resolution" value="0" units="1/dev"/>
+        </inkml:channelProperties>
+      </inkml:inkSource>
+      <inkml:timestamp xml:id="ts0" timeString="2023-12-04T16:50:26.780"/>
+    </inkml:context>
+    <inkml:brush xml:id="br0">
+      <inkml:brushProperty name="width" value="0.035" units="cm"/>
+      <inkml:brushProperty name="height" value="0.035" units="cm"/>
+      <inkml:brushProperty name="color" value="#E71224"/>
+    </inkml:brush>
+  </inkml:definitions>
+  <inkml:trace contextRef="#ctx0" brushRef="#br0">245 1058 24575,'0'-440'0,"0"435"0,0 0 0,0 0 0,-1 0 0,0 0 0,0 1 0,0-1 0,0 0 0,-1 0 0,0 0 0,-5-8 0,6 11 0,0 1 0,0-1 0,-1 1 0,1-1 0,-1 1 0,1-1 0,-1 1 0,1 0 0,-1 0 0,0 0 0,0 0 0,1 0 0,-1 0 0,0 1 0,0-1 0,0 0 0,0 1 0,0-1 0,0 1 0,0 0 0,0 0 0,0 0 0,0 0 0,0 0 0,0 0 0,0 1 0,0-1 0,0 1 0,0-1 0,-2 2 0,-2 0 0,1 0 0,-1 0 0,1 1 0,0 0 0,0 0 0,0 0 0,1 1 0,-1-1 0,-6 9 0,-31 42 0,10-10 0,28-39 0,0-1 0,0 1 0,0 0 0,1 0 0,0 0 0,0 0 0,0 0 0,1 1 0,0-1 0,0 1 0,0 0 0,1 0 0,0 0 0,0 0 0,0 0 0,1-1 0,0 1 0,0 0 0,0 0 0,1 0 0,0 0 0,0 0 0,0 0 0,1 0 0,4 8 0,0-2 0,1 0 0,0 0 0,1-1 0,0-1 0,15 16 0,-18-22 0,0 0 0,1 0 0,-1 0 0,1-1 0,-1 0 0,1 0 0,0 0 0,0-1 0,0 0 0,1 0 0,-1 0 0,0-1 0,12 1 0,-1 0 0,-1-1 0,1-1 0,0 0 0,-1-2 0,1 0 0,-1 0 0,1-2 0,-1 0 0,0-1 0,-1 0 0,1-1 0,-1-1 0,21-13 0,-30 16 0,0 1 0,0 0 0,0 0 0,0 0 0,1 1 0,-1-1 0,1 2 0,-1-1 0,1 1 0,10-1 0,-15 2 0,0 0 0,1 0 0,-1 1 0,0-1 0,1 0 0,-1 1 0,0 0 0,0 0 0,1-1 0,-1 1 0,0 1 0,0-1 0,0 0 0,0 0 0,-1 1 0,1-1 0,0 1 0,0-1 0,-1 1 0,1 0 0,-1 0 0,0 0 0,1 0 0,-1 0 0,0 0 0,0 0 0,0 0 0,0 0 0,-1 1 0,1-1 0,0 0 0,-1 0 0,0 3 0,4 29 0,-1 1 0,-2-1 0,-5 53 0,0 1 0,4-72 0,-1-6 0,1 1 0,0 0 0,1 0 0,0 0 0,6 20 0,-7-29 0,1 0 0,0 0 0,0 0 0,0 0 0,0 0 0,0 0 0,1 0 0,-1 0 0,1-1 0,-1 1 0,1-1 0,-1 1 0,1-1 0,0 1 0,0-1 0,0 0 0,0 0 0,0 0 0,0 0 0,0 0 0,0-1 0,0 1 0,0 0 0,0-1 0,1 0 0,-1 1 0,0-1 0,0 0 0,0 0 0,1 0 0,-1-1 0,0 1 0,0 0 0,0-1 0,3 0 0,32-8 0,49-20 0,-29 10 0,-25 9 0,-8 3 0,45-20 0,-61 23 0,0-1 0,-1 1 0,1-2 0,-1 1 0,0-1 0,0 0 0,-1 0 0,1-1 0,4-7 0,4-6 0,-1-1 0,-1 0 0,-1-1 0,12-31 0,-20 45 0,-1 0 0,-1 0 0,0-1 0,0 1 0,0 0 0,-1-1 0,0 0 0,-1 1 0,0-1 0,-1 0 0,1 1 0,-2-1 0,1 1 0,-1-1 0,0 1 0,-4-9 0,4 14 0,0 0 0,0 0 0,0 0 0,0 1 0,0-1 0,-1 1 0,1-1 0,-1 1 0,0 0 0,0 0 0,0 0 0,0 0 0,0 0 0,0 1 0,0-1 0,-1 1 0,1 0 0,0 0 0,-1 0 0,1 1 0,-1-1 0,1 1 0,-1 0 0,1 0 0,-1 0 0,1 0 0,-1 0 0,-3 2 0,2-2 0,0 1 0,1 0 0,-1 0 0,1 1 0,-1-1 0,1 1 0,0 0 0,0 0 0,-1 0 0,1 1 0,1-1 0,-1 1 0,0 0 0,1 0 0,-1 0 0,1 1 0,0-1 0,0 1 0,0 0 0,-4 7 0,4 0 0,0 0 0,1 0 0,0 0 0,0 0 0,1 1 0,1 16 0,7 67 0,-7-92 0,1 0 0,-1-1 0,1 1 0,-1-1 0,1 1 0,0-1 0,0 0 0,0 1 0,0-1 0,1 0 0,-1 1 0,1-1 0,-1 0 0,1 0 0,0 0 0,0-1 0,-1 1 0,1 0 0,1-1 0,-1 1 0,0-1 0,0 0 0,0 1 0,3 0 0,5 1 0,0-1 0,0 1 0,0-2 0,0 1 0,10-1 0,24 4 0,-10 1 0,0-1 0,0-2 0,0-1 0,62-5 0,-82 0 0,0-1 0,0-1 0,-1 0 0,1 0 0,-1-1 0,0-1 0,0 0 0,-1-1 0,12-10 0,17-9 0,11-3 0,-20 12 0,0-2 0,36-28 0,-59 40 0,-1 0 0,0 0 0,0 0 0,-1-1 0,0 0 0,0 0 0,-1-1 0,0 0 0,-1 0 0,0-1 0,6-17 0,-10 26 0,-1 0 0,1 0 0,-1-1 0,1 1 0,-1 0 0,0 0 0,0 0 0,0-1 0,0 1 0,0 0 0,-1 0 0,1-1 0,-1 1 0,1 0 0,-1 0 0,0 0 0,0 0 0,0 0 0,0 0 0,0 0 0,0 0 0,-1 0 0,-2-3 0,3 4 0,0 1 0,1-1 0,-1 1 0,0-1 0,0 1 0,0-1 0,0 1 0,0 0 0,0-1 0,0 1 0,0 0 0,0 0 0,0 0 0,0 0 0,0 0 0,0 0 0,0 0 0,0 0 0,0 0 0,-2 1 0,1 0 0,0 0 0,0 0 0,0 0 0,0 0 0,0 0 0,1 0 0,-1 1 0,0-1 0,0 1 0,1 0 0,-1-1 0,1 1 0,-2 2 0,-7 12 0,0 0 0,1 1 0,1 0 0,-11 30 0,16-38 0,0 1 0,0 0 0,1 0 0,1 1 0,0-1 0,0 0 0,1 0 0,0 1 0,0-1 0,3 12 0,-2-18 0,0 0 0,1 0 0,-1-1 0,1 1 0,-1-1 0,1 1 0,0-1 0,0 1 0,1-1 0,-1 0 0,1 0 0,0 0 0,4 3 0,2 0 0,0 0 0,0 0 0,15 6 0,-16-9 0,-1 0 0,1 1 0,-1 0 0,0 1 0,0-1 0,-1 1 0,12 12 0,-15-14 0,0 1 0,0-1 0,-1 1 0,1 0 0,-1 0 0,0 0 0,0 0 0,0 0 0,-1 1 0,1-1 0,-1 0 0,0 1 0,0-1 0,-1 1 0,1 6 0,-2-5 0,0-1 0,0 1 0,0-1 0,-1 0 0,0 1 0,0-1 0,0 0 0,0 0 0,-1 0 0,0 0 0,0-1 0,-6 7 0,-6 4 0,0 0 0,-2-1 0,0-1 0,0 0 0,-1-2 0,0 0 0,-1-1 0,-29 11 0,7-7 0,39-13 0,0-1 0,0 1 0,0-1 0,0 0 0,0 1 0,0-1 0,0 0 0,0 0 0,0-1 0,0 1 0,0 0 0,0-1 0,0 1 0,0-1 0,0 0 0,0 1 0,0-1 0,-2-2 0,4 3 0,-1-1 0,1 0 0,-1 1 0,1-1 0,-1 0 0,1 0 0,0 1 0,-1-1 0,1 0 0,0 0 0,0 0 0,0 0 0,0 1 0,-1-1 0,1 0 0,0 0 0,0 0 0,1 0 0,-1 0 0,0 1 0,0-1 0,0 0 0,1 0 0,-1 0 0,0 0 0,1 1 0,-1-1 0,0 0 0,1 0 0,-1 1 0,1-2 0,21-25 0,-17 21 0,82-88 0,-50 59 0,-23 23 0,-1-1 0,0 0 0,-1-1 0,14-21 0,90-150 0,-95 143 0,-2-1 0,23-81 0,-13 37 0,34-51 0,-40 82 0,-14 37 0,-1-1 0,7-26 0,-3-18 0,-2-1 0,-3 0 0,-3-1 0,-4-67 0,0 428 0,-1-139 0,-1-113 0,-10 58 0,6-57 0,-2 53 0,9 274 0,0-357 0,0 0 0,1 0 0,1-1 0,0 1 0,1-1 0,0 1 0,1-1 0,1-1 0,0 1 0,1-1 0,0 0 0,0 0 0,1-1 0,1 0 0,0 0 0,1-1 0,0-1 0,0 1 0,1-2 0,0 1 0,1-1 0,0-1 0,0 0 0,0-1 0,1 0 0,0-1 0,0-1 0,0 0 0,1 0 0,-1-1 0,27 1 0,-27-2-124,0-2 0,0 1 0,0-2 0,1 0 0,-2 0 0,1-1-1,0-1 1,0 0 0,-1-1 0,19-8 0,-14 1-6702</inkml:trace>
+</inkml:ink>
+</file>
+
+<file path=ppt/ink/ink31.xml><?xml version="1.0" encoding="utf-8"?>
+<inkml:ink xmlns:inkml="http://www.w3.org/2003/InkML">
+  <inkml:definitions>
+    <inkml:context xml:id="ctx0">
+      <inkml:inkSource xml:id="inkSrc0">
+        <inkml:traceFormat>
+          <inkml:channel name="X" type="integer" min="-2.14748E9" max="2.14748E9" units="cm"/>
+          <inkml:channel name="Y" type="integer" min="-2.14748E9" max="2.14748E9" units="cm"/>
+          <inkml:channel name="F" type="integer" max="32767" units="dev"/>
+        </inkml:traceFormat>
+        <inkml:channelProperties>
+          <inkml:channelProperty channel="X" name="resolution" value="1000" units="1/cm"/>
+          <inkml:channelProperty channel="Y" name="resolution" value="1000" units="1/cm"/>
+          <inkml:channelProperty channel="F" name="resolution" value="0" units="1/dev"/>
+        </inkml:channelProperties>
+      </inkml:inkSource>
+      <inkml:timestamp xml:id="ts0" timeString="2023-12-04T16:50:28.264"/>
+    </inkml:context>
+    <inkml:brush xml:id="br0">
+      <inkml:brushProperty name="width" value="0.035" units="cm"/>
+      <inkml:brushProperty name="height" value="0.035" units="cm"/>
+      <inkml:brushProperty name="color" value="#E71224"/>
+    </inkml:brush>
+  </inkml:definitions>
+  <inkml:trace contextRef="#ctx0" brushRef="#br0">1 0 24575,'548'0'-1365,"-525"0"-5461</inkml:trace>
+</inkml:ink>
+</file>
+
+<file path=ppt/ink/ink32.xml><?xml version="1.0" encoding="utf-8"?>
+<inkml:ink xmlns:inkml="http://www.w3.org/2003/InkML">
+  <inkml:definitions>
+    <inkml:context xml:id="ctx0">
+      <inkml:inkSource xml:id="inkSrc0">
+        <inkml:traceFormat>
+          <inkml:channel name="X" type="integer" min="-2.14748E9" max="2.14748E9" units="cm"/>
+          <inkml:channel name="Y" type="integer" min="-2.14748E9" max="2.14748E9" units="cm"/>
+          <inkml:channel name="F" type="integer" max="32767" units="dev"/>
+        </inkml:traceFormat>
+        <inkml:channelProperties>
+          <inkml:channelProperty channel="X" name="resolution" value="1000" units="1/cm"/>
+          <inkml:channelProperty channel="Y" name="resolution" value="1000" units="1/cm"/>
+          <inkml:channelProperty channel="F" name="resolution" value="0" units="1/dev"/>
+        </inkml:channelProperties>
+      </inkml:inkSource>
+      <inkml:timestamp xml:id="ts0" timeString="2023-12-04T16:50:30.062"/>
+    </inkml:context>
+    <inkml:brush xml:id="br0">
+      <inkml:brushProperty name="width" value="0.035" units="cm"/>
+      <inkml:brushProperty name="height" value="0.035" units="cm"/>
+      <inkml:brushProperty name="color" value="#E71224"/>
+    </inkml:brush>
+  </inkml:definitions>
+  <inkml:trace contextRef="#ctx0" brushRef="#br0">1 59 24575,'19'-2'0,"0"0"0,0-1 0,-1-1 0,24-8 0,30-6 0,-22 10 0,1 3 0,-1 1 0,1 3 0,53 6 0,-99-5 0,0 1 0,0 0 0,0 0 0,0 1 0,0-1 0,-1 1 0,1 0 0,0 1 0,-1-1 0,1 1 0,-1 0 0,0 0 0,0 0 0,0 0 0,4 6 0,-3-2 0,0 0 0,0 0 0,0 0 0,-1 1 0,0 0 0,-1-1 0,0 2 0,3 10 0,0 11 0,-1 0 0,-1 1 0,-1 59 0,-2-35 0,-5 122 0,2-162 0,-1-1 0,-1 1 0,0-1 0,-1-1 0,-1 1 0,0 0 0,-1-1 0,-9 14 0,7-13 0,1 0 0,0 1 0,2 0 0,-1 1 0,2-1 0,-4 19 0,4 14 0,2 0 0,5 83 0,1-31 0,-3-73-1365,0-4-5461</inkml:trace>
+</inkml:ink>
+</file>
+
+<file path=ppt/ink/ink33.xml><?xml version="1.0" encoding="utf-8"?>
+<inkml:ink xmlns:inkml="http://www.w3.org/2003/InkML">
+  <inkml:definitions>
+    <inkml:context xml:id="ctx0">
+      <inkml:inkSource xml:id="inkSrc0">
+        <inkml:traceFormat>
+          <inkml:channel name="X" type="integer" min="-2.14748E9" max="2.14748E9" units="cm"/>
+          <inkml:channel name="Y" type="integer" min="-2.14748E9" max="2.14748E9" units="cm"/>
+          <inkml:channel name="F" type="integer" max="32767" units="dev"/>
+        </inkml:traceFormat>
+        <inkml:channelProperties>
+          <inkml:channelProperty channel="X" name="resolution" value="1000" units="1/cm"/>
+          <inkml:channelProperty channel="Y" name="resolution" value="1000" units="1/cm"/>
+          <inkml:channelProperty channel="F" name="resolution" value="0" units="1/dev"/>
+        </inkml:channelProperties>
+      </inkml:inkSource>
+      <inkml:timestamp xml:id="ts0" timeString="2023-12-04T16:50:33.204"/>
+    </inkml:context>
+    <inkml:brush xml:id="br0">
+      <inkml:brushProperty name="width" value="0.035" units="cm"/>
+      <inkml:brushProperty name="height" value="0.035" units="cm"/>
+      <inkml:brushProperty name="color" value="#E71224"/>
+    </inkml:brush>
+  </inkml:definitions>
+  <inkml:trace contextRef="#ctx0" brushRef="#br0">84 1 24575,'-1'70'0,"2"78"0,0-145 0,-1-1 0,0 1 0,1-1 0,-1 1 0,1-1 0,0 1 0,0-1 0,0 1 0,0-1 0,0 0 0,1 1 0,-1-1 0,1 0 0,-1 0 0,1 0 0,0 0 0,0 0 0,0 0 0,0-1 0,0 1 0,0-1 0,0 1 0,0-1 0,1 0 0,-1 0 0,1 0 0,-1 0 0,1 0 0,-1-1 0,1 1 0,-1-1 0,1 1 0,-1-1 0,1 0 0,0 0 0,-1 0 0,5-1 0,-2 0 0,-1 1 0,1-1 0,-1 0 0,0 0 0,1-1 0,-1 1 0,0-1 0,0 0 0,0 0 0,0 0 0,0-1 0,-1 1 0,1-1 0,-1 0 0,1 0 0,-1 0 0,0-1 0,0 1 0,-1-1 0,1 1 0,3-8 0,-3 2 0,0 0 0,-1 0 0,0-1 0,0 1 0,-1 0 0,0-1 0,-1 0 0,0 1 0,-3-16 0,3 21 0,0 0 0,-1 0 0,0 0 0,0 1 0,0-1 0,0 0 0,-1 1 0,1-1 0,-1 0 0,0 1 0,0 0 0,0-1 0,-1 1 0,1 0 0,-1 0 0,0 0 0,0 1 0,0-1 0,0 1 0,0-1 0,0 1 0,-1 0 0,1 0 0,-1 1 0,-5-3 0,5 3 0,-1 0 0,0 0 0,-1 0 0,1 1 0,0 0 0,0 0 0,0 0 0,0 1 0,0-1 0,0 1 0,0 0 0,0 1 0,0-1 0,0 1 0,1 0 0,-1 0 0,0 0 0,1 1 0,0 0 0,0 0 0,0 0 0,0 0 0,0 0 0,-3 5 0,2-2 0,0 0 0,1 1 0,-1-1 0,2 1 0,-1 0 0,1 0 0,0 0 0,0 1 0,1-1 0,0 1 0,0-1 0,1 1 0,0 0 0,1-1 0,-1 12 0,1-17 0,0 0 0,1 1 0,-1-1 0,0 0 0,1 1 0,-1-1 0,1 0 0,0 0 0,-1 1 0,1-1 0,0 0 0,0 0 0,1 0 0,-1 0 0,0 0 0,1 0 0,-1 0 0,1-1 0,0 1 0,-1-1 0,1 1 0,0-1 0,0 1 0,0-1 0,0 0 0,0 0 0,0 0 0,1 0 0,2 1 0,-2-2 0,0 1 0,0-1 0,0 0 0,1 0 0,-1 0 0,0 0 0,0-1 0,0 1 0,0-1 0,1 0 0,-1 0 0,0 0 0,0 0 0,-1 0 0,1-1 0,0 1 0,0-1 0,-1 0 0,1 0 0,-1 0 0,3-2 0,1-3 0,1 1 0,-2-1 0,1 0 0,-1 0 0,0-1 0,-1 1 0,0-1 0,6-14 0,-10 20 0,1 0 0,-1 0 0,1 0 0,-1 0 0,0 0 0,0 0 0,0 0 0,0 0 0,0 0 0,0 0 0,0 0 0,-1-1 0,1 1 0,-1 0 0,1 0 0,-3-3 0,2 3 0,-1 0 0,0 0 0,1 0 0,-1 1 0,0-1 0,0 0 0,0 1 0,0 0 0,-1-1 0,1 1 0,0 0 0,0 0 0,-1 0 0,1 0 0,-1 1 0,1-1 0,-5 0 0,2 0 0,-1 0 0,1 1 0,-1-1 0,0 1 0,1 0 0,-1 0 0,1 1 0,-1 0 0,1 0 0,-1 0 0,1 1 0,-1-1 0,1 1 0,0 1 0,0-1 0,-5 4 0,6-4 0,1 1 0,-1 0 0,1 1 0,0-1 0,0 0 0,0 1 0,1 0 0,-1 0 0,1-1 0,0 1 0,0 1 0,0-1 0,0 0 0,1 0 0,0 1 0,0-1 0,0 1 0,0-1 0,1 1 0,0 5 0,2 14-1365,4-5-5461</inkml:trace>
+</inkml:ink>
+</file>
+
+<file path=ppt/ink/ink4.xml><?xml version="1.0" encoding="utf-8"?>
+<inkml:ink xmlns:inkml="http://www.w3.org/2003/InkML">
+  <inkml:definitions>
+    <inkml:context xml:id="ctx0">
+      <inkml:inkSource xml:id="inkSrc0">
+        <inkml:traceFormat>
+          <inkml:channel name="X" type="integer" min="-2.14748E9" max="2.14748E9" units="cm"/>
+          <inkml:channel name="Y" type="integer" min="-2.14748E9" max="2.14748E9" units="cm"/>
+          <inkml:channel name="F" type="integer" max="32767" units="dev"/>
+        </inkml:traceFormat>
+        <inkml:channelProperties>
+          <inkml:channelProperty channel="X" name="resolution" value="1000" units="1/cm"/>
+          <inkml:channelProperty channel="Y" name="resolution" value="1000" units="1/cm"/>
+          <inkml:channelProperty channel="F" name="resolution" value="0" units="1/dev"/>
+        </inkml:channelProperties>
+      </inkml:inkSource>
+      <inkml:timestamp xml:id="ts0" timeString="2023-12-04T16:49:39.120"/>
+    </inkml:context>
+    <inkml:brush xml:id="br0">
+      <inkml:brushProperty name="width" value="0.035" units="cm"/>
+      <inkml:brushProperty name="height" value="0.035" units="cm"/>
+      <inkml:brushProperty name="color" value="#E71224"/>
+    </inkml:brush>
+  </inkml:definitions>
+  <inkml:trace contextRef="#ctx0" brushRef="#br0">0 1 24575,'70'-1'0,"76"3"0,-141-1 0,0-1 0,0 1 0,0 0 0,0 1 0,0-1 0,-1 1 0,1 0 0,-1 0 0,1 0 0,-1 1 0,0 0 0,0 0 0,0 0 0,0 0 0,0 0 0,-1 1 0,0 0 0,1-1 0,-1 1 0,-1 0 0,1 1 0,0-1 0,-1 1 0,0-1 0,0 1 0,-1-1 0,1 1 0,-1 0 0,0 0 0,1 7 0,0 4 0,-1-1 0,0 1 0,-1 0 0,-1 0 0,0 0 0,-1 0 0,-1 0 0,-6 19 0,0-8 0,-1 1 0,-1-1 0,-1-1 0,-2 0 0,-21 30 0,6-14 0,2 2 0,1 0 0,-19 50 0,24-59 0,18-30 0,0-1 0,0 0 0,1 1 0,-1 0 0,1-1 0,0 1 0,0 0 0,-2 8 0,5-12 0,-1 1 0,0-1 0,0 0 0,0 0 0,1 0 0,-1 1 0,0-1 0,1 0 0,-1 0 0,1 0 0,0 0 0,-1 0 0,1 0 0,0 0 0,0 0 0,-1 0 0,1 0 0,0 0 0,0 0 0,0-1 0,0 1 0,0 0 0,0-1 0,0 1 0,1-1 0,-1 1 0,0-1 0,0 1 0,0-1 0,1 0 0,-1 0 0,0 1 0,0-1 0,3 0 0,50 2 0,-45-2 0,34 0 0,187-5 0,-105-12 0,-61 7 0,-32 4 67,49-15-1,2-2-1564,-63 20-5328</inkml:trace>
+</inkml:ink>
+</file>
+
+<file path=ppt/ink/ink5.xml><?xml version="1.0" encoding="utf-8"?>
+<inkml:ink xmlns:inkml="http://www.w3.org/2003/InkML">
+  <inkml:definitions>
+    <inkml:context xml:id="ctx0">
+      <inkml:inkSource xml:id="inkSrc0">
+        <inkml:traceFormat>
+          <inkml:channel name="X" type="integer" min="-2.14748E9" max="2.14748E9" units="cm"/>
+          <inkml:channel name="Y" type="integer" min="-2.14748E9" max="2.14748E9" units="cm"/>
+          <inkml:channel name="F" type="integer" max="32767" units="dev"/>
+        </inkml:traceFormat>
+        <inkml:channelProperties>
+          <inkml:channelProperty channel="X" name="resolution" value="1000" units="1/cm"/>
+          <inkml:channelProperty channel="Y" name="resolution" value="1000" units="1/cm"/>
+          <inkml:channelProperty channel="F" name="resolution" value="0" units="1/dev"/>
+        </inkml:channelProperties>
+      </inkml:inkSource>
+      <inkml:timestamp xml:id="ts0" timeString="2023-12-04T16:49:40.622"/>
+    </inkml:context>
+    <inkml:brush xml:id="br0">
+      <inkml:brushProperty name="width" value="0.035" units="cm"/>
+      <inkml:brushProperty name="height" value="0.035" units="cm"/>
+      <inkml:brushProperty name="color" value="#E71224"/>
+    </inkml:brush>
+  </inkml:definitions>
+  <inkml:trace contextRef="#ctx0" brushRef="#br0">1 0 24575,'43'2'0,"1"2"0,-1 1 0,49 14 0,-27-6 0,1140 239 0,-1093-232-2,-68-14-453,-1 3 1,78 24 0,-99-24-6372</inkml:trace>
+</inkml:ink>
+</file>
+
+<file path=ppt/ink/ink6.xml><?xml version="1.0" encoding="utf-8"?>
+<inkml:ink xmlns:inkml="http://www.w3.org/2003/InkML">
+  <inkml:definitions>
+    <inkml:context xml:id="ctx0">
+      <inkml:inkSource xml:id="inkSrc0">
+        <inkml:traceFormat>
+          <inkml:channel name="X" type="integer" min="-2.14748E9" max="2.14748E9" units="cm"/>
+          <inkml:channel name="Y" type="integer" min="-2.14748E9" max="2.14748E9" units="cm"/>
+          <inkml:channel name="F" type="integer" max="32767" units="dev"/>
+        </inkml:traceFormat>
+        <inkml:channelProperties>
+          <inkml:channelProperty channel="X" name="resolution" value="1000" units="1/cm"/>
+          <inkml:channelProperty channel="Y" name="resolution" value="1000" units="1/cm"/>
+          <inkml:channelProperty channel="F" name="resolution" value="0" units="1/dev"/>
+        </inkml:channelProperties>
+      </inkml:inkSource>
+      <inkml:timestamp xml:id="ts0" timeString="2023-12-04T16:49:42.579"/>
+    </inkml:context>
+    <inkml:brush xml:id="br0">
+      <inkml:brushProperty name="width" value="0.035" units="cm"/>
+      <inkml:brushProperty name="height" value="0.035" units="cm"/>
+      <inkml:brushProperty name="color" value="#E71224"/>
+    </inkml:brush>
+  </inkml:definitions>
+  <inkml:trace contextRef="#ctx0" brushRef="#br0">373 3 24575,'39'-1'0,"-14"0"0,50 3 0,-69-2 0,-1 1 0,0 0 0,0 0 0,0 0 0,0 1 0,0-1 0,-1 1 0,1 0 0,0 1 0,-1-1 0,1 1 0,-1 0 0,0 0 0,0 0 0,6 6 0,-8-5 0,0-1 0,0 1 0,0 0 0,-1-1 0,1 1 0,-1 0 0,0 0 0,0 0 0,0 0 0,-1 0 0,1 0 0,-1 0 0,0 0 0,0 0 0,-1 0 0,1 1 0,-1-1 0,0 0 0,-2 6 0,0 1 0,-1 1 0,-1-1 0,0 0 0,-1-1 0,-8 15 0,-12 3 0,22-24 0,-1 1 0,1-1 0,1 0 0,-1 1 0,1 0 0,-1 0 0,1 0 0,-3 7 0,6-12 0,0 1 0,0 0 0,0-1 0,0 1 0,0 0 0,0 0 0,0-1 0,0 1 0,0 0 0,0 0 0,1-1 0,-1 1 0,0 0 0,0-1 0,1 1 0,-1 0 0,0-1 0,1 1 0,-1-1 0,1 1 0,-1 0 0,1-1 0,-1 1 0,1-1 0,-1 1 0,1-1 0,-1 0 0,1 1 0,0-1 0,-1 0 0,1 1 0,0-1 0,-1 0 0,1 0 0,0 1 0,0-1 0,-1 0 0,1 0 0,0 0 0,33 4 0,-31-4 0,15 0 0,0 1 0,0 1 0,-1 1 0,1 0 0,-1 1 0,20 8 0,-31-10 0,-1 0 0,0 1 0,0 0 0,0 0 0,0 0 0,-1 0 0,1 1 0,-1 0 0,0 0 0,0 0 0,0 0 0,-1 1 0,1 0 0,-1-1 0,0 1 0,-1 0 0,1 1 0,-1-1 0,0 0 0,0 1 0,0-1 0,-1 1 0,1 7 0,-2-5 0,0-1 0,0 0 0,-1 1 0,0-1 0,0 0 0,-1 0 0,0 0 0,0 0 0,0 0 0,-1 0 0,0 0 0,-1-1 0,1 1 0,-1-1 0,0 0 0,-1 0 0,0-1 0,0 1 0,-6 4 0,-2 3 0,-1-1 0,-1 0 0,0-2 0,-1 1 0,0-2 0,-25 12 0,27-16 0,-1 0 0,1-1 0,-1-1 0,0 0 0,-29 1 0,-79-5 0,57-1 0,33 1-115,-2 2 239,-57-9 1,80 7-275,1-2 0,1 1 0,-1-2 0,0 1 1,1-1-1,0-1 0,0 0 0,0 0 0,-12-10 0,9 4-6676</inkml:trace>
+</inkml:ink>
+</file>
+
+<file path=ppt/ink/ink7.xml><?xml version="1.0" encoding="utf-8"?>
+<inkml:ink xmlns:inkml="http://www.w3.org/2003/InkML">
+  <inkml:definitions>
+    <inkml:context xml:id="ctx0">
+      <inkml:inkSource xml:id="inkSrc0">
+        <inkml:traceFormat>
+          <inkml:channel name="X" type="integer" min="-2.14748E9" max="2.14748E9" units="cm"/>
+          <inkml:channel name="Y" type="integer" min="-2.14748E9" max="2.14748E9" units="cm"/>
+          <inkml:channel name="F" type="integer" max="32767" units="dev"/>
+        </inkml:traceFormat>
+        <inkml:channelProperties>
+          <inkml:channelProperty channel="X" name="resolution" value="1000" units="1/cm"/>
+          <inkml:channelProperty channel="Y" name="resolution" value="1000" units="1/cm"/>
+          <inkml:channelProperty channel="F" name="resolution" value="0" units="1/dev"/>
+        </inkml:channelProperties>
+      </inkml:inkSource>
+      <inkml:timestamp xml:id="ts0" timeString="2023-12-04T16:49:44.208"/>
+    </inkml:context>
+    <inkml:brush xml:id="br0">
+      <inkml:brushProperty name="width" value="0.035" units="cm"/>
+      <inkml:brushProperty name="height" value="0.035" units="cm"/>
+      <inkml:brushProperty name="color" value="#E71224"/>
+    </inkml:brush>
+  </inkml:definitions>
+  <inkml:trace contextRef="#ctx0" brushRef="#br0">0 1 24575,'659'0'-1365,"-636"0"-5461</inkml:trace>
+</inkml:ink>
+</file>
+
+<file path=ppt/ink/ink8.xml><?xml version="1.0" encoding="utf-8"?>
+<inkml:ink xmlns:inkml="http://www.w3.org/2003/InkML">
+  <inkml:definitions>
+    <inkml:context xml:id="ctx0">
+      <inkml:inkSource xml:id="inkSrc0">
+        <inkml:traceFormat>
+          <inkml:channel name="X" type="integer" min="-2.14748E9" max="2.14748E9" units="cm"/>
+          <inkml:channel name="Y" type="integer" min="-2.14748E9" max="2.14748E9" units="cm"/>
+          <inkml:channel name="F" type="integer" max="32767" units="dev"/>
+        </inkml:traceFormat>
+        <inkml:channelProperties>
+          <inkml:channelProperty channel="X" name="resolution" value="1000" units="1/cm"/>
+          <inkml:channelProperty channel="Y" name="resolution" value="1000" units="1/cm"/>
+          <inkml:channelProperty channel="F" name="resolution" value="0" units="1/dev"/>
+        </inkml:channelProperties>
+      </inkml:inkSource>
+      <inkml:timestamp xml:id="ts0" timeString="2023-12-04T16:49:46.085"/>
+    </inkml:context>
+    <inkml:brush xml:id="br0">
+      <inkml:brushProperty name="width" value="0.035" units="cm"/>
+      <inkml:brushProperty name="height" value="0.035" units="cm"/>
+      <inkml:brushProperty name="color" value="#E71224"/>
+    </inkml:brush>
+  </inkml:definitions>
+  <inkml:trace contextRef="#ctx0" brushRef="#br0">519 958 24575,'0'-61'0,"-25"-615"0,-3 506 0,27 168 0,1-1 0,-1 0 0,1 1 0,-1-1 0,0 0 0,0 1 0,0-1 0,0 1 0,-1 0 0,1-1 0,-1 1 0,1 0 0,-1 0 0,0 0 0,0 0 0,0 0 0,-3-2 0,3 3 0,0 0 0,0 0 0,0 0 0,-1 0 0,1 1 0,0-1 0,0 1 0,-1 0 0,1-1 0,-1 1 0,1 0 0,0 0 0,-1 1 0,1-1 0,0 0 0,-3 2 0,-3 0 0,0 1 0,0 1 0,0-1 0,0 2 0,1-1 0,0 1 0,0 0 0,0 0 0,-8 9 0,2 1 0,1 0 0,0 1 0,-18 33 0,19-30 0,-1-1 0,0 0 0,-15 17 0,-30 22 0,-37 45 0,90-97 0,0 1 0,0 1 0,0-1 0,1 1 0,0-1 0,0 1 0,0 0 0,1 0 0,0 0 0,1 0 0,-1 9 0,1-14 0,1 0 0,0 1 0,0-1 0,0 1 0,1-1 0,-1 1 0,0-1 0,1 1 0,0-1 0,-1 1 0,1-1 0,0 0 0,0 0 0,1 1 0,-1-1 0,0 0 0,1 0 0,-1 0 0,1 0 0,0 0 0,-1-1 0,1 1 0,0 0 0,0-1 0,0 0 0,1 1 0,-1-1 0,0 0 0,0 0 0,1 0 0,-1 0 0,0-1 0,1 1 0,4 0 0,26 3 0,0-2 0,0-2 0,0-1 0,-1-1 0,40-9 0,1 2 0,337-3-248,-312 13-869,-70-1-5709</inkml:trace>
+</inkml:ink>
+</file>
+
+<file path=ppt/ink/ink9.xml><?xml version="1.0" encoding="utf-8"?>
+<inkml:ink xmlns:inkml="http://www.w3.org/2003/InkML">
+  <inkml:definitions>
+    <inkml:context xml:id="ctx0">
+      <inkml:inkSource xml:id="inkSrc0">
+        <inkml:traceFormat>
+          <inkml:channel name="X" type="integer" min="-2.14748E9" max="2.14748E9" units="cm"/>
+          <inkml:channel name="Y" type="integer" min="-2.14748E9" max="2.14748E9" units="cm"/>
+          <inkml:channel name="F" type="integer" max="32767" units="dev"/>
+        </inkml:traceFormat>
+        <inkml:channelProperties>
+          <inkml:channelProperty channel="X" name="resolution" value="1000" units="1/cm"/>
+          <inkml:channelProperty channel="Y" name="resolution" value="1000" units="1/cm"/>
+          <inkml:channelProperty channel="F" name="resolution" value="0" units="1/dev"/>
+        </inkml:channelProperties>
+      </inkml:inkSource>
+      <inkml:timestamp xml:id="ts0" timeString="2023-12-04T16:49:47.504"/>
+    </inkml:context>
+    <inkml:brush xml:id="br0">
+      <inkml:brushProperty name="width" value="0.035" units="cm"/>
+      <inkml:brushProperty name="height" value="0.035" units="cm"/>
+      <inkml:brushProperty name="color" value="#E71224"/>
+    </inkml:brush>
+  </inkml:definitions>
+  <inkml:trace contextRef="#ctx0" brushRef="#br0">1 1 24575,'1123'23'0,"-977"-18"0,83 8 0,99 0 0,-298-13-1365,-5 0-5461</inkml:trace>
+</inkml:ink>
+</file>
+
 <file path=ppt/slideLayouts/slideLayout1.xml><?xml version="1.0" encoding="utf-8"?>
 <p:sldLayout xmlns:a="http://schemas.openxmlformats.org/drawingml/2006/main" xmlns:r="http://schemas.openxmlformats.org/officeDocument/2006/relationships" xmlns:p="http://schemas.openxmlformats.org/presentationml/2006/main" type="title" preserve="1">
   <p:cSld name="Title Slide">
@@ -174,10 +1464,9 @@
           </a:lstStyle>
           <a:p>
             <a:r>
-              <a:rPr lang="en-US" smtClean="0"/>
+              <a:rPr lang="en-US"/>
               <a:t>Click to edit Master title style</a:t>
             </a:r>
-            <a:endParaRPr lang="en-US"/>
           </a:p>
         </p:txBody>
       </p:sp>
@@ -239,10 +1528,9 @@
           </a:lstStyle>
           <a:p>
             <a:r>
-              <a:rPr lang="en-US" smtClean="0"/>
+              <a:rPr lang="en-US"/>
               <a:t>Click to edit Master subtitle style</a:t>
             </a:r>
-            <a:endParaRPr lang="en-US"/>
           </a:p>
         </p:txBody>
       </p:sp>
@@ -263,7 +1551,7 @@
           <a:p>
             <a:fld id="{3489AAAC-BFCF-4D14-A3B0-A1677ABE0D53}" type="datetimeFigureOut">
               <a:rPr lang="en-US" smtClean="0"/>
-              <a:t>9/6/2023</a:t>
+              <a:t>12/4/2023</a:t>
             </a:fld>
             <a:endParaRPr lang="en-US"/>
           </a:p>
@@ -357,10 +1645,9 @@
           <a:lstStyle/>
           <a:p>
             <a:r>
-              <a:rPr lang="en-US" smtClean="0"/>
+              <a:rPr lang="en-US"/>
               <a:t>Click to edit Master title style</a:t>
             </a:r>
-            <a:endParaRPr lang="en-US"/>
           </a:p>
         </p:txBody>
       </p:sp>
@@ -381,38 +1668,37 @@
           <a:p>
             <a:pPr lvl="0"/>
             <a:r>
-              <a:rPr lang="en-US" smtClean="0"/>
+              <a:rPr lang="en-US"/>
               <a:t>Click to edit Master text styles</a:t>
             </a:r>
           </a:p>
           <a:p>
             <a:pPr lvl="1"/>
             <a:r>
-              <a:rPr lang="en-US" smtClean="0"/>
+              <a:rPr lang="en-US"/>
               <a:t>Second level</a:t>
             </a:r>
           </a:p>
           <a:p>
             <a:pPr lvl="2"/>
             <a:r>
-              <a:rPr lang="en-US" smtClean="0"/>
+              <a:rPr lang="en-US"/>
               <a:t>Third level</a:t>
             </a:r>
           </a:p>
           <a:p>
             <a:pPr lvl="3"/>
             <a:r>
-              <a:rPr lang="en-US" smtClean="0"/>
+              <a:rPr lang="en-US"/>
               <a:t>Fourth level</a:t>
             </a:r>
           </a:p>
           <a:p>
             <a:pPr lvl="4"/>
             <a:r>
-              <a:rPr lang="en-US" smtClean="0"/>
+              <a:rPr lang="en-US"/>
               <a:t>Fifth level</a:t>
             </a:r>
-            <a:endParaRPr lang="en-US"/>
           </a:p>
         </p:txBody>
       </p:sp>
@@ -433,7 +1719,7 @@
           <a:p>
             <a:fld id="{3489AAAC-BFCF-4D14-A3B0-A1677ABE0D53}" type="datetimeFigureOut">
               <a:rPr lang="en-US" smtClean="0"/>
-              <a:t>9/6/2023</a:t>
+              <a:t>12/4/2023</a:t>
             </a:fld>
             <a:endParaRPr lang="en-US"/>
           </a:p>
@@ -532,10 +1818,9 @@
           <a:lstStyle/>
           <a:p>
             <a:r>
-              <a:rPr lang="en-US" smtClean="0"/>
+              <a:rPr lang="en-US"/>
               <a:t>Click to edit Master title style</a:t>
             </a:r>
-            <a:endParaRPr lang="en-US"/>
           </a:p>
         </p:txBody>
       </p:sp>
@@ -561,38 +1846,37 @@
           <a:p>
             <a:pPr lvl="0"/>
             <a:r>
-              <a:rPr lang="en-US" smtClean="0"/>
+              <a:rPr lang="en-US"/>
               <a:t>Click to edit Master text styles</a:t>
             </a:r>
           </a:p>
           <a:p>
             <a:pPr lvl="1"/>
             <a:r>
-              <a:rPr lang="en-US" smtClean="0"/>
+              <a:rPr lang="en-US"/>
               <a:t>Second level</a:t>
             </a:r>
           </a:p>
           <a:p>
             <a:pPr lvl="2"/>
             <a:r>
-              <a:rPr lang="en-US" smtClean="0"/>
+              <a:rPr lang="en-US"/>
               <a:t>Third level</a:t>
             </a:r>
           </a:p>
           <a:p>
             <a:pPr lvl="3"/>
             <a:r>
-              <a:rPr lang="en-US" smtClean="0"/>
+              <a:rPr lang="en-US"/>
               <a:t>Fourth level</a:t>
             </a:r>
           </a:p>
           <a:p>
             <a:pPr lvl="4"/>
             <a:r>
-              <a:rPr lang="en-US" smtClean="0"/>
+              <a:rPr lang="en-US"/>
               <a:t>Fifth level</a:t>
             </a:r>
-            <a:endParaRPr lang="en-US"/>
           </a:p>
         </p:txBody>
       </p:sp>
@@ -613,7 +1897,7 @@
           <a:p>
             <a:fld id="{3489AAAC-BFCF-4D14-A3B0-A1677ABE0D53}" type="datetimeFigureOut">
               <a:rPr lang="en-US" smtClean="0"/>
-              <a:t>9/6/2023</a:t>
+              <a:t>12/4/2023</a:t>
             </a:fld>
             <a:endParaRPr lang="en-US"/>
           </a:p>
@@ -707,10 +1991,9 @@
           <a:lstStyle/>
           <a:p>
             <a:r>
-              <a:rPr lang="en-US" smtClean="0"/>
+              <a:rPr lang="en-US"/>
               <a:t>Click to edit Master title style</a:t>
             </a:r>
-            <a:endParaRPr lang="en-US"/>
           </a:p>
         </p:txBody>
       </p:sp>
@@ -731,38 +2014,37 @@
           <a:p>
             <a:pPr lvl="0"/>
             <a:r>
-              <a:rPr lang="en-US" smtClean="0"/>
+              <a:rPr lang="en-US"/>
               <a:t>Click to edit Master text styles</a:t>
             </a:r>
           </a:p>
           <a:p>
             <a:pPr lvl="1"/>
             <a:r>
-              <a:rPr lang="en-US" smtClean="0"/>
+              <a:rPr lang="en-US"/>
               <a:t>Second level</a:t>
             </a:r>
           </a:p>
           <a:p>
             <a:pPr lvl="2"/>
             <a:r>
-              <a:rPr lang="en-US" smtClean="0"/>
+              <a:rPr lang="en-US"/>
               <a:t>Third level</a:t>
             </a:r>
           </a:p>
           <a:p>
             <a:pPr lvl="3"/>
             <a:r>
-              <a:rPr lang="en-US" smtClean="0"/>
+              <a:rPr lang="en-US"/>
               <a:t>Fourth level</a:t>
             </a:r>
           </a:p>
           <a:p>
             <a:pPr lvl="4"/>
             <a:r>
-              <a:rPr lang="en-US" smtClean="0"/>
+              <a:rPr lang="en-US"/>
               <a:t>Fifth level</a:t>
             </a:r>
-            <a:endParaRPr lang="en-US"/>
           </a:p>
         </p:txBody>
       </p:sp>
@@ -783,7 +2065,7 @@
           <a:p>
             <a:fld id="{3489AAAC-BFCF-4D14-A3B0-A1677ABE0D53}" type="datetimeFigureOut">
               <a:rPr lang="en-US" smtClean="0"/>
-              <a:t>9/6/2023</a:t>
+              <a:t>12/4/2023</a:t>
             </a:fld>
             <a:endParaRPr lang="en-US"/>
           </a:p>
@@ -886,10 +2168,9 @@
           </a:lstStyle>
           <a:p>
             <a:r>
-              <a:rPr lang="en-US" smtClean="0"/>
+              <a:rPr lang="en-US"/>
               <a:t>Click to edit Master title style</a:t>
             </a:r>
-            <a:endParaRPr lang="en-US"/>
           </a:p>
         </p:txBody>
       </p:sp>
@@ -1006,7 +2287,7 @@
           <a:p>
             <a:pPr lvl="0"/>
             <a:r>
-              <a:rPr lang="en-US" smtClean="0"/>
+              <a:rPr lang="en-US"/>
               <a:t>Click to edit Master text styles</a:t>
             </a:r>
           </a:p>
@@ -1029,7 +2310,7 @@
           <a:p>
             <a:fld id="{3489AAAC-BFCF-4D14-A3B0-A1677ABE0D53}" type="datetimeFigureOut">
               <a:rPr lang="en-US" smtClean="0"/>
-              <a:t>9/6/2023</a:t>
+              <a:t>12/4/2023</a:t>
             </a:fld>
             <a:endParaRPr lang="en-US"/>
           </a:p>
@@ -1123,10 +2404,9 @@
           <a:lstStyle/>
           <a:p>
             <a:r>
-              <a:rPr lang="en-US" smtClean="0"/>
+              <a:rPr lang="en-US"/>
               <a:t>Click to edit Master title style</a:t>
             </a:r>
-            <a:endParaRPr lang="en-US"/>
           </a:p>
         </p:txBody>
       </p:sp>
@@ -1152,38 +2432,37 @@
           <a:p>
             <a:pPr lvl="0"/>
             <a:r>
-              <a:rPr lang="en-US" smtClean="0"/>
+              <a:rPr lang="en-US"/>
               <a:t>Click to edit Master text styles</a:t>
             </a:r>
           </a:p>
           <a:p>
             <a:pPr lvl="1"/>
             <a:r>
-              <a:rPr lang="en-US" smtClean="0"/>
+              <a:rPr lang="en-US"/>
               <a:t>Second level</a:t>
             </a:r>
           </a:p>
           <a:p>
             <a:pPr lvl="2"/>
             <a:r>
-              <a:rPr lang="en-US" smtClean="0"/>
+              <a:rPr lang="en-US"/>
               <a:t>Third level</a:t>
             </a:r>
           </a:p>
           <a:p>
             <a:pPr lvl="3"/>
             <a:r>
-              <a:rPr lang="en-US" smtClean="0"/>
+              <a:rPr lang="en-US"/>
               <a:t>Fourth level</a:t>
             </a:r>
           </a:p>
           <a:p>
             <a:pPr lvl="4"/>
             <a:r>
-              <a:rPr lang="en-US" smtClean="0"/>
+              <a:rPr lang="en-US"/>
               <a:t>Fifth level</a:t>
             </a:r>
-            <a:endParaRPr lang="en-US"/>
           </a:p>
         </p:txBody>
       </p:sp>
@@ -1209,38 +2488,37 @@
           <a:p>
             <a:pPr lvl="0"/>
             <a:r>
-              <a:rPr lang="en-US" smtClean="0"/>
+              <a:rPr lang="en-US"/>
               <a:t>Click to edit Master text styles</a:t>
             </a:r>
           </a:p>
           <a:p>
             <a:pPr lvl="1"/>
             <a:r>
-              <a:rPr lang="en-US" smtClean="0"/>
+              <a:rPr lang="en-US"/>
               <a:t>Second level</a:t>
             </a:r>
           </a:p>
           <a:p>
             <a:pPr lvl="2"/>
             <a:r>
-              <a:rPr lang="en-US" smtClean="0"/>
+              <a:rPr lang="en-US"/>
               <a:t>Third level</a:t>
             </a:r>
           </a:p>
           <a:p>
             <a:pPr lvl="3"/>
             <a:r>
-              <a:rPr lang="en-US" smtClean="0"/>
+              <a:rPr lang="en-US"/>
               <a:t>Fourth level</a:t>
             </a:r>
           </a:p>
           <a:p>
             <a:pPr lvl="4"/>
             <a:r>
-              <a:rPr lang="en-US" smtClean="0"/>
+              <a:rPr lang="en-US"/>
               <a:t>Fifth level</a:t>
             </a:r>
-            <a:endParaRPr lang="en-US"/>
           </a:p>
         </p:txBody>
       </p:sp>
@@ -1261,7 +2539,7 @@
           <a:p>
             <a:fld id="{3489AAAC-BFCF-4D14-A3B0-A1677ABE0D53}" type="datetimeFigureOut">
               <a:rPr lang="en-US" smtClean="0"/>
-              <a:t>9/6/2023</a:t>
+              <a:t>12/4/2023</a:t>
             </a:fld>
             <a:endParaRPr lang="en-US"/>
           </a:p>
@@ -1360,10 +2638,9 @@
           <a:lstStyle/>
           <a:p>
             <a:r>
-              <a:rPr lang="en-US" smtClean="0"/>
+              <a:rPr lang="en-US"/>
               <a:t>Click to edit Master title style</a:t>
             </a:r>
-            <a:endParaRPr lang="en-US"/>
           </a:p>
         </p:txBody>
       </p:sp>
@@ -1426,7 +2703,7 @@
           <a:p>
             <a:pPr lvl="0"/>
             <a:r>
-              <a:rPr lang="en-US" smtClean="0"/>
+              <a:rPr lang="en-US"/>
               <a:t>Click to edit Master text styles</a:t>
             </a:r>
           </a:p>
@@ -1454,38 +2731,37 @@
           <a:p>
             <a:pPr lvl="0"/>
             <a:r>
-              <a:rPr lang="en-US" smtClean="0"/>
+              <a:rPr lang="en-US"/>
               <a:t>Click to edit Master text styles</a:t>
             </a:r>
           </a:p>
           <a:p>
             <a:pPr lvl="1"/>
             <a:r>
-              <a:rPr lang="en-US" smtClean="0"/>
+              <a:rPr lang="en-US"/>
               <a:t>Second level</a:t>
             </a:r>
           </a:p>
           <a:p>
             <a:pPr lvl="2"/>
             <a:r>
-              <a:rPr lang="en-US" smtClean="0"/>
+              <a:rPr lang="en-US"/>
               <a:t>Third level</a:t>
             </a:r>
           </a:p>
           <a:p>
             <a:pPr lvl="3"/>
             <a:r>
-              <a:rPr lang="en-US" smtClean="0"/>
+              <a:rPr lang="en-US"/>
               <a:t>Fourth level</a:t>
             </a:r>
           </a:p>
           <a:p>
             <a:pPr lvl="4"/>
             <a:r>
-              <a:rPr lang="en-US" smtClean="0"/>
+              <a:rPr lang="en-US"/>
               <a:t>Fifth level</a:t>
             </a:r>
-            <a:endParaRPr lang="en-US"/>
           </a:p>
         </p:txBody>
       </p:sp>
@@ -1548,7 +2824,7 @@
           <a:p>
             <a:pPr lvl="0"/>
             <a:r>
-              <a:rPr lang="en-US" smtClean="0"/>
+              <a:rPr lang="en-US"/>
               <a:t>Click to edit Master text styles</a:t>
             </a:r>
           </a:p>
@@ -1576,38 +2852,37 @@
           <a:p>
             <a:pPr lvl="0"/>
             <a:r>
-              <a:rPr lang="en-US" smtClean="0"/>
+              <a:rPr lang="en-US"/>
               <a:t>Click to edit Master text styles</a:t>
             </a:r>
           </a:p>
           <a:p>
             <a:pPr lvl="1"/>
             <a:r>
-              <a:rPr lang="en-US" smtClean="0"/>
+              <a:rPr lang="en-US"/>
               <a:t>Second level</a:t>
             </a:r>
           </a:p>
           <a:p>
             <a:pPr lvl="2"/>
             <a:r>
-              <a:rPr lang="en-US" smtClean="0"/>
+              <a:rPr lang="en-US"/>
               <a:t>Third level</a:t>
             </a:r>
           </a:p>
           <a:p>
             <a:pPr lvl="3"/>
             <a:r>
-              <a:rPr lang="en-US" smtClean="0"/>
+              <a:rPr lang="en-US"/>
               <a:t>Fourth level</a:t>
             </a:r>
           </a:p>
           <a:p>
             <a:pPr lvl="4"/>
             <a:r>
-              <a:rPr lang="en-US" smtClean="0"/>
+              <a:rPr lang="en-US"/>
               <a:t>Fifth level</a:t>
             </a:r>
-            <a:endParaRPr lang="en-US"/>
           </a:p>
         </p:txBody>
       </p:sp>
@@ -1628,7 +2903,7 @@
           <a:p>
             <a:fld id="{3489AAAC-BFCF-4D14-A3B0-A1677ABE0D53}" type="datetimeFigureOut">
               <a:rPr lang="en-US" smtClean="0"/>
-              <a:t>9/6/2023</a:t>
+              <a:t>12/4/2023</a:t>
             </a:fld>
             <a:endParaRPr lang="en-US"/>
           </a:p>
@@ -1722,10 +2997,9 @@
           <a:lstStyle/>
           <a:p>
             <a:r>
-              <a:rPr lang="en-US" smtClean="0"/>
+              <a:rPr lang="en-US"/>
               <a:t>Click to edit Master title style</a:t>
             </a:r>
-            <a:endParaRPr lang="en-US"/>
           </a:p>
         </p:txBody>
       </p:sp>
@@ -1746,7 +3020,7 @@
           <a:p>
             <a:fld id="{3489AAAC-BFCF-4D14-A3B0-A1677ABE0D53}" type="datetimeFigureOut">
               <a:rPr lang="en-US" smtClean="0"/>
-              <a:t>9/6/2023</a:t>
+              <a:t>12/4/2023</a:t>
             </a:fld>
             <a:endParaRPr lang="en-US"/>
           </a:p>
@@ -1841,7 +3115,7 @@
           <a:p>
             <a:fld id="{3489AAAC-BFCF-4D14-A3B0-A1677ABE0D53}" type="datetimeFigureOut">
               <a:rPr lang="en-US" smtClean="0"/>
-              <a:t>9/6/2023</a:t>
+              <a:t>12/4/2023</a:t>
             </a:fld>
             <a:endParaRPr lang="en-US"/>
           </a:p>
@@ -1944,10 +3218,9 @@
           </a:lstStyle>
           <a:p>
             <a:r>
-              <a:rPr lang="en-US" smtClean="0"/>
+              <a:rPr lang="en-US"/>
               <a:t>Click to edit Master title style</a:t>
             </a:r>
-            <a:endParaRPr lang="en-US"/>
           </a:p>
         </p:txBody>
       </p:sp>
@@ -2001,38 +3274,37 @@
           <a:p>
             <a:pPr lvl="0"/>
             <a:r>
-              <a:rPr lang="en-US" smtClean="0"/>
+              <a:rPr lang="en-US"/>
               <a:t>Click to edit Master text styles</a:t>
             </a:r>
           </a:p>
           <a:p>
             <a:pPr lvl="1"/>
             <a:r>
-              <a:rPr lang="en-US" smtClean="0"/>
+              <a:rPr lang="en-US"/>
               <a:t>Second level</a:t>
             </a:r>
           </a:p>
           <a:p>
             <a:pPr lvl="2"/>
             <a:r>
-              <a:rPr lang="en-US" smtClean="0"/>
+              <a:rPr lang="en-US"/>
               <a:t>Third level</a:t>
             </a:r>
           </a:p>
           <a:p>
             <a:pPr lvl="3"/>
             <a:r>
-              <a:rPr lang="en-US" smtClean="0"/>
+              <a:rPr lang="en-US"/>
               <a:t>Fourth level</a:t>
             </a:r>
           </a:p>
           <a:p>
             <a:pPr lvl="4"/>
             <a:r>
-              <a:rPr lang="en-US" smtClean="0"/>
+              <a:rPr lang="en-US"/>
               <a:t>Fifth level</a:t>
             </a:r>
-            <a:endParaRPr lang="en-US"/>
           </a:p>
         </p:txBody>
       </p:sp>
@@ -2095,7 +3367,7 @@
           <a:p>
             <a:pPr lvl="0"/>
             <a:r>
-              <a:rPr lang="en-US" smtClean="0"/>
+              <a:rPr lang="en-US"/>
               <a:t>Click to edit Master text styles</a:t>
             </a:r>
           </a:p>
@@ -2118,7 +3390,7 @@
           <a:p>
             <a:fld id="{3489AAAC-BFCF-4D14-A3B0-A1677ABE0D53}" type="datetimeFigureOut">
               <a:rPr lang="en-US" smtClean="0"/>
-              <a:t>9/6/2023</a:t>
+              <a:t>12/4/2023</a:t>
             </a:fld>
             <a:endParaRPr lang="en-US"/>
           </a:p>
@@ -2221,10 +3493,9 @@
           </a:lstStyle>
           <a:p>
             <a:r>
-              <a:rPr lang="en-US" smtClean="0"/>
+              <a:rPr lang="en-US"/>
               <a:t>Click to edit Master title style</a:t>
             </a:r>
-            <a:endParaRPr lang="en-US"/>
           </a:p>
         </p:txBody>
       </p:sp>
@@ -2348,7 +3619,7 @@
           <a:p>
             <a:pPr lvl="0"/>
             <a:r>
-              <a:rPr lang="en-US" smtClean="0"/>
+              <a:rPr lang="en-US"/>
               <a:t>Click to edit Master text styles</a:t>
             </a:r>
           </a:p>
@@ -2371,7 +3642,7 @@
           <a:p>
             <a:fld id="{3489AAAC-BFCF-4D14-A3B0-A1677ABE0D53}" type="datetimeFigureOut">
               <a:rPr lang="en-US" smtClean="0"/>
-              <a:t>9/6/2023</a:t>
+              <a:t>12/4/2023</a:t>
             </a:fld>
             <a:endParaRPr lang="en-US"/>
           </a:p>
@@ -2480,10 +3751,9 @@
           <a:lstStyle/>
           <a:p>
             <a:r>
-              <a:rPr lang="en-US" smtClean="0"/>
+              <a:rPr lang="en-US"/>
               <a:t>Click to edit Master title style</a:t>
             </a:r>
-            <a:endParaRPr lang="en-US"/>
           </a:p>
         </p:txBody>
       </p:sp>
@@ -2514,38 +3784,37 @@
           <a:p>
             <a:pPr lvl="0"/>
             <a:r>
-              <a:rPr lang="en-US" smtClean="0"/>
+              <a:rPr lang="en-US"/>
               <a:t>Click to edit Master text styles</a:t>
             </a:r>
           </a:p>
           <a:p>
             <a:pPr lvl="1"/>
             <a:r>
-              <a:rPr lang="en-US" smtClean="0"/>
+              <a:rPr lang="en-US"/>
               <a:t>Second level</a:t>
             </a:r>
           </a:p>
           <a:p>
             <a:pPr lvl="2"/>
             <a:r>
-              <a:rPr lang="en-US" smtClean="0"/>
+              <a:rPr lang="en-US"/>
               <a:t>Third level</a:t>
             </a:r>
           </a:p>
           <a:p>
             <a:pPr lvl="3"/>
             <a:r>
-              <a:rPr lang="en-US" smtClean="0"/>
+              <a:rPr lang="en-US"/>
               <a:t>Fourth level</a:t>
             </a:r>
           </a:p>
           <a:p>
             <a:pPr lvl="4"/>
             <a:r>
-              <a:rPr lang="en-US" smtClean="0"/>
+              <a:rPr lang="en-US"/>
               <a:t>Fifth level</a:t>
             </a:r>
-            <a:endParaRPr lang="en-US"/>
           </a:p>
         </p:txBody>
       </p:sp>
@@ -2584,7 +3853,7 @@
           <a:p>
             <a:fld id="{3489AAAC-BFCF-4D14-A3B0-A1677ABE0D53}" type="datetimeFigureOut">
               <a:rPr lang="en-US" smtClean="0"/>
-              <a:t>9/6/2023</a:t>
+              <a:t>12/4/2023</a:t>
             </a:fld>
             <a:endParaRPr lang="en-US"/>
           </a:p>
@@ -3016,7 +4285,7 @@
               </a:lnSpc>
             </a:pPr>
             <a:r>
-              <a:rPr lang="en-US" sz="4000" b="1" spc="10" dirty="0" smtClean="0">
+              <a:rPr lang="en-US" sz="4000" b="1" spc="10" dirty="0">
                 <a:solidFill>
                   <a:srgbClr val="273239"/>
                 </a:solidFill>
@@ -3028,7 +4297,7 @@
               <a:t>What is a “version control system”?</a:t>
             </a:r>
             <a:r>
-              <a:rPr lang="en-US" sz="4000" spc="10" dirty="0" smtClean="0">
+              <a:rPr lang="en-US" sz="4000" spc="10" dirty="0">
                 <a:solidFill>
                   <a:srgbClr val="273239"/>
                 </a:solidFill>
@@ -3039,7 +4308,7 @@
               </a:rPr>
               <a:t> </a:t>
             </a:r>
-            <a:endParaRPr lang="en-US" sz="4000" dirty="0" smtClean="0">
+            <a:endParaRPr lang="en-US" sz="4000" dirty="0">
               <a:effectLst/>
               <a:latin typeface="Calibri" panose="020F0502020204030204" pitchFamily="34" charset="0"/>
               <a:ea typeface="Calibri" panose="020F0502020204030204" pitchFamily="34" charset="0"/>
@@ -3056,7 +4325,7 @@
               </a:spcAft>
             </a:pPr>
             <a:r>
-              <a:rPr lang="en-US" sz="4000" spc="10" dirty="0" smtClean="0">
+              <a:rPr lang="en-US" sz="4000" spc="10" dirty="0">
                 <a:solidFill>
                   <a:srgbClr val="273239"/>
                 </a:solidFill>
@@ -3113,13 +4382,6 @@
   <p:clrMapOvr>
     <a:masterClrMapping/>
   </p:clrMapOvr>
-  <p:timing>
-    <p:tnLst>
-      <p:par>
-        <p:cTn id="1" dur="indefinite" restart="never" nodeType="tmRoot"/>
-      </p:par>
-    </p:tnLst>
-  </p:timing>
 </p:sld>
 </file>
 
@@ -3167,7 +4429,7 @@
               </a:lnSpc>
             </a:pPr>
             <a:r>
-              <a:rPr lang="en-US" sz="2400" b="1" spc="10" dirty="0" smtClean="0">
+              <a:rPr lang="en-US" sz="2400" b="1" spc="10" dirty="0">
                 <a:solidFill>
                   <a:srgbClr val="273239"/>
                 </a:solidFill>
@@ -3179,7 +4441,7 @@
               <a:t>Distributed Version Control Systems:</a:t>
             </a:r>
             <a:r>
-              <a:rPr lang="en-US" sz="2400" spc="10" dirty="0" smtClean="0">
+              <a:rPr lang="en-US" sz="2400" spc="10" dirty="0">
                 <a:solidFill>
                   <a:srgbClr val="273239"/>
                 </a:solidFill>
@@ -3190,7 +4452,7 @@
               </a:rPr>
               <a:t> Distributed version control systems contain multiple repositories. Each user has their own repository and working copy. Just committing your changes will not give others access to your changes. This is because commit will reflect those changes in your local repository and you need to push them in order to make them visible on the central repository. Similarly, When you update, you do not get others’ changes unless you have first pulled those changes into your repository. </a:t>
             </a:r>
-            <a:endParaRPr lang="en-US" sz="2400" dirty="0" smtClean="0">
+            <a:endParaRPr lang="en-US" sz="2400" dirty="0">
               <a:effectLst/>
               <a:latin typeface="Calibri" panose="020F0502020204030204" pitchFamily="34" charset="0"/>
               <a:ea typeface="Calibri" panose="020F0502020204030204" pitchFamily="34" charset="0"/>
@@ -3207,7 +4469,7 @@
               </a:spcAft>
             </a:pPr>
             <a:r>
-              <a:rPr lang="en-US" sz="2400" spc="10" dirty="0" smtClean="0">
+              <a:rPr lang="en-US" sz="2400" spc="10" dirty="0">
                 <a:solidFill>
                   <a:srgbClr val="273239"/>
                 </a:solidFill>
@@ -3218,7 +4480,7 @@
               </a:rPr>
               <a:t>To make your changes visible to others, 4 things are required:  </a:t>
             </a:r>
-            <a:endParaRPr lang="en-US" sz="2400" dirty="0" smtClean="0">
+            <a:endParaRPr lang="en-US" sz="2400" dirty="0">
               <a:effectLst/>
               <a:latin typeface="Calibri" panose="020F0502020204030204" pitchFamily="34" charset="0"/>
               <a:ea typeface="Calibri" panose="020F0502020204030204" pitchFamily="34" charset="0"/>
@@ -3244,7 +4506,7 @@
               </a:tabLst>
             </a:pPr>
             <a:r>
-              <a:rPr lang="en-US" sz="2400" spc="10" dirty="0" smtClean="0">
+              <a:rPr lang="en-US" sz="2400" spc="10" dirty="0">
                 <a:solidFill>
                   <a:srgbClr val="273239"/>
                 </a:solidFill>
@@ -3301,13 +4563,6 @@
   <p:clrMapOvr>
     <a:masterClrMapping/>
   </p:clrMapOvr>
-  <p:timing>
-    <p:tnLst>
-      <p:par>
-        <p:cTn id="1" dur="indefinite" restart="never" nodeType="tmRoot"/>
-      </p:par>
-    </p:tnLst>
-  </p:timing>
 </p:sld>
 </file>
 
@@ -3367,7 +4622,7 @@
               </a:tabLst>
             </a:pPr>
             <a:r>
-              <a:rPr lang="en-US" sz="2400" spc="10" dirty="0" smtClean="0">
+              <a:rPr lang="en-US" sz="2400" spc="10" dirty="0">
                 <a:solidFill>
                   <a:srgbClr val="273239"/>
                 </a:solidFill>
@@ -3378,7 +4633,7 @@
               </a:rPr>
               <a:t>You push</a:t>
             </a:r>
-            <a:endParaRPr lang="en-US" sz="2400" dirty="0" smtClean="0">
+            <a:endParaRPr lang="en-US" sz="2400" dirty="0">
               <a:effectLst/>
               <a:latin typeface="Calibri" panose="020F0502020204030204" pitchFamily="34" charset="0"/>
               <a:ea typeface="Calibri" panose="020F0502020204030204" pitchFamily="34" charset="0"/>
@@ -3404,7 +4659,7 @@
               </a:tabLst>
             </a:pPr>
             <a:r>
-              <a:rPr lang="en-US" sz="2400" spc="10" dirty="0" smtClean="0">
+              <a:rPr lang="en-US" sz="2400" spc="10" dirty="0">
                 <a:solidFill>
                   <a:srgbClr val="273239"/>
                 </a:solidFill>
@@ -3415,7 +4670,7 @@
               </a:rPr>
               <a:t>They pull</a:t>
             </a:r>
-            <a:endParaRPr lang="en-US" sz="2400" dirty="0" smtClean="0">
+            <a:endParaRPr lang="en-US" sz="2400" dirty="0">
               <a:effectLst/>
               <a:latin typeface="Calibri" panose="020F0502020204030204" pitchFamily="34" charset="0"/>
               <a:ea typeface="Calibri" panose="020F0502020204030204" pitchFamily="34" charset="0"/>
@@ -3441,7 +4696,7 @@
               </a:tabLst>
             </a:pPr>
             <a:r>
-              <a:rPr lang="en-US" sz="2400" spc="10" dirty="0" smtClean="0">
+              <a:rPr lang="en-US" sz="2400" spc="10" dirty="0">
                 <a:solidFill>
                   <a:srgbClr val="273239"/>
                 </a:solidFill>
@@ -3452,7 +4707,7 @@
               </a:rPr>
               <a:t>They update</a:t>
             </a:r>
-            <a:endParaRPr lang="en-US" sz="2400" dirty="0" smtClean="0">
+            <a:endParaRPr lang="en-US" sz="2400" dirty="0">
               <a:effectLst/>
               <a:latin typeface="Calibri" panose="020F0502020204030204" pitchFamily="34" charset="0"/>
               <a:ea typeface="Calibri" panose="020F0502020204030204" pitchFamily="34" charset="0"/>
@@ -3469,7 +4724,7 @@
               </a:spcAft>
             </a:pPr>
             <a:r>
-              <a:rPr lang="en-US" sz="2400" spc="10" dirty="0" smtClean="0">
+              <a:rPr lang="en-US" sz="2400" spc="10" dirty="0">
                 <a:solidFill>
                   <a:srgbClr val="273239"/>
                 </a:solidFill>
@@ -3481,7 +4736,7 @@
               <a:t>The most popular distributed version control systems are </a:t>
             </a:r>
             <a:r>
-              <a:rPr lang="en-US" sz="2400" spc="10" dirty="0" err="1" smtClean="0">
+              <a:rPr lang="en-US" sz="2400" spc="10" dirty="0" err="1">
                 <a:solidFill>
                   <a:srgbClr val="273239"/>
                 </a:solidFill>
@@ -3493,7 +4748,7 @@
               <a:t>Git</a:t>
             </a:r>
             <a:r>
-              <a:rPr lang="en-US" sz="2400" spc="10" dirty="0" smtClean="0">
+              <a:rPr lang="en-US" sz="2400" spc="10" dirty="0">
                 <a:solidFill>
                   <a:srgbClr val="273239"/>
                 </a:solidFill>
@@ -3550,13 +4805,6 @@
   <p:clrMapOvr>
     <a:masterClrMapping/>
   </p:clrMapOvr>
-  <p:timing>
-    <p:tnLst>
-      <p:par>
-        <p:cTn id="1" dur="indefinite" restart="never" nodeType="tmRoot"/>
-      </p:par>
-    </p:tnLst>
-  </p:timing>
 </p:sld>
 </file>
 
@@ -3693,7 +4941,7 @@
                 <a:spcPct val="107000"/>
               </a:lnSpc>
             </a:pPr>
-            <a:endParaRPr lang="en-US" sz="2000" b="1" spc="10" dirty="0" smtClean="0">
+            <a:endParaRPr lang="en-US" sz="2000" b="1" spc="10" dirty="0">
               <a:solidFill>
                 <a:srgbClr val="273239"/>
               </a:solidFill>
@@ -3724,7 +4972,7 @@
                 <a:spcPct val="107000"/>
               </a:lnSpc>
             </a:pPr>
-            <a:endParaRPr lang="en-US" sz="2000" b="1" spc="10" dirty="0" smtClean="0">
+            <a:endParaRPr lang="en-US" sz="2000" b="1" spc="10" dirty="0">
               <a:solidFill>
                 <a:srgbClr val="273239"/>
               </a:solidFill>
@@ -3741,7 +4989,7 @@
               </a:lnSpc>
             </a:pPr>
             <a:r>
-              <a:rPr lang="en-US" sz="2000" b="1" spc="10" dirty="0" smtClean="0">
+              <a:rPr lang="en-US" sz="2000" b="1" spc="10" dirty="0">
                 <a:solidFill>
                   <a:srgbClr val="273239"/>
                 </a:solidFill>
@@ -3753,7 +5001,7 @@
               <a:t>Purpose of Version Control:</a:t>
             </a:r>
             <a:r>
-              <a:rPr lang="en-US" sz="2000" spc="10" dirty="0" smtClean="0">
+              <a:rPr lang="en-US" sz="2000" spc="10" dirty="0">
                 <a:solidFill>
                   <a:srgbClr val="273239"/>
                 </a:solidFill>
@@ -3764,7 +5012,7 @@
               </a:rPr>
               <a:t> </a:t>
             </a:r>
-            <a:endParaRPr lang="en-US" sz="2000" dirty="0" smtClean="0">
+            <a:endParaRPr lang="en-US" sz="2000" dirty="0">
               <a:effectLst/>
               <a:latin typeface="Calibri" panose="020F0502020204030204" pitchFamily="34" charset="0"/>
               <a:ea typeface="Calibri" panose="020F0502020204030204" pitchFamily="34" charset="0"/>
@@ -3790,7 +5038,7 @@
               </a:tabLst>
             </a:pPr>
             <a:r>
-              <a:rPr lang="en-US" sz="2000" spc="10" dirty="0" smtClean="0">
+              <a:rPr lang="en-US" sz="2000" spc="10" dirty="0">
                 <a:solidFill>
                   <a:srgbClr val="273239"/>
                 </a:solidFill>
@@ -3801,7 +5049,7 @@
               </a:rPr>
               <a:t>Multiple people can work simultaneously on a single project. Everyone works on and edits their own copy of the files and it is up to them when they wish to share the changes made by them with the rest of the team.</a:t>
             </a:r>
-            <a:endParaRPr lang="en-US" sz="2000" dirty="0" smtClean="0">
+            <a:endParaRPr lang="en-US" sz="2000" dirty="0">
               <a:effectLst/>
               <a:latin typeface="Calibri" panose="020F0502020204030204" pitchFamily="34" charset="0"/>
               <a:ea typeface="Calibri" panose="020F0502020204030204" pitchFamily="34" charset="0"/>
@@ -3827,7 +5075,7 @@
               </a:tabLst>
             </a:pPr>
             <a:r>
-              <a:rPr lang="en-US" sz="2000" spc="10" dirty="0" smtClean="0">
+              <a:rPr lang="en-US" sz="2000" spc="10" dirty="0">
                 <a:solidFill>
                   <a:srgbClr val="273239"/>
                 </a:solidFill>
@@ -3838,7 +5086,7 @@
               </a:rPr>
               <a:t>It also enables one person to use multiple computers to work on a project, so it is valuable even if you are working by yourself.</a:t>
             </a:r>
-            <a:endParaRPr lang="en-US" sz="2000" dirty="0" smtClean="0">
+            <a:endParaRPr lang="en-US" sz="2000" dirty="0">
               <a:effectLst/>
               <a:latin typeface="Calibri" panose="020F0502020204030204" pitchFamily="34" charset="0"/>
               <a:ea typeface="Calibri" panose="020F0502020204030204" pitchFamily="34" charset="0"/>
@@ -3864,7 +5112,7 @@
               </a:tabLst>
             </a:pPr>
             <a:r>
-              <a:rPr lang="en-US" sz="2000" spc="10" dirty="0" smtClean="0">
+              <a:rPr lang="en-US" sz="2000" spc="10" dirty="0">
                 <a:solidFill>
                   <a:srgbClr val="273239"/>
                 </a:solidFill>
@@ -3875,7 +5123,7 @@
               </a:rPr>
               <a:t>It integrates the work that is done simultaneously by different members of the team. In some rare cases, when conflicting edits are made by two people to the same line of a file, then human assistance is requested by the version control system in deciding what should be done.</a:t>
             </a:r>
-            <a:endParaRPr lang="en-US" sz="2000" dirty="0" smtClean="0">
+            <a:endParaRPr lang="en-US" sz="2000" dirty="0">
               <a:effectLst/>
               <a:latin typeface="Calibri" panose="020F0502020204030204" pitchFamily="34" charset="0"/>
               <a:ea typeface="Calibri" panose="020F0502020204030204" pitchFamily="34" charset="0"/>
@@ -3901,7 +5149,7 @@
               </a:tabLst>
             </a:pPr>
             <a:r>
-              <a:rPr lang="en-US" sz="2000" spc="10" dirty="0" smtClean="0">
+              <a:rPr lang="en-US" sz="2000" spc="10" dirty="0">
                 <a:solidFill>
                   <a:srgbClr val="273239"/>
                 </a:solidFill>
@@ -3912,7 +5160,7 @@
               </a:rPr>
               <a:t>Version control provides access to the historical versions of a project. This is insurance against computer crashes or data loss. If any mistake is made, you can easily roll back to a previous version. It is also possible to undo specific edits that too without losing the work done in the meanwhile. It can be easily known when, why, and by whom any part of a file was edited.</a:t>
             </a:r>
-            <a:endParaRPr lang="en-US" sz="2000" dirty="0" smtClean="0">
+            <a:endParaRPr lang="en-US" sz="2000" dirty="0">
               <a:effectLst/>
               <a:latin typeface="Calibri" panose="020F0502020204030204" pitchFamily="34" charset="0"/>
               <a:ea typeface="Calibri" panose="020F0502020204030204" pitchFamily="34" charset="0"/>
@@ -3929,7 +5177,7 @@
               </a:spcAft>
             </a:pPr>
             <a:r>
-              <a:rPr lang="en-US" sz="2000" dirty="0" smtClean="0">
+              <a:rPr lang="en-US" sz="2000" dirty="0">
                 <a:effectLst/>
                 <a:latin typeface="Calibri" panose="020F0502020204030204" pitchFamily="34" charset="0"/>
                 <a:ea typeface="Calibri" panose="020F0502020204030204" pitchFamily="34" charset="0"/>
@@ -3937,12 +5185,6 @@
               </a:rPr>
               <a:t> </a:t>
             </a:r>
-            <a:endParaRPr lang="en-US" sz="2000" dirty="0">
-              <a:effectLst/>
-              <a:latin typeface="Calibri" panose="020F0502020204030204" pitchFamily="34" charset="0"/>
-              <a:ea typeface="Calibri" panose="020F0502020204030204" pitchFamily="34" charset="0"/>
-              <a:cs typeface="Times New Roman" panose="02020603050405020304" pitchFamily="18" charset="0"/>
-            </a:endParaRPr>
           </a:p>
         </p:txBody>
       </p:sp>
@@ -4033,7 +5275,7 @@
               </a:spcAft>
             </a:pPr>
             <a:r>
-              <a:rPr lang="en-US" sz="2400" spc="10" dirty="0" smtClean="0">
+              <a:rPr lang="en-US" sz="2400" spc="10" dirty="0">
                 <a:solidFill>
                   <a:srgbClr val="273239"/>
                 </a:solidFill>
@@ -4045,7 +5287,7 @@
               <a:t>A Version control system tracks any kind of changes made to the project file, why these changes were made, and references to the problems fixed or enhancements introduced. It allows developer teams to manage and track changes in code over time. It allows a person to switch to the previous states of the file, compare the versions and helps to identify issues in a file in a more efficient way. </a:t>
             </a:r>
             <a:br>
-              <a:rPr lang="en-US" sz="2400" spc="10" dirty="0" smtClean="0">
+              <a:rPr lang="en-US" sz="2400" spc="10" dirty="0">
                 <a:solidFill>
                   <a:srgbClr val="273239"/>
                 </a:solidFill>
@@ -4056,7 +5298,7 @@
               </a:rPr>
             </a:br>
             <a:r>
-              <a:rPr lang="en-US" sz="2400" spc="10" dirty="0" smtClean="0">
+              <a:rPr lang="en-US" sz="2400" spc="10" dirty="0">
                 <a:solidFill>
                   <a:srgbClr val="273239"/>
                 </a:solidFill>
@@ -4133,7 +5375,7 @@
               </a:lnSpc>
             </a:pPr>
             <a:r>
-              <a:rPr lang="en-US" sz="2400" b="1" spc="10" dirty="0" err="1" smtClean="0">
+              <a:rPr lang="en-US" sz="2400" b="1" spc="10" dirty="0" err="1">
                 <a:solidFill>
                   <a:srgbClr val="273239"/>
                 </a:solidFill>
@@ -4145,7 +5387,7 @@
               <a:t>Git</a:t>
             </a:r>
             <a:r>
-              <a:rPr lang="en-US" sz="2400" b="1" spc="10" dirty="0" smtClean="0">
+              <a:rPr lang="en-US" sz="2400" b="1" spc="10" dirty="0">
                 <a:solidFill>
                   <a:srgbClr val="273239"/>
                 </a:solidFill>
@@ -4156,7 +5398,7 @@
               </a:rPr>
               <a:t> (A Version control system)</a:t>
             </a:r>
-            <a:endParaRPr lang="en-US" sz="2400" dirty="0" smtClean="0">
+            <a:endParaRPr lang="en-US" sz="2400" dirty="0">
               <a:effectLst/>
               <a:latin typeface="Calibri" panose="020F0502020204030204" pitchFamily="34" charset="0"/>
               <a:ea typeface="Calibri" panose="020F0502020204030204" pitchFamily="34" charset="0"/>
@@ -4170,7 +5412,7 @@
               </a:lnSpc>
             </a:pPr>
             <a:r>
-              <a:rPr lang="en-US" sz="2400" spc="10" dirty="0" err="1" smtClean="0">
+              <a:rPr lang="en-US" sz="2400" spc="10" dirty="0" err="1">
                 <a:solidFill>
                   <a:srgbClr val="273239"/>
                 </a:solidFill>
@@ -4182,7 +5424,7 @@
               <a:t>Git</a:t>
             </a:r>
             <a:r>
-              <a:rPr lang="en-US" sz="2400" spc="10" dirty="0" smtClean="0">
+              <a:rPr lang="en-US" sz="2400" spc="10" dirty="0">
                 <a:solidFill>
                   <a:srgbClr val="273239"/>
                 </a:solidFill>
@@ -4194,7 +5436,7 @@
               <a:t> is one of the way of implementing the idea of version control. It is Distributed Version Control System(</a:t>
             </a:r>
             <a:r>
-              <a:rPr lang="en-US" sz="2400" b="1" spc="10" dirty="0" smtClean="0">
+              <a:rPr lang="en-US" sz="2400" b="1" spc="10" dirty="0">
                 <a:solidFill>
                   <a:srgbClr val="273239"/>
                 </a:solidFill>
@@ -4206,7 +5448,7 @@
               <a:t>DVCS</a:t>
             </a:r>
             <a:r>
-              <a:rPr lang="en-US" sz="2400" spc="10" dirty="0" smtClean="0">
+              <a:rPr lang="en-US" sz="2400" spc="10" dirty="0">
                 <a:solidFill>
                   <a:srgbClr val="273239"/>
                 </a:solidFill>
@@ -4217,7 +5459,7 @@
               </a:rPr>
               <a:t>)</a:t>
             </a:r>
-            <a:endParaRPr lang="en-US" sz="2400" dirty="0" smtClean="0">
+            <a:endParaRPr lang="en-US" sz="2400" dirty="0">
               <a:effectLst/>
               <a:latin typeface="Calibri" panose="020F0502020204030204" pitchFamily="34" charset="0"/>
               <a:ea typeface="Calibri" panose="020F0502020204030204" pitchFamily="34" charset="0"/>
@@ -4234,7 +5476,7 @@
               </a:spcAft>
             </a:pPr>
             <a:r>
-              <a:rPr lang="en-US" sz="2400" spc="10" dirty="0" smtClean="0">
+              <a:rPr lang="en-US" sz="2400" spc="10" dirty="0">
                 <a:solidFill>
                   <a:srgbClr val="273239"/>
                 </a:solidFill>
@@ -4311,7 +5553,7 @@
               </a:lnSpc>
             </a:pPr>
             <a:r>
-              <a:rPr lang="en-US" sz="2000" b="1" spc="10" dirty="0" smtClean="0">
+              <a:rPr lang="en-US" sz="2000" b="1" spc="10" dirty="0">
                 <a:solidFill>
                   <a:srgbClr val="273239"/>
                 </a:solidFill>
@@ -4323,7 +5565,7 @@
               <a:t>Advantages of </a:t>
             </a:r>
             <a:r>
-              <a:rPr lang="en-US" sz="2000" b="1" spc="10" dirty="0" err="1" smtClean="0">
+              <a:rPr lang="en-US" sz="2000" b="1" spc="10" dirty="0" err="1">
                 <a:solidFill>
                   <a:srgbClr val="273239"/>
                 </a:solidFill>
@@ -4334,7 +5576,7 @@
               </a:rPr>
               <a:t>Git</a:t>
             </a:r>
-            <a:endParaRPr lang="en-US" sz="2000" dirty="0" smtClean="0">
+            <a:endParaRPr lang="en-US" sz="2000" dirty="0">
               <a:effectLst/>
               <a:latin typeface="Calibri" panose="020F0502020204030204" pitchFamily="34" charset="0"/>
               <a:ea typeface="Calibri" panose="020F0502020204030204" pitchFamily="34" charset="0"/>
@@ -4360,7 +5602,7 @@
               </a:tabLst>
             </a:pPr>
             <a:r>
-              <a:rPr lang="en-US" sz="2000" b="1" i="1" spc="10" dirty="0" smtClean="0">
+              <a:rPr lang="en-US" sz="2000" b="1" i="1" spc="10" dirty="0">
                 <a:solidFill>
                   <a:srgbClr val="273239"/>
                 </a:solidFill>
@@ -4372,7 +5614,7 @@
               <a:t>Free and Open Source:</a:t>
             </a:r>
             <a:r>
-              <a:rPr lang="en-US" sz="2000" spc="10" dirty="0" smtClean="0">
+              <a:rPr lang="en-US" sz="2000" spc="10" dirty="0">
                 <a:solidFill>
                   <a:srgbClr val="273239"/>
                 </a:solidFill>
@@ -4384,7 +5626,7 @@
               <a:t> </a:t>
             </a:r>
             <a:r>
-              <a:rPr lang="en-US" sz="2000" spc="10" dirty="0" err="1" smtClean="0">
+              <a:rPr lang="en-US" sz="2000" spc="10" dirty="0" err="1">
                 <a:solidFill>
                   <a:srgbClr val="273239"/>
                 </a:solidFill>
@@ -4396,7 +5638,7 @@
               <a:t>Git</a:t>
             </a:r>
             <a:r>
-              <a:rPr lang="en-US" sz="2000" spc="10" dirty="0" smtClean="0">
+              <a:rPr lang="en-US" sz="2000" spc="10" dirty="0">
                 <a:solidFill>
                   <a:srgbClr val="273239"/>
                 </a:solidFill>
@@ -4407,7 +5649,7 @@
               </a:rPr>
               <a:t> is a free and Open source software system with which the users and programmers can edit, modify or reuse the software’s source code. It gives developers the opportunity to improve</a:t>
             </a:r>
-            <a:endParaRPr lang="en-US" sz="2000" dirty="0" smtClean="0">
+            <a:endParaRPr lang="en-US" sz="2000" dirty="0">
               <a:effectLst/>
               <a:latin typeface="Calibri" panose="020F0502020204030204" pitchFamily="34" charset="0"/>
               <a:ea typeface="Calibri" panose="020F0502020204030204" pitchFamily="34" charset="0"/>
@@ -4433,7 +5675,7 @@
               </a:tabLst>
             </a:pPr>
             <a:r>
-              <a:rPr lang="en-US" sz="2000" b="1" i="1" spc="10" dirty="0" smtClean="0">
+              <a:rPr lang="en-US" sz="2000" b="1" i="1" spc="10" dirty="0">
                 <a:solidFill>
                   <a:srgbClr val="273239"/>
                 </a:solidFill>
@@ -4445,7 +5687,7 @@
               <a:t>Instant Backup:</a:t>
             </a:r>
             <a:r>
-              <a:rPr lang="en-US" sz="2000" spc="10" dirty="0" smtClean="0">
+              <a:rPr lang="en-US" sz="2000" spc="10" dirty="0">
                 <a:solidFill>
                   <a:srgbClr val="273239"/>
                 </a:solidFill>
@@ -4456,7 +5698,7 @@
               </a:rPr>
               <a:t> Data can be instantly retrieved as there are several copies available.</a:t>
             </a:r>
-            <a:endParaRPr lang="en-US" sz="2000" dirty="0" smtClean="0">
+            <a:endParaRPr lang="en-US" sz="2000" dirty="0">
               <a:effectLst/>
               <a:latin typeface="Calibri" panose="020F0502020204030204" pitchFamily="34" charset="0"/>
               <a:ea typeface="Calibri" panose="020F0502020204030204" pitchFamily="34" charset="0"/>
@@ -4482,7 +5724,7 @@
               </a:tabLst>
             </a:pPr>
             <a:r>
-              <a:rPr lang="en-US" sz="2000" b="1" i="1" spc="10" dirty="0" smtClean="0">
+              <a:rPr lang="en-US" sz="2000" b="1" i="1" spc="10" dirty="0">
                 <a:solidFill>
                   <a:srgbClr val="273239"/>
                 </a:solidFill>
@@ -4493,7 +5735,7 @@
               </a:rPr>
               <a:t>Efficient and Low requirements</a:t>
             </a:r>
-            <a:endParaRPr lang="en-US" sz="2000" dirty="0" smtClean="0">
+            <a:endParaRPr lang="en-US" sz="2000" dirty="0">
               <a:effectLst/>
               <a:latin typeface="Calibri" panose="020F0502020204030204" pitchFamily="34" charset="0"/>
               <a:ea typeface="Calibri" panose="020F0502020204030204" pitchFamily="34" charset="0"/>
@@ -4519,7 +5761,7 @@
               </a:tabLst>
             </a:pPr>
             <a:r>
-              <a:rPr lang="en-US" sz="2000" b="1" i="1" spc="10" dirty="0" smtClean="0">
+              <a:rPr lang="en-US" sz="2000" b="1" i="1" spc="10" dirty="0">
                 <a:solidFill>
                   <a:srgbClr val="273239"/>
                 </a:solidFill>
@@ -4531,7 +5773,7 @@
               <a:t>Staging Area:</a:t>
             </a:r>
             <a:r>
-              <a:rPr lang="en-US" sz="2000" spc="10" dirty="0" smtClean="0">
+              <a:rPr lang="en-US" sz="2000" spc="10" dirty="0">
                 <a:solidFill>
                   <a:srgbClr val="273239"/>
                 </a:solidFill>
@@ -4608,7 +5850,7 @@
               </a:lnSpc>
             </a:pPr>
             <a:r>
-              <a:rPr lang="en-US" sz="2000" b="1" kern="1800" dirty="0" err="1" smtClean="0">
+              <a:rPr lang="en-US" sz="2000" b="1" kern="1800" dirty="0" err="1">
                 <a:solidFill>
                   <a:srgbClr val="303030"/>
                 </a:solidFill>
@@ -4620,7 +5862,7 @@
               <a:t>Git</a:t>
             </a:r>
             <a:r>
-              <a:rPr lang="en-US" sz="2000" b="1" kern="1800" dirty="0" smtClean="0">
+              <a:rPr lang="en-US" sz="2000" b="1" kern="1800" dirty="0">
                 <a:solidFill>
                   <a:srgbClr val="303030"/>
                 </a:solidFill>
@@ -4631,7 +5873,7 @@
               </a:rPr>
               <a:t> - Life Cycle</a:t>
             </a:r>
-            <a:endParaRPr lang="en-US" sz="2000" b="1" dirty="0" smtClean="0">
+            <a:endParaRPr lang="en-US" sz="2000" b="1" dirty="0">
               <a:effectLst/>
               <a:latin typeface="Calibri" panose="020F0502020204030204" pitchFamily="34" charset="0"/>
               <a:ea typeface="Calibri" panose="020F0502020204030204" pitchFamily="34" charset="0"/>
@@ -4651,7 +5893,7 @@
               </a:spcAft>
             </a:pPr>
             <a:r>
-              <a:rPr lang="en-US" sz="2000" b="1" dirty="0" smtClean="0">
+              <a:rPr lang="en-US" sz="2000" b="1" dirty="0">
                 <a:solidFill>
                   <a:srgbClr val="000000"/>
                 </a:solidFill>
@@ -4663,7 +5905,7 @@
               <a:t>In this chapter, we will discuss the life cycle of </a:t>
             </a:r>
             <a:r>
-              <a:rPr lang="en-US" sz="2000" b="1" dirty="0" err="1" smtClean="0">
+              <a:rPr lang="en-US" sz="2000" b="1" dirty="0" err="1">
                 <a:solidFill>
                   <a:srgbClr val="000000"/>
                 </a:solidFill>
@@ -4675,7 +5917,7 @@
               <a:t>Git</a:t>
             </a:r>
             <a:r>
-              <a:rPr lang="en-US" sz="2000" b="1" dirty="0" smtClean="0">
+              <a:rPr lang="en-US" sz="2000" b="1" dirty="0">
                 <a:solidFill>
                   <a:srgbClr val="000000"/>
                 </a:solidFill>
@@ -4700,7 +5942,7 @@
               </a:spcAft>
             </a:pPr>
             <a:r>
-              <a:rPr lang="en-US" sz="2000" b="1" dirty="0" smtClean="0">
+              <a:rPr lang="en-US" sz="2000" b="1" dirty="0">
                 <a:solidFill>
                   <a:srgbClr val="000000"/>
                 </a:solidFill>
@@ -4711,7 +5953,7 @@
               </a:rPr>
               <a:t>General workflow is as follows −</a:t>
             </a:r>
-            <a:endParaRPr lang="en-US" sz="2000" b="1" dirty="0" smtClean="0">
+            <a:endParaRPr lang="en-US" sz="2000" b="1" dirty="0">
               <a:effectLst/>
               <a:latin typeface="Calibri" panose="020F0502020204030204" pitchFamily="34" charset="0"/>
               <a:ea typeface="Calibri" panose="020F0502020204030204" pitchFamily="34" charset="0"/>
@@ -4737,7 +5979,7 @@
               </a:tabLst>
             </a:pPr>
             <a:r>
-              <a:rPr lang="en-US" sz="2000" b="1" dirty="0" smtClean="0">
+              <a:rPr lang="en-US" sz="2000" b="1" dirty="0">
                 <a:solidFill>
                   <a:srgbClr val="000000"/>
                 </a:solidFill>
@@ -4749,7 +5991,7 @@
               <a:t>You clone the </a:t>
             </a:r>
             <a:r>
-              <a:rPr lang="en-US" sz="2000" b="1" dirty="0" err="1" smtClean="0">
+              <a:rPr lang="en-US" sz="2000" b="1" dirty="0" err="1">
                 <a:solidFill>
                   <a:srgbClr val="000000"/>
                 </a:solidFill>
@@ -4761,7 +6003,7 @@
               <a:t>Git</a:t>
             </a:r>
             <a:r>
-              <a:rPr lang="en-US" sz="2000" b="1" dirty="0" smtClean="0">
+              <a:rPr lang="en-US" sz="2000" b="1" dirty="0">
                 <a:solidFill>
                   <a:srgbClr val="000000"/>
                 </a:solidFill>
@@ -4772,7 +6014,7 @@
               </a:rPr>
               <a:t> repository as a working copy.</a:t>
             </a:r>
-            <a:endParaRPr lang="en-US" sz="2000" b="1" dirty="0" smtClean="0">
+            <a:endParaRPr lang="en-US" sz="2000" b="1" dirty="0">
               <a:effectLst/>
               <a:latin typeface="Calibri" panose="020F0502020204030204" pitchFamily="34" charset="0"/>
               <a:ea typeface="Calibri" panose="020F0502020204030204" pitchFamily="34" charset="0"/>
@@ -4798,7 +6040,7 @@
               </a:tabLst>
             </a:pPr>
             <a:r>
-              <a:rPr lang="en-US" sz="2000" b="1" dirty="0" smtClean="0">
+              <a:rPr lang="en-US" sz="2000" b="1" dirty="0">
                 <a:solidFill>
                   <a:srgbClr val="000000"/>
                 </a:solidFill>
@@ -4809,7 +6051,7 @@
               </a:rPr>
               <a:t>You modify the working copy by adding/editing files.</a:t>
             </a:r>
-            <a:endParaRPr lang="en-US" sz="2000" b="1" dirty="0" smtClean="0">
+            <a:endParaRPr lang="en-US" sz="2000" b="1" dirty="0">
               <a:effectLst/>
               <a:latin typeface="Calibri" panose="020F0502020204030204" pitchFamily="34" charset="0"/>
               <a:ea typeface="Calibri" panose="020F0502020204030204" pitchFamily="34" charset="0"/>
@@ -4835,7 +6077,7 @@
               </a:tabLst>
             </a:pPr>
             <a:r>
-              <a:rPr lang="en-US" sz="2000" b="1" dirty="0" smtClean="0">
+              <a:rPr lang="en-US" sz="2000" b="1" dirty="0">
                 <a:solidFill>
                   <a:srgbClr val="000000"/>
                 </a:solidFill>
@@ -4846,7 +6088,7 @@
               </a:rPr>
               <a:t>If necessary, you also update the working copy by taking other developer's changes.</a:t>
             </a:r>
-            <a:endParaRPr lang="en-US" sz="2000" b="1" dirty="0" smtClean="0">
+            <a:endParaRPr lang="en-US" sz="2000" b="1" dirty="0">
               <a:effectLst/>
               <a:latin typeface="Calibri" panose="020F0502020204030204" pitchFamily="34" charset="0"/>
               <a:ea typeface="Calibri" panose="020F0502020204030204" pitchFamily="34" charset="0"/>
@@ -4872,7 +6114,7 @@
               </a:tabLst>
             </a:pPr>
             <a:r>
-              <a:rPr lang="en-US" sz="2000" b="1" dirty="0" smtClean="0">
+              <a:rPr lang="en-US" sz="2000" b="1" dirty="0">
                 <a:solidFill>
                   <a:srgbClr val="000000"/>
                 </a:solidFill>
@@ -4883,7 +6125,7 @@
               </a:rPr>
               <a:t>You review the changes before commit.</a:t>
             </a:r>
-            <a:endParaRPr lang="en-US" sz="2000" b="1" dirty="0" smtClean="0">
+            <a:endParaRPr lang="en-US" sz="2000" b="1" dirty="0">
               <a:effectLst/>
               <a:latin typeface="Calibri" panose="020F0502020204030204" pitchFamily="34" charset="0"/>
               <a:ea typeface="Calibri" panose="020F0502020204030204" pitchFamily="34" charset="0"/>
@@ -4909,7 +6151,7 @@
               </a:tabLst>
             </a:pPr>
             <a:r>
-              <a:rPr lang="en-US" sz="2000" b="1" dirty="0" smtClean="0">
+              <a:rPr lang="en-US" sz="2000" b="1" dirty="0">
                 <a:solidFill>
                   <a:srgbClr val="000000"/>
                 </a:solidFill>
@@ -4920,7 +6162,7 @@
               </a:rPr>
               <a:t>You commit changes. If everything is fine, then you push the changes to the repository.</a:t>
             </a:r>
-            <a:endParaRPr lang="en-US" sz="2000" b="1" dirty="0" smtClean="0">
+            <a:endParaRPr lang="en-US" sz="2000" b="1" dirty="0">
               <a:effectLst/>
               <a:latin typeface="Calibri" panose="020F0502020204030204" pitchFamily="34" charset="0"/>
               <a:ea typeface="Calibri" panose="020F0502020204030204" pitchFamily="34" charset="0"/>
@@ -4946,7 +6188,7 @@
               </a:tabLst>
             </a:pPr>
             <a:r>
-              <a:rPr lang="en-US" sz="2000" b="1" dirty="0" smtClean="0">
+              <a:rPr lang="en-US" sz="2000" b="1" dirty="0">
                 <a:solidFill>
                   <a:srgbClr val="000000"/>
                 </a:solidFill>
@@ -4957,7 +6199,7 @@
               </a:rPr>
               <a:t>After committing, if you realize something is wrong, then you correct the last commit and push the changes to the repository.</a:t>
             </a:r>
-            <a:endParaRPr lang="en-US" sz="2000" b="1" dirty="0" smtClean="0">
+            <a:endParaRPr lang="en-US" sz="2000" b="1" dirty="0">
               <a:effectLst/>
               <a:latin typeface="Calibri" panose="020F0502020204030204" pitchFamily="34" charset="0"/>
               <a:ea typeface="Calibri" panose="020F0502020204030204" pitchFamily="34" charset="0"/>
@@ -4977,7 +6219,7 @@
               </a:spcAft>
             </a:pPr>
             <a:r>
-              <a:rPr lang="en-US" sz="2000" b="1" dirty="0" smtClean="0">
+              <a:rPr lang="en-US" sz="2000" b="1" dirty="0">
                 <a:solidFill>
                   <a:srgbClr val="000000"/>
                 </a:solidFill>
@@ -5113,7 +6355,7 @@
           <a:p>
             <a:pPr algn="just"/>
             <a:r>
-              <a:rPr lang="en-US" b="1" i="1" u="none" strike="noStrike" dirty="0" err="1" smtClean="0">
+              <a:rPr lang="en-US" b="1" i="1" u="none" strike="noStrike" dirty="0" err="1">
                 <a:solidFill>
                   <a:srgbClr val="007BFF"/>
                 </a:solidFill>
@@ -5125,7 +6367,7 @@
               <a:t>Git</a:t>
             </a:r>
             <a:r>
-              <a:rPr lang="en-US" b="1" i="1" u="none" strike="noStrike" dirty="0" smtClean="0">
+              <a:rPr lang="en-US" b="1" i="1" u="none" strike="noStrike" dirty="0">
                 <a:solidFill>
                   <a:srgbClr val="007BFF"/>
                 </a:solidFill>
@@ -5137,7 +6379,7 @@
               <a:t> &amp; GitHub certification</a:t>
             </a:r>
             <a:r>
-              <a:rPr lang="en-US" dirty="0" smtClean="0">
+              <a:rPr lang="en-US" dirty="0">
                 <a:solidFill>
                   <a:srgbClr val="4A4A4A"/>
                 </a:solidFill>
@@ -5148,7 +6390,7 @@
               <a:t> has steadily risen from being just a preferred skill to a must-have skill for multiple job roles today. </a:t>
             </a:r>
             <a:r>
-              <a:rPr lang="en-US" dirty="0" smtClean="0">
+              <a:rPr lang="en-US" dirty="0">
                 <a:effectLst/>
                 <a:latin typeface="Times New Roman" panose="02020603050405020304" pitchFamily="18" charset="0"/>
                 <a:ea typeface="Times New Roman" panose="02020603050405020304" pitchFamily="18" charset="0"/>
@@ -5156,7 +6398,7 @@
               <a:t>In this blog, I will talk about the Top 20 </a:t>
             </a:r>
             <a:r>
-              <a:rPr lang="en-US" dirty="0" err="1" smtClean="0">
+              <a:rPr lang="en-US" dirty="0" err="1">
                 <a:effectLst/>
                 <a:latin typeface="Times New Roman" panose="02020603050405020304" pitchFamily="18" charset="0"/>
                 <a:ea typeface="Times New Roman" panose="02020603050405020304" pitchFamily="18" charset="0"/>
@@ -5164,7 +6406,7 @@
               <a:t>Git</a:t>
             </a:r>
             <a:r>
-              <a:rPr lang="en-US" dirty="0" smtClean="0">
+              <a:rPr lang="en-US" dirty="0">
                 <a:effectLst/>
                 <a:latin typeface="Times New Roman" panose="02020603050405020304" pitchFamily="18" charset="0"/>
                 <a:ea typeface="Times New Roman" panose="02020603050405020304" pitchFamily="18" charset="0"/>
@@ -5172,7 +6414,7 @@
               <a:t> Commands that you will be using frequently while you are working with </a:t>
             </a:r>
             <a:r>
-              <a:rPr lang="en-US" dirty="0" err="1" smtClean="0">
+              <a:rPr lang="en-US" dirty="0" err="1">
                 <a:effectLst/>
                 <a:latin typeface="Times New Roman" panose="02020603050405020304" pitchFamily="18" charset="0"/>
                 <a:ea typeface="Times New Roman" panose="02020603050405020304" pitchFamily="18" charset="0"/>
@@ -5180,7 +6422,7 @@
               <a:t>Git</a:t>
             </a:r>
             <a:r>
-              <a:rPr lang="en-US" dirty="0" smtClean="0">
+              <a:rPr lang="en-US" dirty="0">
                 <a:effectLst/>
                 <a:latin typeface="Times New Roman" panose="02020603050405020304" pitchFamily="18" charset="0"/>
                 <a:ea typeface="Times New Roman" panose="02020603050405020304" pitchFamily="18" charset="0"/>
@@ -5191,7 +6433,7 @@
           <a:p>
             <a:pPr algn="just"/>
             <a:r>
-              <a:rPr lang="en-US" dirty="0" smtClean="0">
+              <a:rPr lang="en-US" dirty="0">
                 <a:solidFill>
                   <a:srgbClr val="4A4A4A"/>
                 </a:solidFill>
@@ -5202,7 +6444,7 @@
               <a:t>Following are the  </a:t>
             </a:r>
             <a:r>
-              <a:rPr lang="en-US" dirty="0" err="1" smtClean="0">
+              <a:rPr lang="en-US" dirty="0" err="1">
                 <a:solidFill>
                   <a:srgbClr val="4A4A4A"/>
                 </a:solidFill>
@@ -5213,7 +6455,7 @@
               <a:t>Git</a:t>
             </a:r>
             <a:r>
-              <a:rPr lang="en-US" dirty="0" smtClean="0">
+              <a:rPr lang="en-US" dirty="0">
                 <a:solidFill>
                   <a:srgbClr val="4A4A4A"/>
                 </a:solidFill>
@@ -5223,7 +6465,7 @@
               </a:rPr>
               <a:t> commands which are being covered:</a:t>
             </a:r>
-            <a:endParaRPr lang="en-US" dirty="0" smtClean="0">
+            <a:endParaRPr lang="en-US" dirty="0">
               <a:effectLst/>
               <a:latin typeface="Times New Roman" panose="02020603050405020304" pitchFamily="18" charset="0"/>
               <a:ea typeface="Times New Roman" panose="02020603050405020304" pitchFamily="18" charset="0"/>
@@ -5248,7 +6490,7 @@
               </a:tabLst>
             </a:pPr>
             <a:r>
-              <a:rPr lang="en-US" sz="1600" b="1" u="sng" dirty="0" err="1" smtClean="0">
+              <a:rPr lang="en-US" sz="1600" b="1" u="sng" dirty="0" err="1">
                 <a:solidFill>
                   <a:srgbClr val="007BFF"/>
                 </a:solidFill>
@@ -5261,7 +6503,7 @@
               <a:t>git</a:t>
             </a:r>
             <a:r>
-              <a:rPr lang="en-US" sz="1600" b="1" u="sng" dirty="0" smtClean="0">
+              <a:rPr lang="en-US" sz="1600" b="1" u="sng" dirty="0">
                 <a:solidFill>
                   <a:srgbClr val="007BFF"/>
                 </a:solidFill>
@@ -5274,7 +6516,7 @@
               <a:t> </a:t>
             </a:r>
             <a:r>
-              <a:rPr lang="en-US" sz="1600" b="1" u="sng" dirty="0" err="1" smtClean="0">
+              <a:rPr lang="en-US" sz="1600" b="1" u="sng" dirty="0" err="1">
                 <a:solidFill>
                   <a:srgbClr val="007BFF"/>
                 </a:solidFill>
@@ -5286,7 +6528,7 @@
               </a:rPr>
               <a:t>config</a:t>
             </a:r>
-            <a:endParaRPr lang="en-US" sz="1600" dirty="0" smtClean="0">
+            <a:endParaRPr lang="en-US" sz="1600" dirty="0">
               <a:solidFill>
                 <a:srgbClr val="4A4A4A"/>
               </a:solidFill>
@@ -5315,7 +6557,7 @@
               </a:tabLst>
             </a:pPr>
             <a:r>
-              <a:rPr lang="en-US" sz="1600" b="1" u="sng" dirty="0" err="1" smtClean="0">
+              <a:rPr lang="en-US" sz="1600" b="1" u="sng" dirty="0" err="1">
                 <a:solidFill>
                   <a:srgbClr val="007BFF"/>
                 </a:solidFill>
@@ -5328,7 +6570,7 @@
               <a:t>git</a:t>
             </a:r>
             <a:r>
-              <a:rPr lang="en-US" sz="1600" b="1" u="sng" dirty="0" smtClean="0">
+              <a:rPr lang="en-US" sz="1600" b="1" u="sng" dirty="0">
                 <a:solidFill>
                   <a:srgbClr val="007BFF"/>
                 </a:solidFill>
@@ -5341,7 +6583,7 @@
               <a:t> </a:t>
             </a:r>
             <a:r>
-              <a:rPr lang="en-US" sz="1600" b="1" u="sng" dirty="0" err="1" smtClean="0">
+              <a:rPr lang="en-US" sz="1600" b="1" u="sng" dirty="0" err="1">
                 <a:solidFill>
                   <a:srgbClr val="007BFF"/>
                 </a:solidFill>
@@ -5353,7 +6595,7 @@
               </a:rPr>
               <a:t>init</a:t>
             </a:r>
-            <a:endParaRPr lang="en-US" sz="1600" dirty="0" smtClean="0">
+            <a:endParaRPr lang="en-US" sz="1600" dirty="0">
               <a:solidFill>
                 <a:srgbClr val="4A4A4A"/>
               </a:solidFill>
@@ -5382,7 +6624,7 @@
               </a:tabLst>
             </a:pPr>
             <a:r>
-              <a:rPr lang="en-US" sz="1600" b="1" u="sng" dirty="0" err="1" smtClean="0">
+              <a:rPr lang="en-US" sz="1600" b="1" u="sng" dirty="0" err="1">
                 <a:solidFill>
                   <a:srgbClr val="007BFF"/>
                 </a:solidFill>
@@ -5395,7 +6637,7 @@
               <a:t>git</a:t>
             </a:r>
             <a:r>
-              <a:rPr lang="en-US" sz="1600" b="1" u="sng" dirty="0" smtClean="0">
+              <a:rPr lang="en-US" sz="1600" b="1" u="sng" dirty="0">
                 <a:solidFill>
                   <a:srgbClr val="007BFF"/>
                 </a:solidFill>
@@ -5407,7 +6649,7 @@
               </a:rPr>
               <a:t> clone</a:t>
             </a:r>
-            <a:endParaRPr lang="en-US" sz="1600" dirty="0" smtClean="0">
+            <a:endParaRPr lang="en-US" sz="1600" dirty="0">
               <a:solidFill>
                 <a:srgbClr val="4A4A4A"/>
               </a:solidFill>
@@ -5436,7 +6678,7 @@
               </a:tabLst>
             </a:pPr>
             <a:r>
-              <a:rPr lang="en-US" sz="1600" b="1" u="sng" dirty="0" err="1" smtClean="0">
+              <a:rPr lang="en-US" sz="1600" b="1" u="sng" dirty="0" err="1">
                 <a:solidFill>
                   <a:srgbClr val="007BFF"/>
                 </a:solidFill>
@@ -5449,7 +6691,7 @@
               <a:t>git</a:t>
             </a:r>
             <a:r>
-              <a:rPr lang="en-US" sz="1600" b="1" u="sng" dirty="0" smtClean="0">
+              <a:rPr lang="en-US" sz="1600" b="1" u="sng" dirty="0">
                 <a:solidFill>
                   <a:srgbClr val="007BFF"/>
                 </a:solidFill>
@@ -5461,7 +6703,7 @@
               </a:rPr>
               <a:t> add</a:t>
             </a:r>
-            <a:endParaRPr lang="en-US" sz="1600" dirty="0" smtClean="0">
+            <a:endParaRPr lang="en-US" sz="1600" dirty="0">
               <a:solidFill>
                 <a:srgbClr val="4A4A4A"/>
               </a:solidFill>
@@ -5490,7 +6732,7 @@
               </a:tabLst>
             </a:pPr>
             <a:r>
-              <a:rPr lang="en-US" sz="1600" b="1" u="sng" dirty="0" err="1" smtClean="0">
+              <a:rPr lang="en-US" sz="1600" b="1" u="sng" dirty="0" err="1">
                 <a:solidFill>
                   <a:srgbClr val="007BFF"/>
                 </a:solidFill>
@@ -5503,7 +6745,7 @@
               <a:t>git</a:t>
             </a:r>
             <a:r>
-              <a:rPr lang="en-US" sz="1600" b="1" u="sng" dirty="0" smtClean="0">
+              <a:rPr lang="en-US" sz="1600" b="1" u="sng" dirty="0">
                 <a:solidFill>
                   <a:srgbClr val="007BFF"/>
                 </a:solidFill>
@@ -5515,7 +6757,7 @@
               </a:rPr>
               <a:t> commit</a:t>
             </a:r>
-            <a:endParaRPr lang="en-US" sz="1600" dirty="0" smtClean="0">
+            <a:endParaRPr lang="en-US" sz="1600" dirty="0">
               <a:solidFill>
                 <a:srgbClr val="4A4A4A"/>
               </a:solidFill>
@@ -5544,7 +6786,7 @@
               </a:tabLst>
             </a:pPr>
             <a:r>
-              <a:rPr lang="en-US" sz="1600" b="1" u="sng" dirty="0" err="1" smtClean="0">
+              <a:rPr lang="en-US" sz="1600" b="1" u="sng" dirty="0" err="1">
                 <a:solidFill>
                   <a:srgbClr val="007BFF"/>
                 </a:solidFill>
@@ -5557,7 +6799,7 @@
               <a:t>git</a:t>
             </a:r>
             <a:r>
-              <a:rPr lang="en-US" sz="1600" b="1" u="sng" dirty="0" smtClean="0">
+              <a:rPr lang="en-US" sz="1600" b="1" u="sng" dirty="0">
                 <a:solidFill>
                   <a:srgbClr val="007BFF"/>
                 </a:solidFill>
@@ -5569,7 +6811,7 @@
               </a:rPr>
               <a:t> diff</a:t>
             </a:r>
-            <a:endParaRPr lang="en-US" sz="1600" dirty="0" smtClean="0">
+            <a:endParaRPr lang="en-US" sz="1600" dirty="0">
               <a:solidFill>
                 <a:srgbClr val="4A4A4A"/>
               </a:solidFill>
@@ -5598,7 +6840,7 @@
               </a:tabLst>
             </a:pPr>
             <a:r>
-              <a:rPr lang="en-US" sz="1600" b="1" u="sng" dirty="0" err="1" smtClean="0">
+              <a:rPr lang="en-US" sz="1600" b="1" u="sng" dirty="0" err="1">
                 <a:solidFill>
                   <a:srgbClr val="007BFF"/>
                 </a:solidFill>
@@ -5611,7 +6853,7 @@
               <a:t>git</a:t>
             </a:r>
             <a:r>
-              <a:rPr lang="en-US" sz="1600" b="1" u="sng" dirty="0" smtClean="0">
+              <a:rPr lang="en-US" sz="1600" b="1" u="sng" dirty="0">
                 <a:solidFill>
                   <a:srgbClr val="007BFF"/>
                 </a:solidFill>
@@ -5623,7 +6865,7 @@
               </a:rPr>
               <a:t> reset</a:t>
             </a:r>
-            <a:endParaRPr lang="en-US" sz="1600" dirty="0" smtClean="0">
+            <a:endParaRPr lang="en-US" sz="1600" dirty="0">
               <a:solidFill>
                 <a:srgbClr val="4A4A4A"/>
               </a:solidFill>
@@ -5635,6 +6877,1815 @@
           </a:p>
         </p:txBody>
       </p:sp>
+      <mc:AlternateContent xmlns:mc="http://schemas.openxmlformats.org/markup-compatibility/2006">
+        <mc:Choice xmlns:p14="http://schemas.microsoft.com/office/powerpoint/2010/main" Requires="p14">
+          <p:contentPart p14:bwMode="auto" r:id="rId10">
+            <p14:nvContentPartPr>
+              <p14:cNvPr id="3" name="Ink 2">
+                <a:extLst>
+                  <a:ext uri="{FF2B5EF4-FFF2-40B4-BE49-F238E27FC236}">
+                    <a16:creationId xmlns:a16="http://schemas.microsoft.com/office/drawing/2014/main" id="{1929FA03-4D34-1AAC-88F1-1AF3AD35A14C}"/>
+                  </a:ext>
+                </a:extLst>
+              </p14:cNvPr>
+              <p14:cNvContentPartPr/>
+              <p14:nvPr/>
+            </p14:nvContentPartPr>
+            <p14:xfrm>
+              <a:off x="2487530" y="1307388"/>
+              <a:ext cx="865080" cy="79920"/>
+            </p14:xfrm>
+          </p:contentPart>
+        </mc:Choice>
+        <mc:Fallback>
+          <p:pic>
+            <p:nvPicPr>
+              <p:cNvPr id="3" name="Ink 2">
+                <a:extLst>
+                  <a:ext uri="{FF2B5EF4-FFF2-40B4-BE49-F238E27FC236}">
+                    <a16:creationId xmlns:a16="http://schemas.microsoft.com/office/drawing/2014/main" id="{1929FA03-4D34-1AAC-88F1-1AF3AD35A14C}"/>
+                  </a:ext>
+                </a:extLst>
+              </p:cNvPr>
+              <p:cNvPicPr/>
+              <p:nvPr/>
+            </p:nvPicPr>
+            <p:blipFill>
+              <a:blip r:embed="rId11"/>
+              <a:stretch>
+                <a:fillRect/>
+              </a:stretch>
+            </p:blipFill>
+            <p:spPr>
+              <a:xfrm>
+                <a:off x="2481410" y="1301268"/>
+                <a:ext cx="877320" cy="92160"/>
+              </a:xfrm>
+              <a:prstGeom prst="rect">
+                <a:avLst/>
+              </a:prstGeom>
+            </p:spPr>
+          </p:pic>
+        </mc:Fallback>
+      </mc:AlternateContent>
+      <p:grpSp>
+        <p:nvGrpSpPr>
+          <p:cNvPr id="17" name="Group 16">
+            <a:extLst>
+              <a:ext uri="{FF2B5EF4-FFF2-40B4-BE49-F238E27FC236}">
+                <a16:creationId xmlns:a16="http://schemas.microsoft.com/office/drawing/2014/main" id="{E20E03C4-A4DB-724F-7B71-E44D06AF8C1A}"/>
+              </a:ext>
+            </a:extLst>
+          </p:cNvPr>
+          <p:cNvGrpSpPr/>
+          <p:nvPr/>
+        </p:nvGrpSpPr>
+        <p:grpSpPr>
+          <a:xfrm>
+            <a:off x="1936730" y="1278228"/>
+            <a:ext cx="1634400" cy="1634760"/>
+            <a:chOff x="1936730" y="1278228"/>
+            <a:chExt cx="1634400" cy="1634760"/>
+          </a:xfrm>
+        </p:grpSpPr>
+        <mc:AlternateContent xmlns:mc="http://schemas.openxmlformats.org/markup-compatibility/2006">
+          <mc:Choice xmlns:p14="http://schemas.microsoft.com/office/powerpoint/2010/main" Requires="p14">
+            <p:contentPart p14:bwMode="auto" r:id="rId12">
+              <p14:nvContentPartPr>
+                <p14:cNvPr id="4" name="Ink 3">
+                  <a:extLst>
+                    <a:ext uri="{FF2B5EF4-FFF2-40B4-BE49-F238E27FC236}">
+                      <a16:creationId xmlns:a16="http://schemas.microsoft.com/office/drawing/2014/main" id="{5F363977-475F-26D5-192B-132F3EAEAD98}"/>
+                    </a:ext>
+                  </a:extLst>
+                </p14:cNvPr>
+                <p14:cNvContentPartPr/>
+                <p14:nvPr/>
+              </p14:nvContentPartPr>
+              <p14:xfrm>
+                <a:off x="3529370" y="1278228"/>
+                <a:ext cx="41760" cy="395640"/>
+              </p14:xfrm>
+            </p:contentPart>
+          </mc:Choice>
+          <mc:Fallback>
+            <p:pic>
+              <p:nvPicPr>
+                <p:cNvPr id="4" name="Ink 3">
+                  <a:extLst>
+                    <a:ext uri="{FF2B5EF4-FFF2-40B4-BE49-F238E27FC236}">
+                      <a16:creationId xmlns:a16="http://schemas.microsoft.com/office/drawing/2014/main" id="{5F363977-475F-26D5-192B-132F3EAEAD98}"/>
+                    </a:ext>
+                  </a:extLst>
+                </p:cNvPr>
+                <p:cNvPicPr/>
+                <p:nvPr/>
+              </p:nvPicPr>
+              <p:blipFill>
+                <a:blip r:embed="rId13"/>
+                <a:stretch>
+                  <a:fillRect/>
+                </a:stretch>
+              </p:blipFill>
+              <p:spPr>
+                <a:xfrm>
+                  <a:off x="3523250" y="1272108"/>
+                  <a:ext cx="54000" cy="407880"/>
+                </a:xfrm>
+                <a:prstGeom prst="rect">
+                  <a:avLst/>
+                </a:prstGeom>
+              </p:spPr>
+            </p:pic>
+          </mc:Fallback>
+        </mc:AlternateContent>
+        <mc:AlternateContent xmlns:mc="http://schemas.openxmlformats.org/markup-compatibility/2006">
+          <mc:Choice xmlns:p14="http://schemas.microsoft.com/office/powerpoint/2010/main" Requires="p14">
+            <p:contentPart p14:bwMode="auto" r:id="rId14">
+              <p14:nvContentPartPr>
+                <p14:cNvPr id="5" name="Ink 4">
+                  <a:extLst>
+                    <a:ext uri="{FF2B5EF4-FFF2-40B4-BE49-F238E27FC236}">
+                      <a16:creationId xmlns:a16="http://schemas.microsoft.com/office/drawing/2014/main" id="{ACD0142F-4BA4-DC9B-1109-B8C625E4F897}"/>
+                    </a:ext>
+                  </a:extLst>
+                </p14:cNvPr>
+                <p14:cNvContentPartPr/>
+                <p14:nvPr/>
+              </p14:nvContentPartPr>
+              <p14:xfrm>
+                <a:off x="1976330" y="1632108"/>
+                <a:ext cx="1004760" cy="100800"/>
+              </p14:xfrm>
+            </p:contentPart>
+          </mc:Choice>
+          <mc:Fallback>
+            <p:pic>
+              <p:nvPicPr>
+                <p:cNvPr id="5" name="Ink 4">
+                  <a:extLst>
+                    <a:ext uri="{FF2B5EF4-FFF2-40B4-BE49-F238E27FC236}">
+                      <a16:creationId xmlns:a16="http://schemas.microsoft.com/office/drawing/2014/main" id="{ACD0142F-4BA4-DC9B-1109-B8C625E4F897}"/>
+                    </a:ext>
+                  </a:extLst>
+                </p:cNvPr>
+                <p:cNvPicPr/>
+                <p:nvPr/>
+              </p:nvPicPr>
+              <p:blipFill>
+                <a:blip r:embed="rId15"/>
+                <a:stretch>
+                  <a:fillRect/>
+                </a:stretch>
+              </p:blipFill>
+              <p:spPr>
+                <a:xfrm>
+                  <a:off x="1970210" y="1625988"/>
+                  <a:ext cx="1017000" cy="113040"/>
+                </a:xfrm>
+                <a:prstGeom prst="rect">
+                  <a:avLst/>
+                </a:prstGeom>
+              </p:spPr>
+            </p:pic>
+          </mc:Fallback>
+        </mc:AlternateContent>
+        <mc:AlternateContent xmlns:mc="http://schemas.openxmlformats.org/markup-compatibility/2006">
+          <mc:Choice xmlns:p14="http://schemas.microsoft.com/office/powerpoint/2010/main" Requires="p14">
+            <p:contentPart p14:bwMode="auto" r:id="rId16">
+              <p14:nvContentPartPr>
+                <p14:cNvPr id="6" name="Ink 5">
+                  <a:extLst>
+                    <a:ext uri="{FF2B5EF4-FFF2-40B4-BE49-F238E27FC236}">
+                      <a16:creationId xmlns:a16="http://schemas.microsoft.com/office/drawing/2014/main" id="{1C25251D-6437-A3F6-B4E2-62430C71DCFD}"/>
+                    </a:ext>
+                  </a:extLst>
+                </p14:cNvPr>
+                <p14:cNvContentPartPr/>
+                <p14:nvPr/>
+              </p14:nvContentPartPr>
+              <p14:xfrm>
+                <a:off x="3146330" y="1641468"/>
+                <a:ext cx="295200" cy="287640"/>
+              </p14:xfrm>
+            </p:contentPart>
+          </mc:Choice>
+          <mc:Fallback>
+            <p:pic>
+              <p:nvPicPr>
+                <p:cNvPr id="6" name="Ink 5">
+                  <a:extLst>
+                    <a:ext uri="{FF2B5EF4-FFF2-40B4-BE49-F238E27FC236}">
+                      <a16:creationId xmlns:a16="http://schemas.microsoft.com/office/drawing/2014/main" id="{1C25251D-6437-A3F6-B4E2-62430C71DCFD}"/>
+                    </a:ext>
+                  </a:extLst>
+                </p:cNvPr>
+                <p:cNvPicPr/>
+                <p:nvPr/>
+              </p:nvPicPr>
+              <p:blipFill>
+                <a:blip r:embed="rId17"/>
+                <a:stretch>
+                  <a:fillRect/>
+                </a:stretch>
+              </p:blipFill>
+              <p:spPr>
+                <a:xfrm>
+                  <a:off x="3140210" y="1635348"/>
+                  <a:ext cx="307440" cy="299880"/>
+                </a:xfrm>
+                <a:prstGeom prst="rect">
+                  <a:avLst/>
+                </a:prstGeom>
+              </p:spPr>
+            </p:pic>
+          </mc:Fallback>
+        </mc:AlternateContent>
+        <mc:AlternateContent xmlns:mc="http://schemas.openxmlformats.org/markup-compatibility/2006">
+          <mc:Choice xmlns:p14="http://schemas.microsoft.com/office/powerpoint/2010/main" Requires="p14">
+            <p:contentPart p14:bwMode="auto" r:id="rId18">
+              <p14:nvContentPartPr>
+                <p14:cNvPr id="8" name="Ink 7">
+                  <a:extLst>
+                    <a:ext uri="{FF2B5EF4-FFF2-40B4-BE49-F238E27FC236}">
+                      <a16:creationId xmlns:a16="http://schemas.microsoft.com/office/drawing/2014/main" id="{E176A22C-292C-8FEB-FE84-B2C190422C0B}"/>
+                    </a:ext>
+                  </a:extLst>
+                </p14:cNvPr>
+                <p14:cNvContentPartPr/>
+                <p14:nvPr/>
+              </p14:nvContentPartPr>
+              <p14:xfrm>
+                <a:off x="2143370" y="2045028"/>
+                <a:ext cx="660600" cy="133920"/>
+              </p14:xfrm>
+            </p:contentPart>
+          </mc:Choice>
+          <mc:Fallback>
+            <p:pic>
+              <p:nvPicPr>
+                <p:cNvPr id="8" name="Ink 7">
+                  <a:extLst>
+                    <a:ext uri="{FF2B5EF4-FFF2-40B4-BE49-F238E27FC236}">
+                      <a16:creationId xmlns:a16="http://schemas.microsoft.com/office/drawing/2014/main" id="{E176A22C-292C-8FEB-FE84-B2C190422C0B}"/>
+                    </a:ext>
+                  </a:extLst>
+                </p:cNvPr>
+                <p:cNvPicPr/>
+                <p:nvPr/>
+              </p:nvPicPr>
+              <p:blipFill>
+                <a:blip r:embed="rId19"/>
+                <a:stretch>
+                  <a:fillRect/>
+                </a:stretch>
+              </p:blipFill>
+              <p:spPr>
+                <a:xfrm>
+                  <a:off x="2137250" y="2038924"/>
+                  <a:ext cx="672840" cy="146127"/>
+                </a:xfrm>
+                <a:prstGeom prst="rect">
+                  <a:avLst/>
+                </a:prstGeom>
+              </p:spPr>
+            </p:pic>
+          </mc:Fallback>
+        </mc:AlternateContent>
+        <mc:AlternateContent xmlns:mc="http://schemas.openxmlformats.org/markup-compatibility/2006">
+          <mc:Choice xmlns:p14="http://schemas.microsoft.com/office/powerpoint/2010/main" Requires="p14">
+            <p:contentPart p14:bwMode="auto" r:id="rId20">
+              <p14:nvContentPartPr>
+                <p14:cNvPr id="10" name="Ink 9">
+                  <a:extLst>
+                    <a:ext uri="{FF2B5EF4-FFF2-40B4-BE49-F238E27FC236}">
+                      <a16:creationId xmlns:a16="http://schemas.microsoft.com/office/drawing/2014/main" id="{CB72731F-0336-0B84-56B1-DB22BB2791C7}"/>
+                    </a:ext>
+                  </a:extLst>
+                </p14:cNvPr>
+                <p14:cNvContentPartPr/>
+                <p14:nvPr/>
+              </p14:nvContentPartPr>
+              <p14:xfrm>
+                <a:off x="2854730" y="2083548"/>
+                <a:ext cx="282960" cy="248760"/>
+              </p14:xfrm>
+            </p:contentPart>
+          </mc:Choice>
+          <mc:Fallback>
+            <p:pic>
+              <p:nvPicPr>
+                <p:cNvPr id="10" name="Ink 9">
+                  <a:extLst>
+                    <a:ext uri="{FF2B5EF4-FFF2-40B4-BE49-F238E27FC236}">
+                      <a16:creationId xmlns:a16="http://schemas.microsoft.com/office/drawing/2014/main" id="{CB72731F-0336-0B84-56B1-DB22BB2791C7}"/>
+                    </a:ext>
+                  </a:extLst>
+                </p:cNvPr>
+                <p:cNvPicPr/>
+                <p:nvPr/>
+              </p:nvPicPr>
+              <p:blipFill>
+                <a:blip r:embed="rId21"/>
+                <a:stretch>
+                  <a:fillRect/>
+                </a:stretch>
+              </p:blipFill>
+              <p:spPr>
+                <a:xfrm>
+                  <a:off x="2848602" y="2077419"/>
+                  <a:ext cx="295216" cy="261018"/>
+                </a:xfrm>
+                <a:prstGeom prst="rect">
+                  <a:avLst/>
+                </a:prstGeom>
+              </p:spPr>
+            </p:pic>
+          </mc:Fallback>
+        </mc:AlternateContent>
+        <mc:AlternateContent xmlns:mc="http://schemas.openxmlformats.org/markup-compatibility/2006">
+          <mc:Choice xmlns:p14="http://schemas.microsoft.com/office/powerpoint/2010/main" Requires="p14">
+            <p:contentPart p14:bwMode="auto" r:id="rId22">
+              <p14:nvContentPartPr>
+                <p14:cNvPr id="12" name="Ink 11">
+                  <a:extLst>
+                    <a:ext uri="{FF2B5EF4-FFF2-40B4-BE49-F238E27FC236}">
+                      <a16:creationId xmlns:a16="http://schemas.microsoft.com/office/drawing/2014/main" id="{8B49B88C-A7DB-042C-3D29-30BB67E12670}"/>
+                    </a:ext>
+                  </a:extLst>
+                </p14:cNvPr>
+                <p14:cNvContentPartPr/>
+                <p14:nvPr/>
+              </p14:nvContentPartPr>
+              <p14:xfrm>
+                <a:off x="1936730" y="2408628"/>
+                <a:ext cx="245520" cy="360"/>
+              </p14:xfrm>
+            </p:contentPart>
+          </mc:Choice>
+          <mc:Fallback>
+            <p:pic>
+              <p:nvPicPr>
+                <p:cNvPr id="12" name="Ink 11">
+                  <a:extLst>
+                    <a:ext uri="{FF2B5EF4-FFF2-40B4-BE49-F238E27FC236}">
+                      <a16:creationId xmlns:a16="http://schemas.microsoft.com/office/drawing/2014/main" id="{8B49B88C-A7DB-042C-3D29-30BB67E12670}"/>
+                    </a:ext>
+                  </a:extLst>
+                </p:cNvPr>
+                <p:cNvPicPr/>
+                <p:nvPr/>
+              </p:nvPicPr>
+              <p:blipFill>
+                <a:blip r:embed="rId23"/>
+                <a:stretch>
+                  <a:fillRect/>
+                </a:stretch>
+              </p:blipFill>
+              <p:spPr>
+                <a:xfrm>
+                  <a:off x="1930619" y="2402508"/>
+                  <a:ext cx="257742" cy="12600"/>
+                </a:xfrm>
+                <a:prstGeom prst="rect">
+                  <a:avLst/>
+                </a:prstGeom>
+              </p:spPr>
+            </p:pic>
+          </mc:Fallback>
+        </mc:AlternateContent>
+        <mc:AlternateContent xmlns:mc="http://schemas.openxmlformats.org/markup-compatibility/2006">
+          <mc:Choice xmlns:p14="http://schemas.microsoft.com/office/powerpoint/2010/main" Requires="p14">
+            <p:contentPart p14:bwMode="auto" r:id="rId24">
+              <p14:nvContentPartPr>
+                <p14:cNvPr id="13" name="Ink 12">
+                  <a:extLst>
+                    <a:ext uri="{FF2B5EF4-FFF2-40B4-BE49-F238E27FC236}">
+                      <a16:creationId xmlns:a16="http://schemas.microsoft.com/office/drawing/2014/main" id="{666253B4-B020-152C-16D6-463349A3D51C}"/>
+                    </a:ext>
+                  </a:extLst>
+                </p14:cNvPr>
+                <p14:cNvContentPartPr/>
+                <p14:nvPr/>
+              </p14:nvContentPartPr>
+              <p14:xfrm>
+                <a:off x="2330210" y="2231148"/>
+                <a:ext cx="323280" cy="345240"/>
+              </p14:xfrm>
+            </p:contentPart>
+          </mc:Choice>
+          <mc:Fallback>
+            <p:pic>
+              <p:nvPicPr>
+                <p:cNvPr id="13" name="Ink 12">
+                  <a:extLst>
+                    <a:ext uri="{FF2B5EF4-FFF2-40B4-BE49-F238E27FC236}">
+                      <a16:creationId xmlns:a16="http://schemas.microsoft.com/office/drawing/2014/main" id="{666253B4-B020-152C-16D6-463349A3D51C}"/>
+                    </a:ext>
+                  </a:extLst>
+                </p:cNvPr>
+                <p:cNvPicPr/>
+                <p:nvPr/>
+              </p:nvPicPr>
+              <p:blipFill>
+                <a:blip r:embed="rId25"/>
+                <a:stretch>
+                  <a:fillRect/>
+                </a:stretch>
+              </p:blipFill>
+              <p:spPr>
+                <a:xfrm>
+                  <a:off x="2324090" y="2225028"/>
+                  <a:ext cx="335520" cy="357480"/>
+                </a:xfrm>
+                <a:prstGeom prst="rect">
+                  <a:avLst/>
+                </a:prstGeom>
+              </p:spPr>
+            </p:pic>
+          </mc:Fallback>
+        </mc:AlternateContent>
+        <mc:AlternateContent xmlns:mc="http://schemas.openxmlformats.org/markup-compatibility/2006">
+          <mc:Choice xmlns:p14="http://schemas.microsoft.com/office/powerpoint/2010/main" Requires="p14">
+            <p:contentPart p14:bwMode="auto" r:id="rId26">
+              <p14:nvContentPartPr>
+                <p14:cNvPr id="15" name="Ink 14">
+                  <a:extLst>
+                    <a:ext uri="{FF2B5EF4-FFF2-40B4-BE49-F238E27FC236}">
+                      <a16:creationId xmlns:a16="http://schemas.microsoft.com/office/drawing/2014/main" id="{D3213635-692B-D1E4-D9D4-8C0224A4DBD9}"/>
+                    </a:ext>
+                  </a:extLst>
+                </p14:cNvPr>
+                <p14:cNvContentPartPr/>
+                <p14:nvPr/>
+              </p14:nvContentPartPr>
+              <p14:xfrm>
+                <a:off x="2359370" y="2792388"/>
+                <a:ext cx="677880" cy="20160"/>
+              </p14:xfrm>
+            </p:contentPart>
+          </mc:Choice>
+          <mc:Fallback>
+            <p:pic>
+              <p:nvPicPr>
+                <p:cNvPr id="15" name="Ink 14">
+                  <a:extLst>
+                    <a:ext uri="{FF2B5EF4-FFF2-40B4-BE49-F238E27FC236}">
+                      <a16:creationId xmlns:a16="http://schemas.microsoft.com/office/drawing/2014/main" id="{D3213635-692B-D1E4-D9D4-8C0224A4DBD9}"/>
+                    </a:ext>
+                  </a:extLst>
+                </p:cNvPr>
+                <p:cNvPicPr/>
+                <p:nvPr/>
+              </p:nvPicPr>
+              <p:blipFill>
+                <a:blip r:embed="rId27"/>
+                <a:stretch>
+                  <a:fillRect/>
+                </a:stretch>
+              </p:blipFill>
+              <p:spPr>
+                <a:xfrm>
+                  <a:off x="2353247" y="2786157"/>
+                  <a:ext cx="690127" cy="32623"/>
+                </a:xfrm>
+                <a:prstGeom prst="rect">
+                  <a:avLst/>
+                </a:prstGeom>
+              </p:spPr>
+            </p:pic>
+          </mc:Fallback>
+        </mc:AlternateContent>
+        <mc:AlternateContent xmlns:mc="http://schemas.openxmlformats.org/markup-compatibility/2006">
+          <mc:Choice xmlns:p14="http://schemas.microsoft.com/office/powerpoint/2010/main" Requires="p14">
+            <p:contentPart p14:bwMode="auto" r:id="rId28">
+              <p14:nvContentPartPr>
+                <p14:cNvPr id="16" name="Ink 15">
+                  <a:extLst>
+                    <a:ext uri="{FF2B5EF4-FFF2-40B4-BE49-F238E27FC236}">
+                      <a16:creationId xmlns:a16="http://schemas.microsoft.com/office/drawing/2014/main" id="{EE7F968A-C524-7F17-1023-68C0513C11C7}"/>
+                    </a:ext>
+                  </a:extLst>
+                </p14:cNvPr>
+                <p14:cNvContentPartPr/>
+                <p14:nvPr/>
+              </p14:nvContentPartPr>
+              <p14:xfrm>
+                <a:off x="3203570" y="2625348"/>
+                <a:ext cx="178920" cy="287640"/>
+              </p14:xfrm>
+            </p:contentPart>
+          </mc:Choice>
+          <mc:Fallback>
+            <p:pic>
+              <p:nvPicPr>
+                <p:cNvPr id="16" name="Ink 15">
+                  <a:extLst>
+                    <a:ext uri="{FF2B5EF4-FFF2-40B4-BE49-F238E27FC236}">
+                      <a16:creationId xmlns:a16="http://schemas.microsoft.com/office/drawing/2014/main" id="{EE7F968A-C524-7F17-1023-68C0513C11C7}"/>
+                    </a:ext>
+                  </a:extLst>
+                </p:cNvPr>
+                <p:cNvPicPr/>
+                <p:nvPr/>
+              </p:nvPicPr>
+              <p:blipFill>
+                <a:blip r:embed="rId29"/>
+                <a:stretch>
+                  <a:fillRect/>
+                </a:stretch>
+              </p:blipFill>
+              <p:spPr>
+                <a:xfrm>
+                  <a:off x="3197450" y="2619228"/>
+                  <a:ext cx="191160" cy="299880"/>
+                </a:xfrm>
+                <a:prstGeom prst="rect">
+                  <a:avLst/>
+                </a:prstGeom>
+              </p:spPr>
+            </p:pic>
+          </mc:Fallback>
+        </mc:AlternateContent>
+      </p:grpSp>
+      <p:grpSp>
+        <p:nvGrpSpPr>
+          <p:cNvPr id="20" name="Group 19">
+            <a:extLst>
+              <a:ext uri="{FF2B5EF4-FFF2-40B4-BE49-F238E27FC236}">
+                <a16:creationId xmlns:a16="http://schemas.microsoft.com/office/drawing/2014/main" id="{EDE67D0C-5E6A-4745-6571-0B0D2D82094E}"/>
+              </a:ext>
+            </a:extLst>
+          </p:cNvPr>
+          <p:cNvGrpSpPr/>
+          <p:nvPr/>
+        </p:nvGrpSpPr>
+        <p:grpSpPr>
+          <a:xfrm>
+            <a:off x="1917290" y="3067428"/>
+            <a:ext cx="981720" cy="200160"/>
+            <a:chOff x="1917290" y="3067428"/>
+            <a:chExt cx="981720" cy="200160"/>
+          </a:xfrm>
+        </p:grpSpPr>
+        <mc:AlternateContent xmlns:mc="http://schemas.openxmlformats.org/markup-compatibility/2006">
+          <mc:Choice xmlns:p14="http://schemas.microsoft.com/office/powerpoint/2010/main" Requires="p14">
+            <p:contentPart p14:bwMode="auto" r:id="rId30">
+              <p14:nvContentPartPr>
+                <p14:cNvPr id="18" name="Ink 17">
+                  <a:extLst>
+                    <a:ext uri="{FF2B5EF4-FFF2-40B4-BE49-F238E27FC236}">
+                      <a16:creationId xmlns:a16="http://schemas.microsoft.com/office/drawing/2014/main" id="{E53C7F4E-6800-5433-100F-A9DB92739747}"/>
+                    </a:ext>
+                  </a:extLst>
+                </p14:cNvPr>
+                <p14:cNvContentPartPr/>
+                <p14:nvPr/>
+              </p14:nvContentPartPr>
+              <p14:xfrm>
+                <a:off x="1917290" y="3097308"/>
+                <a:ext cx="581760" cy="50760"/>
+              </p14:xfrm>
+            </p:contentPart>
+          </mc:Choice>
+          <mc:Fallback>
+            <p:pic>
+              <p:nvPicPr>
+                <p:cNvPr id="18" name="Ink 17">
+                  <a:extLst>
+                    <a:ext uri="{FF2B5EF4-FFF2-40B4-BE49-F238E27FC236}">
+                      <a16:creationId xmlns:a16="http://schemas.microsoft.com/office/drawing/2014/main" id="{E53C7F4E-6800-5433-100F-A9DB92739747}"/>
+                    </a:ext>
+                  </a:extLst>
+                </p:cNvPr>
+                <p:cNvPicPr/>
+                <p:nvPr/>
+              </p:nvPicPr>
+              <p:blipFill>
+                <a:blip r:embed="rId31"/>
+                <a:stretch>
+                  <a:fillRect/>
+                </a:stretch>
+              </p:blipFill>
+              <p:spPr>
+                <a:xfrm>
+                  <a:off x="1911170" y="3091188"/>
+                  <a:ext cx="594000" cy="63000"/>
+                </a:xfrm>
+                <a:prstGeom prst="rect">
+                  <a:avLst/>
+                </a:prstGeom>
+              </p:spPr>
+            </p:pic>
+          </mc:Fallback>
+        </mc:AlternateContent>
+        <mc:AlternateContent xmlns:mc="http://schemas.openxmlformats.org/markup-compatibility/2006">
+          <mc:Choice xmlns:p14="http://schemas.microsoft.com/office/powerpoint/2010/main" Requires="p14">
+            <p:contentPart p14:bwMode="auto" r:id="rId32">
+              <p14:nvContentPartPr>
+                <p14:cNvPr id="19" name="Ink 18">
+                  <a:extLst>
+                    <a:ext uri="{FF2B5EF4-FFF2-40B4-BE49-F238E27FC236}">
+                      <a16:creationId xmlns:a16="http://schemas.microsoft.com/office/drawing/2014/main" id="{A8D480F4-A33F-01E9-02AC-8A0A7929C4A9}"/>
+                    </a:ext>
+                  </a:extLst>
+                </p14:cNvPr>
+                <p14:cNvContentPartPr/>
+                <p14:nvPr/>
+              </p14:nvContentPartPr>
+              <p14:xfrm>
+                <a:off x="2731610" y="3067428"/>
+                <a:ext cx="167400" cy="200160"/>
+              </p14:xfrm>
+            </p:contentPart>
+          </mc:Choice>
+          <mc:Fallback>
+            <p:pic>
+              <p:nvPicPr>
+                <p:cNvPr id="19" name="Ink 18">
+                  <a:extLst>
+                    <a:ext uri="{FF2B5EF4-FFF2-40B4-BE49-F238E27FC236}">
+                      <a16:creationId xmlns:a16="http://schemas.microsoft.com/office/drawing/2014/main" id="{A8D480F4-A33F-01E9-02AC-8A0A7929C4A9}"/>
+                    </a:ext>
+                  </a:extLst>
+                </p:cNvPr>
+                <p:cNvPicPr/>
+                <p:nvPr/>
+              </p:nvPicPr>
+              <p:blipFill>
+                <a:blip r:embed="rId33"/>
+                <a:stretch>
+                  <a:fillRect/>
+                </a:stretch>
+              </p:blipFill>
+              <p:spPr>
+                <a:xfrm>
+                  <a:off x="2725477" y="3061308"/>
+                  <a:ext cx="179666" cy="212400"/>
+                </a:xfrm>
+                <a:prstGeom prst="rect">
+                  <a:avLst/>
+                </a:prstGeom>
+              </p:spPr>
+            </p:pic>
+          </mc:Fallback>
+        </mc:AlternateContent>
+      </p:grpSp>
+      <p:grpSp>
+        <p:nvGrpSpPr>
+          <p:cNvPr id="23" name="Group 22">
+            <a:extLst>
+              <a:ext uri="{FF2B5EF4-FFF2-40B4-BE49-F238E27FC236}">
+                <a16:creationId xmlns:a16="http://schemas.microsoft.com/office/drawing/2014/main" id="{85EC5CFF-EF2C-2508-A9E5-244C93086742}"/>
+              </a:ext>
+            </a:extLst>
+          </p:cNvPr>
+          <p:cNvGrpSpPr/>
+          <p:nvPr/>
+        </p:nvGrpSpPr>
+        <p:grpSpPr>
+          <a:xfrm>
+            <a:off x="2172530" y="3421308"/>
+            <a:ext cx="600840" cy="250920"/>
+            <a:chOff x="2172530" y="3421308"/>
+            <a:chExt cx="600840" cy="250920"/>
+          </a:xfrm>
+        </p:grpSpPr>
+        <mc:AlternateContent xmlns:mc="http://schemas.openxmlformats.org/markup-compatibility/2006">
+          <mc:Choice xmlns:p14="http://schemas.microsoft.com/office/powerpoint/2010/main" Requires="p14">
+            <p:contentPart p14:bwMode="auto" r:id="rId34">
+              <p14:nvContentPartPr>
+                <p14:cNvPr id="21" name="Ink 20">
+                  <a:extLst>
+                    <a:ext uri="{FF2B5EF4-FFF2-40B4-BE49-F238E27FC236}">
+                      <a16:creationId xmlns:a16="http://schemas.microsoft.com/office/drawing/2014/main" id="{B7A0508C-0C49-D673-24C1-832E5836A828}"/>
+                    </a:ext>
+                  </a:extLst>
+                </p14:cNvPr>
+                <p14:cNvContentPartPr/>
+                <p14:nvPr/>
+              </p14:nvContentPartPr>
+              <p14:xfrm>
+                <a:off x="2172530" y="3529668"/>
+                <a:ext cx="275040" cy="360"/>
+              </p14:xfrm>
+            </p:contentPart>
+          </mc:Choice>
+          <mc:Fallback>
+            <p:pic>
+              <p:nvPicPr>
+                <p:cNvPr id="21" name="Ink 20">
+                  <a:extLst>
+                    <a:ext uri="{FF2B5EF4-FFF2-40B4-BE49-F238E27FC236}">
+                      <a16:creationId xmlns:a16="http://schemas.microsoft.com/office/drawing/2014/main" id="{B7A0508C-0C49-D673-24C1-832E5836A828}"/>
+                    </a:ext>
+                  </a:extLst>
+                </p:cNvPr>
+                <p:cNvPicPr/>
+                <p:nvPr/>
+              </p:nvPicPr>
+              <p:blipFill>
+                <a:blip r:embed="rId35"/>
+                <a:stretch>
+                  <a:fillRect/>
+                </a:stretch>
+              </p:blipFill>
+              <p:spPr>
+                <a:xfrm>
+                  <a:off x="2166410" y="3523548"/>
+                  <a:ext cx="287280" cy="12600"/>
+                </a:xfrm>
+                <a:prstGeom prst="rect">
+                  <a:avLst/>
+                </a:prstGeom>
+              </p:spPr>
+            </p:pic>
+          </mc:Fallback>
+        </mc:AlternateContent>
+        <mc:AlternateContent xmlns:mc="http://schemas.openxmlformats.org/markup-compatibility/2006">
+          <mc:Choice xmlns:p14="http://schemas.microsoft.com/office/powerpoint/2010/main" Requires="p14">
+            <p:contentPart p14:bwMode="auto" r:id="rId36">
+              <p14:nvContentPartPr>
+                <p14:cNvPr id="22" name="Ink 21">
+                  <a:extLst>
+                    <a:ext uri="{FF2B5EF4-FFF2-40B4-BE49-F238E27FC236}">
+                      <a16:creationId xmlns:a16="http://schemas.microsoft.com/office/drawing/2014/main" id="{626EB99E-0E5E-B84A-32FD-FC246172C90A}"/>
+                    </a:ext>
+                  </a:extLst>
+                </p14:cNvPr>
+                <p14:cNvContentPartPr/>
+                <p14:nvPr/>
+              </p14:nvContentPartPr>
+              <p14:xfrm>
+                <a:off x="2566010" y="3421308"/>
+                <a:ext cx="207360" cy="250920"/>
+              </p14:xfrm>
+            </p:contentPart>
+          </mc:Choice>
+          <mc:Fallback>
+            <p:pic>
+              <p:nvPicPr>
+                <p:cNvPr id="22" name="Ink 21">
+                  <a:extLst>
+                    <a:ext uri="{FF2B5EF4-FFF2-40B4-BE49-F238E27FC236}">
+                      <a16:creationId xmlns:a16="http://schemas.microsoft.com/office/drawing/2014/main" id="{626EB99E-0E5E-B84A-32FD-FC246172C90A}"/>
+                    </a:ext>
+                  </a:extLst>
+                </p:cNvPr>
+                <p:cNvPicPr/>
+                <p:nvPr/>
+              </p:nvPicPr>
+              <p:blipFill>
+                <a:blip r:embed="rId37"/>
+                <a:stretch>
+                  <a:fillRect/>
+                </a:stretch>
+              </p:blipFill>
+              <p:spPr>
+                <a:xfrm>
+                  <a:off x="2559890" y="3415197"/>
+                  <a:ext cx="219600" cy="263142"/>
+                </a:xfrm>
+                <a:prstGeom prst="rect">
+                  <a:avLst/>
+                </a:prstGeom>
+              </p:spPr>
+            </p:pic>
+          </mc:Fallback>
+        </mc:AlternateContent>
+      </p:grpSp>
+      <mc:AlternateContent xmlns:mc="http://schemas.openxmlformats.org/markup-compatibility/2006">
+        <mc:Choice xmlns:p14="http://schemas.microsoft.com/office/powerpoint/2010/main" Requires="p14">
+          <p:contentPart p14:bwMode="auto" r:id="rId38">
+            <p14:nvContentPartPr>
+              <p14:cNvPr id="24" name="Ink 23">
+                <a:extLst>
+                  <a:ext uri="{FF2B5EF4-FFF2-40B4-BE49-F238E27FC236}">
+                    <a16:creationId xmlns:a16="http://schemas.microsoft.com/office/drawing/2014/main" id="{D17334C1-820C-49B9-6FB1-079624F8C476}"/>
+                  </a:ext>
+                </a:extLst>
+              </p14:cNvPr>
+              <p14:cNvContentPartPr/>
+              <p14:nvPr/>
+            </p14:nvContentPartPr>
+            <p14:xfrm>
+              <a:off x="2693810" y="3559188"/>
+              <a:ext cx="186480" cy="360"/>
+            </p14:xfrm>
+          </p:contentPart>
+        </mc:Choice>
+        <mc:Fallback>
+          <p:pic>
+            <p:nvPicPr>
+              <p:cNvPr id="24" name="Ink 23">
+                <a:extLst>
+                  <a:ext uri="{FF2B5EF4-FFF2-40B4-BE49-F238E27FC236}">
+                    <a16:creationId xmlns:a16="http://schemas.microsoft.com/office/drawing/2014/main" id="{D17334C1-820C-49B9-6FB1-079624F8C476}"/>
+                  </a:ext>
+                </a:extLst>
+              </p:cNvPr>
+              <p:cNvPicPr/>
+              <p:nvPr/>
+            </p:nvPicPr>
+            <p:blipFill>
+              <a:blip r:embed="rId39"/>
+              <a:stretch>
+                <a:fillRect/>
+              </a:stretch>
+            </p:blipFill>
+            <p:spPr>
+              <a:xfrm>
+                <a:off x="2687678" y="3553068"/>
+                <a:ext cx="198744" cy="12600"/>
+              </a:xfrm>
+              <a:prstGeom prst="rect">
+                <a:avLst/>
+              </a:prstGeom>
+            </p:spPr>
+          </p:pic>
+        </mc:Fallback>
+      </mc:AlternateContent>
+      <p:grpSp>
+        <p:nvGrpSpPr>
+          <p:cNvPr id="25" name="Group 24">
+            <a:extLst>
+              <a:ext uri="{FF2B5EF4-FFF2-40B4-BE49-F238E27FC236}">
+                <a16:creationId xmlns:a16="http://schemas.microsoft.com/office/drawing/2014/main" id="{10F64851-0991-D21E-AB00-424FAD0ACC0B}"/>
+              </a:ext>
+            </a:extLst>
+          </p:cNvPr>
+          <p:cNvGrpSpPr/>
+          <p:nvPr/>
+        </p:nvGrpSpPr>
+        <p:grpSpPr>
+          <a:xfrm>
+            <a:off x="2172530" y="3421308"/>
+            <a:ext cx="707760" cy="250920"/>
+            <a:chOff x="2172530" y="3421308"/>
+            <a:chExt cx="707760" cy="250920"/>
+          </a:xfrm>
+        </p:grpSpPr>
+        <mc:AlternateContent xmlns:mc="http://schemas.openxmlformats.org/markup-compatibility/2006">
+          <mc:Choice xmlns:p14="http://schemas.microsoft.com/office/powerpoint/2010/main" Requires="p14">
+            <p:contentPart p14:bwMode="auto" r:id="rId40">
+              <p14:nvContentPartPr>
+                <p14:cNvPr id="7" name="Ink 6">
+                  <a:extLst>
+                    <a:ext uri="{FF2B5EF4-FFF2-40B4-BE49-F238E27FC236}">
+                      <a16:creationId xmlns:a16="http://schemas.microsoft.com/office/drawing/2014/main" id="{B7A0508C-0C49-D673-24C1-832E5836A828}"/>
+                    </a:ext>
+                  </a:extLst>
+                </p14:cNvPr>
+                <p14:cNvContentPartPr/>
+                <p14:nvPr/>
+              </p14:nvContentPartPr>
+              <p14:xfrm>
+                <a:off x="2172530" y="3529668"/>
+                <a:ext cx="275040" cy="360"/>
+              </p14:xfrm>
+            </p:contentPart>
+          </mc:Choice>
+          <mc:Fallback>
+            <p:pic>
+              <p:nvPicPr>
+                <p:cNvPr id="7" name="Ink 6">
+                  <a:extLst>
+                    <a:ext uri="{FF2B5EF4-FFF2-40B4-BE49-F238E27FC236}">
+                      <a16:creationId xmlns:a16="http://schemas.microsoft.com/office/drawing/2014/main" id="{B7A0508C-0C49-D673-24C1-832E5836A828}"/>
+                    </a:ext>
+                  </a:extLst>
+                </p:cNvPr>
+                <p:cNvPicPr/>
+                <p:nvPr/>
+              </p:nvPicPr>
+              <p:blipFill>
+                <a:blip r:embed="rId35"/>
+                <a:stretch>
+                  <a:fillRect/>
+                </a:stretch>
+              </p:blipFill>
+              <p:spPr>
+                <a:xfrm>
+                  <a:off x="2166410" y="3523548"/>
+                  <a:ext cx="287280" cy="12600"/>
+                </a:xfrm>
+                <a:prstGeom prst="rect">
+                  <a:avLst/>
+                </a:prstGeom>
+              </p:spPr>
+            </p:pic>
+          </mc:Fallback>
+        </mc:AlternateContent>
+        <mc:AlternateContent xmlns:mc="http://schemas.openxmlformats.org/markup-compatibility/2006">
+          <mc:Choice xmlns:p14="http://schemas.microsoft.com/office/powerpoint/2010/main" Requires="p14">
+            <p:contentPart p14:bwMode="auto" r:id="rId41">
+              <p14:nvContentPartPr>
+                <p14:cNvPr id="9" name="Ink 8">
+                  <a:extLst>
+                    <a:ext uri="{FF2B5EF4-FFF2-40B4-BE49-F238E27FC236}">
+                      <a16:creationId xmlns:a16="http://schemas.microsoft.com/office/drawing/2014/main" id="{626EB99E-0E5E-B84A-32FD-FC246172C90A}"/>
+                    </a:ext>
+                  </a:extLst>
+                </p14:cNvPr>
+                <p14:cNvContentPartPr/>
+                <p14:nvPr/>
+              </p14:nvContentPartPr>
+              <p14:xfrm>
+                <a:off x="2566010" y="3421308"/>
+                <a:ext cx="207360" cy="250920"/>
+              </p14:xfrm>
+            </p:contentPart>
+          </mc:Choice>
+          <mc:Fallback>
+            <p:pic>
+              <p:nvPicPr>
+                <p:cNvPr id="9" name="Ink 8">
+                  <a:extLst>
+                    <a:ext uri="{FF2B5EF4-FFF2-40B4-BE49-F238E27FC236}">
+                      <a16:creationId xmlns:a16="http://schemas.microsoft.com/office/drawing/2014/main" id="{626EB99E-0E5E-B84A-32FD-FC246172C90A}"/>
+                    </a:ext>
+                  </a:extLst>
+                </p:cNvPr>
+                <p:cNvPicPr/>
+                <p:nvPr/>
+              </p:nvPicPr>
+              <p:blipFill>
+                <a:blip r:embed="rId42"/>
+                <a:stretch>
+                  <a:fillRect/>
+                </a:stretch>
+              </p:blipFill>
+              <p:spPr>
+                <a:xfrm>
+                  <a:off x="2559890" y="3415188"/>
+                  <a:ext cx="219600" cy="263160"/>
+                </a:xfrm>
+                <a:prstGeom prst="rect">
+                  <a:avLst/>
+                </a:prstGeom>
+              </p:spPr>
+            </p:pic>
+          </mc:Fallback>
+        </mc:AlternateContent>
+        <mc:AlternateContent xmlns:mc="http://schemas.openxmlformats.org/markup-compatibility/2006">
+          <mc:Choice xmlns:p14="http://schemas.microsoft.com/office/powerpoint/2010/main" Requires="p14">
+            <p:contentPart p14:bwMode="auto" r:id="rId43">
+              <p14:nvContentPartPr>
+                <p14:cNvPr id="11" name="Ink 10">
+                  <a:extLst>
+                    <a:ext uri="{FF2B5EF4-FFF2-40B4-BE49-F238E27FC236}">
+                      <a16:creationId xmlns:a16="http://schemas.microsoft.com/office/drawing/2014/main" id="{D17334C1-820C-49B9-6FB1-079624F8C476}"/>
+                    </a:ext>
+                  </a:extLst>
+                </p14:cNvPr>
+                <p14:cNvContentPartPr/>
+                <p14:nvPr/>
+              </p14:nvContentPartPr>
+              <p14:xfrm>
+                <a:off x="2693810" y="3559188"/>
+                <a:ext cx="186480" cy="360"/>
+              </p14:xfrm>
+            </p:contentPart>
+          </mc:Choice>
+          <mc:Fallback>
+            <p:pic>
+              <p:nvPicPr>
+                <p:cNvPr id="11" name="Ink 10">
+                  <a:extLst>
+                    <a:ext uri="{FF2B5EF4-FFF2-40B4-BE49-F238E27FC236}">
+                      <a16:creationId xmlns:a16="http://schemas.microsoft.com/office/drawing/2014/main" id="{D17334C1-820C-49B9-6FB1-079624F8C476}"/>
+                    </a:ext>
+                  </a:extLst>
+                </p:cNvPr>
+                <p:cNvPicPr/>
+                <p:nvPr/>
+              </p:nvPicPr>
+              <p:blipFill>
+                <a:blip r:embed="rId44"/>
+                <a:stretch>
+                  <a:fillRect/>
+                </a:stretch>
+              </p:blipFill>
+              <p:spPr>
+                <a:xfrm>
+                  <a:off x="2687690" y="3553068"/>
+                  <a:ext cx="198720" cy="12600"/>
+                </a:xfrm>
+                <a:prstGeom prst="rect">
+                  <a:avLst/>
+                </a:prstGeom>
+              </p:spPr>
+            </p:pic>
+          </mc:Fallback>
+        </mc:AlternateContent>
+      </p:grpSp>
+      <mc:AlternateContent xmlns:mc="http://schemas.openxmlformats.org/markup-compatibility/2006">
+        <mc:Choice xmlns:p14="http://schemas.microsoft.com/office/powerpoint/2010/main" Requires="p14">
+          <p:contentPart p14:bwMode="auto" r:id="rId45">
+            <p14:nvContentPartPr>
+              <p14:cNvPr id="26" name="Ink 25">
+                <a:extLst>
+                  <a:ext uri="{FF2B5EF4-FFF2-40B4-BE49-F238E27FC236}">
+                    <a16:creationId xmlns:a16="http://schemas.microsoft.com/office/drawing/2014/main" id="{439ACF91-4498-A2CF-8BF1-6723A83E5C61}"/>
+                  </a:ext>
+                </a:extLst>
+              </p14:cNvPr>
+              <p14:cNvContentPartPr/>
+              <p14:nvPr/>
+            </p14:nvContentPartPr>
+            <p14:xfrm>
+              <a:off x="5808890" y="293268"/>
+              <a:ext cx="425880" cy="365760"/>
+            </p14:xfrm>
+          </p:contentPart>
+        </mc:Choice>
+        <mc:Fallback>
+          <p:pic>
+            <p:nvPicPr>
+              <p:cNvPr id="26" name="Ink 25">
+                <a:extLst>
+                  <a:ext uri="{FF2B5EF4-FFF2-40B4-BE49-F238E27FC236}">
+                    <a16:creationId xmlns:a16="http://schemas.microsoft.com/office/drawing/2014/main" id="{439ACF91-4498-A2CF-8BF1-6723A83E5C61}"/>
+                  </a:ext>
+                </a:extLst>
+              </p:cNvPr>
+              <p:cNvPicPr/>
+              <p:nvPr/>
+            </p:nvPicPr>
+            <p:blipFill>
+              <a:blip r:embed="rId46"/>
+              <a:stretch>
+                <a:fillRect/>
+              </a:stretch>
+            </p:blipFill>
+            <p:spPr>
+              <a:xfrm>
+                <a:off x="5802770" y="287148"/>
+                <a:ext cx="438120" cy="378000"/>
+              </a:xfrm>
+              <a:prstGeom prst="rect">
+                <a:avLst/>
+              </a:prstGeom>
+            </p:spPr>
+          </p:pic>
+        </mc:Fallback>
+      </mc:AlternateContent>
+      <p:grpSp>
+        <p:nvGrpSpPr>
+          <p:cNvPr id="38" name="Group 37">
+            <a:extLst>
+              <a:ext uri="{FF2B5EF4-FFF2-40B4-BE49-F238E27FC236}">
+                <a16:creationId xmlns:a16="http://schemas.microsoft.com/office/drawing/2014/main" id="{52175C69-46E7-4283-B92D-069968FE1A40}"/>
+              </a:ext>
+            </a:extLst>
+          </p:cNvPr>
+          <p:cNvGrpSpPr/>
+          <p:nvPr/>
+        </p:nvGrpSpPr>
+        <p:grpSpPr>
+          <a:xfrm>
+            <a:off x="5678210" y="668748"/>
+            <a:ext cx="3183480" cy="2144880"/>
+            <a:chOff x="5678210" y="668748"/>
+            <a:chExt cx="3183480" cy="2144880"/>
+          </a:xfrm>
+        </p:grpSpPr>
+        <mc:AlternateContent xmlns:mc="http://schemas.openxmlformats.org/markup-compatibility/2006">
+          <mc:Choice xmlns:p14="http://schemas.microsoft.com/office/powerpoint/2010/main" Requires="p14">
+            <p:contentPart p14:bwMode="auto" r:id="rId47">
+              <p14:nvContentPartPr>
+                <p14:cNvPr id="27" name="Ink 26">
+                  <a:extLst>
+                    <a:ext uri="{FF2B5EF4-FFF2-40B4-BE49-F238E27FC236}">
+                      <a16:creationId xmlns:a16="http://schemas.microsoft.com/office/drawing/2014/main" id="{12479AE1-67F9-EB94-A55B-13D93DA043CA}"/>
+                    </a:ext>
+                  </a:extLst>
+                </p14:cNvPr>
+                <p14:cNvContentPartPr/>
+                <p14:nvPr/>
+              </p14:nvContentPartPr>
+              <p14:xfrm>
+                <a:off x="5678210" y="668748"/>
+                <a:ext cx="1460520" cy="1914840"/>
+              </p14:xfrm>
+            </p:contentPart>
+          </mc:Choice>
+          <mc:Fallback>
+            <p:pic>
+              <p:nvPicPr>
+                <p:cNvPr id="27" name="Ink 26">
+                  <a:extLst>
+                    <a:ext uri="{FF2B5EF4-FFF2-40B4-BE49-F238E27FC236}">
+                      <a16:creationId xmlns:a16="http://schemas.microsoft.com/office/drawing/2014/main" id="{12479AE1-67F9-EB94-A55B-13D93DA043CA}"/>
+                    </a:ext>
+                  </a:extLst>
+                </p:cNvPr>
+                <p:cNvPicPr/>
+                <p:nvPr/>
+              </p:nvPicPr>
+              <p:blipFill>
+                <a:blip r:embed="rId48"/>
+                <a:stretch>
+                  <a:fillRect/>
+                </a:stretch>
+              </p:blipFill>
+              <p:spPr>
+                <a:xfrm>
+                  <a:off x="5672090" y="662628"/>
+                  <a:ext cx="1472760" cy="1927080"/>
+                </a:xfrm>
+                <a:prstGeom prst="rect">
+                  <a:avLst/>
+                </a:prstGeom>
+              </p:spPr>
+            </p:pic>
+          </mc:Fallback>
+        </mc:AlternateContent>
+        <mc:AlternateContent xmlns:mc="http://schemas.openxmlformats.org/markup-compatibility/2006">
+          <mc:Choice xmlns:p14="http://schemas.microsoft.com/office/powerpoint/2010/main" Requires="p14">
+            <p:contentPart p14:bwMode="auto" r:id="rId49">
+              <p14:nvContentPartPr>
+                <p14:cNvPr id="28" name="Ink 27">
+                  <a:extLst>
+                    <a:ext uri="{FF2B5EF4-FFF2-40B4-BE49-F238E27FC236}">
+                      <a16:creationId xmlns:a16="http://schemas.microsoft.com/office/drawing/2014/main" id="{138BFE6C-8667-3621-095C-FB4DD093FB0A}"/>
+                    </a:ext>
+                  </a:extLst>
+                </p14:cNvPr>
+                <p14:cNvContentPartPr/>
+                <p14:nvPr/>
+              </p14:nvContentPartPr>
+              <p14:xfrm>
+                <a:off x="6823370" y="2566308"/>
+                <a:ext cx="360" cy="360"/>
+              </p14:xfrm>
+            </p:contentPart>
+          </mc:Choice>
+          <mc:Fallback>
+            <p:pic>
+              <p:nvPicPr>
+                <p:cNvPr id="28" name="Ink 27">
+                  <a:extLst>
+                    <a:ext uri="{FF2B5EF4-FFF2-40B4-BE49-F238E27FC236}">
+                      <a16:creationId xmlns:a16="http://schemas.microsoft.com/office/drawing/2014/main" id="{138BFE6C-8667-3621-095C-FB4DD093FB0A}"/>
+                    </a:ext>
+                  </a:extLst>
+                </p:cNvPr>
+                <p:cNvPicPr/>
+                <p:nvPr/>
+              </p:nvPicPr>
+              <p:blipFill>
+                <a:blip r:embed="rId50"/>
+                <a:stretch>
+                  <a:fillRect/>
+                </a:stretch>
+              </p:blipFill>
+              <p:spPr>
+                <a:xfrm>
+                  <a:off x="6817250" y="2560188"/>
+                  <a:ext cx="12600" cy="12600"/>
+                </a:xfrm>
+                <a:prstGeom prst="rect">
+                  <a:avLst/>
+                </a:prstGeom>
+              </p:spPr>
+            </p:pic>
+          </mc:Fallback>
+        </mc:AlternateContent>
+        <mc:AlternateContent xmlns:mc="http://schemas.openxmlformats.org/markup-compatibility/2006">
+          <mc:Choice xmlns:p14="http://schemas.microsoft.com/office/powerpoint/2010/main" Requires="p14">
+            <p:contentPart p14:bwMode="auto" r:id="rId51">
+              <p14:nvContentPartPr>
+                <p14:cNvPr id="29" name="Ink 28">
+                  <a:extLst>
+                    <a:ext uri="{FF2B5EF4-FFF2-40B4-BE49-F238E27FC236}">
+                      <a16:creationId xmlns:a16="http://schemas.microsoft.com/office/drawing/2014/main" id="{6A735C85-AA8C-8870-9333-5CF39E4B5CD0}"/>
+                    </a:ext>
+                  </a:extLst>
+                </p14:cNvPr>
+                <p14:cNvContentPartPr/>
+                <p14:nvPr/>
+              </p14:nvContentPartPr>
+              <p14:xfrm>
+                <a:off x="6823370" y="2335908"/>
+                <a:ext cx="297000" cy="230760"/>
+              </p14:xfrm>
+            </p:contentPart>
+          </mc:Choice>
+          <mc:Fallback>
+            <p:pic>
+              <p:nvPicPr>
+                <p:cNvPr id="29" name="Ink 28">
+                  <a:extLst>
+                    <a:ext uri="{FF2B5EF4-FFF2-40B4-BE49-F238E27FC236}">
+                      <a16:creationId xmlns:a16="http://schemas.microsoft.com/office/drawing/2014/main" id="{6A735C85-AA8C-8870-9333-5CF39E4B5CD0}"/>
+                    </a:ext>
+                  </a:extLst>
+                </p:cNvPr>
+                <p:cNvPicPr/>
+                <p:nvPr/>
+              </p:nvPicPr>
+              <p:blipFill>
+                <a:blip r:embed="rId52"/>
+                <a:stretch>
+                  <a:fillRect/>
+                </a:stretch>
+              </p:blipFill>
+              <p:spPr>
+                <a:xfrm>
+                  <a:off x="6817250" y="2329788"/>
+                  <a:ext cx="309240" cy="243000"/>
+                </a:xfrm>
+                <a:prstGeom prst="rect">
+                  <a:avLst/>
+                </a:prstGeom>
+              </p:spPr>
+            </p:pic>
+          </mc:Fallback>
+        </mc:AlternateContent>
+        <mc:AlternateContent xmlns:mc="http://schemas.openxmlformats.org/markup-compatibility/2006">
+          <mc:Choice xmlns:p14="http://schemas.microsoft.com/office/powerpoint/2010/main" Requires="p14">
+            <p:contentPart p14:bwMode="auto" r:id="rId53">
+              <p14:nvContentPartPr>
+                <p14:cNvPr id="31" name="Ink 30">
+                  <a:extLst>
+                    <a:ext uri="{FF2B5EF4-FFF2-40B4-BE49-F238E27FC236}">
+                      <a16:creationId xmlns:a16="http://schemas.microsoft.com/office/drawing/2014/main" id="{CDC5FEAD-0463-F769-0E2B-F9185E7EB97D}"/>
+                    </a:ext>
+                  </a:extLst>
+                </p14:cNvPr>
+                <p14:cNvContentPartPr/>
+                <p14:nvPr/>
+              </p14:nvContentPartPr>
+              <p14:xfrm>
+                <a:off x="7255730" y="2192268"/>
+                <a:ext cx="1160280" cy="416520"/>
+              </p14:xfrm>
+            </p:contentPart>
+          </mc:Choice>
+          <mc:Fallback>
+            <p:pic>
+              <p:nvPicPr>
+                <p:cNvPr id="31" name="Ink 30">
+                  <a:extLst>
+                    <a:ext uri="{FF2B5EF4-FFF2-40B4-BE49-F238E27FC236}">
+                      <a16:creationId xmlns:a16="http://schemas.microsoft.com/office/drawing/2014/main" id="{CDC5FEAD-0463-F769-0E2B-F9185E7EB97D}"/>
+                    </a:ext>
+                  </a:extLst>
+                </p:cNvPr>
+                <p:cNvPicPr/>
+                <p:nvPr/>
+              </p:nvPicPr>
+              <p:blipFill>
+                <a:blip r:embed="rId54"/>
+                <a:stretch>
+                  <a:fillRect/>
+                </a:stretch>
+              </p:blipFill>
+              <p:spPr>
+                <a:xfrm>
+                  <a:off x="7249610" y="2186148"/>
+                  <a:ext cx="1172520" cy="428760"/>
+                </a:xfrm>
+                <a:prstGeom prst="rect">
+                  <a:avLst/>
+                </a:prstGeom>
+              </p:spPr>
+            </p:pic>
+          </mc:Fallback>
+        </mc:AlternateContent>
+        <mc:AlternateContent xmlns:mc="http://schemas.openxmlformats.org/markup-compatibility/2006">
+          <mc:Choice xmlns:p14="http://schemas.microsoft.com/office/powerpoint/2010/main" Requires="p14">
+            <p:contentPart p14:bwMode="auto" r:id="rId55">
+              <p14:nvContentPartPr>
+                <p14:cNvPr id="32" name="Ink 31">
+                  <a:extLst>
+                    <a:ext uri="{FF2B5EF4-FFF2-40B4-BE49-F238E27FC236}">
+                      <a16:creationId xmlns:a16="http://schemas.microsoft.com/office/drawing/2014/main" id="{730B4B64-D73F-5618-A945-1627C41A93EF}"/>
+                    </a:ext>
+                  </a:extLst>
+                </p14:cNvPr>
+                <p14:cNvContentPartPr/>
+                <p14:nvPr/>
+              </p14:nvContentPartPr>
+              <p14:xfrm>
+                <a:off x="8650730" y="2491068"/>
+                <a:ext cx="210960" cy="322560"/>
+              </p14:xfrm>
+            </p:contentPart>
+          </mc:Choice>
+          <mc:Fallback>
+            <p:pic>
+              <p:nvPicPr>
+                <p:cNvPr id="32" name="Ink 31">
+                  <a:extLst>
+                    <a:ext uri="{FF2B5EF4-FFF2-40B4-BE49-F238E27FC236}">
+                      <a16:creationId xmlns:a16="http://schemas.microsoft.com/office/drawing/2014/main" id="{730B4B64-D73F-5618-A945-1627C41A93EF}"/>
+                    </a:ext>
+                  </a:extLst>
+                </p:cNvPr>
+                <p:cNvPicPr/>
+                <p:nvPr/>
+              </p:nvPicPr>
+              <p:blipFill>
+                <a:blip r:embed="rId56"/>
+                <a:stretch>
+                  <a:fillRect/>
+                </a:stretch>
+              </p:blipFill>
+              <p:spPr>
+                <a:xfrm>
+                  <a:off x="8644610" y="2484948"/>
+                  <a:ext cx="223200" cy="334800"/>
+                </a:xfrm>
+                <a:prstGeom prst="rect">
+                  <a:avLst/>
+                </a:prstGeom>
+              </p:spPr>
+            </p:pic>
+          </mc:Fallback>
+        </mc:AlternateContent>
+        <mc:AlternateContent xmlns:mc="http://schemas.openxmlformats.org/markup-compatibility/2006">
+          <mc:Choice xmlns:p14="http://schemas.microsoft.com/office/powerpoint/2010/main" Requires="p14">
+            <p:contentPart p14:bwMode="auto" r:id="rId57">
+              <p14:nvContentPartPr>
+                <p14:cNvPr id="34" name="Ink 33">
+                  <a:extLst>
+                    <a:ext uri="{FF2B5EF4-FFF2-40B4-BE49-F238E27FC236}">
+                      <a16:creationId xmlns:a16="http://schemas.microsoft.com/office/drawing/2014/main" id="{B1EEAD6B-5483-A2EE-E1B7-9956D008D309}"/>
+                    </a:ext>
+                  </a:extLst>
+                </p14:cNvPr>
+                <p14:cNvContentPartPr/>
+                <p14:nvPr/>
+              </p14:nvContentPartPr>
+              <p14:xfrm>
+                <a:off x="8602850" y="2359308"/>
+                <a:ext cx="360" cy="360"/>
+              </p14:xfrm>
+            </p:contentPart>
+          </mc:Choice>
+          <mc:Fallback>
+            <p:pic>
+              <p:nvPicPr>
+                <p:cNvPr id="34" name="Ink 33">
+                  <a:extLst>
+                    <a:ext uri="{FF2B5EF4-FFF2-40B4-BE49-F238E27FC236}">
+                      <a16:creationId xmlns:a16="http://schemas.microsoft.com/office/drawing/2014/main" id="{B1EEAD6B-5483-A2EE-E1B7-9956D008D309}"/>
+                    </a:ext>
+                  </a:extLst>
+                </p:cNvPr>
+                <p:cNvPicPr/>
+                <p:nvPr/>
+              </p:nvPicPr>
+              <p:blipFill>
+                <a:blip r:embed="rId50"/>
+                <a:stretch>
+                  <a:fillRect/>
+                </a:stretch>
+              </p:blipFill>
+              <p:spPr>
+                <a:xfrm>
+                  <a:off x="8596730" y="2353188"/>
+                  <a:ext cx="12600" cy="12600"/>
+                </a:xfrm>
+                <a:prstGeom prst="rect">
+                  <a:avLst/>
+                </a:prstGeom>
+              </p:spPr>
+            </p:pic>
+          </mc:Fallback>
+        </mc:AlternateContent>
+        <mc:AlternateContent xmlns:mc="http://schemas.openxmlformats.org/markup-compatibility/2006">
+          <mc:Choice xmlns:p14="http://schemas.microsoft.com/office/powerpoint/2010/main" Requires="p14">
+            <p:contentPart p14:bwMode="auto" r:id="rId58">
+              <p14:nvContentPartPr>
+                <p14:cNvPr id="35" name="Ink 34">
+                  <a:extLst>
+                    <a:ext uri="{FF2B5EF4-FFF2-40B4-BE49-F238E27FC236}">
+                      <a16:creationId xmlns:a16="http://schemas.microsoft.com/office/drawing/2014/main" id="{A3A2B742-6545-0C7A-62C0-9BA80553DF07}"/>
+                    </a:ext>
+                  </a:extLst>
+                </p14:cNvPr>
+                <p14:cNvContentPartPr/>
+                <p14:nvPr/>
+              </p14:nvContentPartPr>
+              <p14:xfrm>
+                <a:off x="8602850" y="2359308"/>
+                <a:ext cx="360" cy="360"/>
+              </p14:xfrm>
+            </p:contentPart>
+          </mc:Choice>
+          <mc:Fallback>
+            <p:pic>
+              <p:nvPicPr>
+                <p:cNvPr id="35" name="Ink 34">
+                  <a:extLst>
+                    <a:ext uri="{FF2B5EF4-FFF2-40B4-BE49-F238E27FC236}">
+                      <a16:creationId xmlns:a16="http://schemas.microsoft.com/office/drawing/2014/main" id="{A3A2B742-6545-0C7A-62C0-9BA80553DF07}"/>
+                    </a:ext>
+                  </a:extLst>
+                </p:cNvPr>
+                <p:cNvPicPr/>
+                <p:nvPr/>
+              </p:nvPicPr>
+              <p:blipFill>
+                <a:blip r:embed="rId50"/>
+                <a:stretch>
+                  <a:fillRect/>
+                </a:stretch>
+              </p:blipFill>
+              <p:spPr>
+                <a:xfrm>
+                  <a:off x="8596730" y="2353188"/>
+                  <a:ext cx="12600" cy="12600"/>
+                </a:xfrm>
+                <a:prstGeom prst="rect">
+                  <a:avLst/>
+                </a:prstGeom>
+              </p:spPr>
+            </p:pic>
+          </mc:Fallback>
+        </mc:AlternateContent>
+        <mc:AlternateContent xmlns:mc="http://schemas.openxmlformats.org/markup-compatibility/2006">
+          <mc:Choice xmlns:p14="http://schemas.microsoft.com/office/powerpoint/2010/main" Requires="p14">
+            <p:contentPart p14:bwMode="auto" r:id="rId59">
+              <p14:nvContentPartPr>
+                <p14:cNvPr id="36" name="Ink 35">
+                  <a:extLst>
+                    <a:ext uri="{FF2B5EF4-FFF2-40B4-BE49-F238E27FC236}">
+                      <a16:creationId xmlns:a16="http://schemas.microsoft.com/office/drawing/2014/main" id="{C4CA2C02-47CC-E890-2B14-2B22A35B499E}"/>
+                    </a:ext>
+                  </a:extLst>
+                </p14:cNvPr>
+                <p14:cNvContentPartPr/>
+                <p14:nvPr/>
+              </p14:nvContentPartPr>
+              <p14:xfrm>
+                <a:off x="8602850" y="2359308"/>
+                <a:ext cx="360" cy="360"/>
+              </p14:xfrm>
+            </p:contentPart>
+          </mc:Choice>
+          <mc:Fallback>
+            <p:pic>
+              <p:nvPicPr>
+                <p:cNvPr id="36" name="Ink 35">
+                  <a:extLst>
+                    <a:ext uri="{FF2B5EF4-FFF2-40B4-BE49-F238E27FC236}">
+                      <a16:creationId xmlns:a16="http://schemas.microsoft.com/office/drawing/2014/main" id="{C4CA2C02-47CC-E890-2B14-2B22A35B499E}"/>
+                    </a:ext>
+                  </a:extLst>
+                </p:cNvPr>
+                <p:cNvPicPr/>
+                <p:nvPr/>
+              </p:nvPicPr>
+              <p:blipFill>
+                <a:blip r:embed="rId50"/>
+                <a:stretch>
+                  <a:fillRect/>
+                </a:stretch>
+              </p:blipFill>
+              <p:spPr>
+                <a:xfrm>
+                  <a:off x="8596730" y="2353188"/>
+                  <a:ext cx="12600" cy="12600"/>
+                </a:xfrm>
+                <a:prstGeom prst="rect">
+                  <a:avLst/>
+                </a:prstGeom>
+              </p:spPr>
+            </p:pic>
+          </mc:Fallback>
+        </mc:AlternateContent>
+      </p:grpSp>
+      <mc:AlternateContent xmlns:mc="http://schemas.openxmlformats.org/markup-compatibility/2006">
+        <mc:Choice xmlns:p14="http://schemas.microsoft.com/office/powerpoint/2010/main" Requires="p14">
+          <p:contentPart p14:bwMode="auto" r:id="rId60">
+            <p14:nvContentPartPr>
+              <p14:cNvPr id="37" name="Ink 36">
+                <a:extLst>
+                  <a:ext uri="{FF2B5EF4-FFF2-40B4-BE49-F238E27FC236}">
+                    <a16:creationId xmlns:a16="http://schemas.microsoft.com/office/drawing/2014/main" id="{E9B89F56-12DC-D2F9-8598-B7E9E849387E}"/>
+                  </a:ext>
+                </a:extLst>
+              </p14:cNvPr>
+              <p14:cNvContentPartPr/>
+              <p14:nvPr/>
+            </p14:nvContentPartPr>
+            <p14:xfrm>
+              <a:off x="9319970" y="2310348"/>
+              <a:ext cx="127080" cy="421560"/>
+            </p14:xfrm>
+          </p:contentPart>
+        </mc:Choice>
+        <mc:Fallback>
+          <p:pic>
+            <p:nvPicPr>
+              <p:cNvPr id="37" name="Ink 36">
+                <a:extLst>
+                  <a:ext uri="{FF2B5EF4-FFF2-40B4-BE49-F238E27FC236}">
+                    <a16:creationId xmlns:a16="http://schemas.microsoft.com/office/drawing/2014/main" id="{E9B89F56-12DC-D2F9-8598-B7E9E849387E}"/>
+                  </a:ext>
+                </a:extLst>
+              </p:cNvPr>
+              <p:cNvPicPr/>
+              <p:nvPr/>
+            </p:nvPicPr>
+            <p:blipFill>
+              <a:blip r:embed="rId61"/>
+              <a:stretch>
+                <a:fillRect/>
+              </a:stretch>
+            </p:blipFill>
+            <p:spPr>
+              <a:xfrm>
+                <a:off x="9313850" y="2304228"/>
+                <a:ext cx="139320" cy="433800"/>
+              </a:xfrm>
+              <a:prstGeom prst="rect">
+                <a:avLst/>
+              </a:prstGeom>
+            </p:spPr>
+          </p:pic>
+        </mc:Fallback>
+      </mc:AlternateContent>
+      <mc:AlternateContent xmlns:mc="http://schemas.openxmlformats.org/markup-compatibility/2006">
+        <mc:Choice xmlns:p14="http://schemas.microsoft.com/office/powerpoint/2010/main" Requires="p14">
+          <p:contentPart p14:bwMode="auto" r:id="rId62">
+            <p14:nvContentPartPr>
+              <p14:cNvPr id="39" name="Ink 38">
+                <a:extLst>
+                  <a:ext uri="{FF2B5EF4-FFF2-40B4-BE49-F238E27FC236}">
+                    <a16:creationId xmlns:a16="http://schemas.microsoft.com/office/drawing/2014/main" id="{CD5EE340-531E-24CE-952C-7A9A2617D5BE}"/>
+                  </a:ext>
+                </a:extLst>
+              </p14:cNvPr>
+              <p14:cNvContentPartPr/>
+              <p14:nvPr/>
+            </p14:nvContentPartPr>
+            <p14:xfrm>
+              <a:off x="9271730" y="2329068"/>
+              <a:ext cx="618480" cy="397080"/>
+            </p14:xfrm>
+          </p:contentPart>
+        </mc:Choice>
+        <mc:Fallback>
+          <p:pic>
+            <p:nvPicPr>
+              <p:cNvPr id="39" name="Ink 38">
+                <a:extLst>
+                  <a:ext uri="{FF2B5EF4-FFF2-40B4-BE49-F238E27FC236}">
+                    <a16:creationId xmlns:a16="http://schemas.microsoft.com/office/drawing/2014/main" id="{CD5EE340-531E-24CE-952C-7A9A2617D5BE}"/>
+                  </a:ext>
+                </a:extLst>
+              </p:cNvPr>
+              <p:cNvPicPr/>
+              <p:nvPr/>
+            </p:nvPicPr>
+            <p:blipFill>
+              <a:blip r:embed="rId63"/>
+              <a:stretch>
+                <a:fillRect/>
+              </a:stretch>
+            </p:blipFill>
+            <p:spPr>
+              <a:xfrm>
+                <a:off x="9265610" y="2322948"/>
+                <a:ext cx="630720" cy="409320"/>
+              </a:xfrm>
+              <a:prstGeom prst="rect">
+                <a:avLst/>
+              </a:prstGeom>
+            </p:spPr>
+          </p:pic>
+        </mc:Fallback>
+      </mc:AlternateContent>
+      <p:grpSp>
+        <p:nvGrpSpPr>
+          <p:cNvPr id="43" name="Group 42">
+            <a:extLst>
+              <a:ext uri="{FF2B5EF4-FFF2-40B4-BE49-F238E27FC236}">
+                <a16:creationId xmlns:a16="http://schemas.microsoft.com/office/drawing/2014/main" id="{02A632EA-A16C-72B1-262C-AFD43F608F90}"/>
+              </a:ext>
+            </a:extLst>
+          </p:cNvPr>
+          <p:cNvGrpSpPr/>
+          <p:nvPr/>
+        </p:nvGrpSpPr>
+        <p:grpSpPr>
+          <a:xfrm>
+            <a:off x="10038890" y="2378028"/>
+            <a:ext cx="1357920" cy="551160"/>
+            <a:chOff x="10038890" y="2378028"/>
+            <a:chExt cx="1357920" cy="551160"/>
+          </a:xfrm>
+        </p:grpSpPr>
+        <mc:AlternateContent xmlns:mc="http://schemas.openxmlformats.org/markup-compatibility/2006">
+          <mc:Choice xmlns:p14="http://schemas.microsoft.com/office/powerpoint/2010/main" Requires="p14">
+            <p:contentPart p14:bwMode="auto" r:id="rId64">
+              <p14:nvContentPartPr>
+                <p14:cNvPr id="40" name="Ink 39">
+                  <a:extLst>
+                    <a:ext uri="{FF2B5EF4-FFF2-40B4-BE49-F238E27FC236}">
+                      <a16:creationId xmlns:a16="http://schemas.microsoft.com/office/drawing/2014/main" id="{4A37E173-B389-0385-3FF1-8216CB8209E8}"/>
+                    </a:ext>
+                  </a:extLst>
+                </p14:cNvPr>
+                <p14:cNvContentPartPr/>
+                <p14:nvPr/>
+              </p14:nvContentPartPr>
+              <p14:xfrm>
+                <a:off x="10038890" y="2411868"/>
+                <a:ext cx="919080" cy="517320"/>
+              </p14:xfrm>
+            </p:contentPart>
+          </mc:Choice>
+          <mc:Fallback>
+            <p:pic>
+              <p:nvPicPr>
+                <p:cNvPr id="40" name="Ink 39">
+                  <a:extLst>
+                    <a:ext uri="{FF2B5EF4-FFF2-40B4-BE49-F238E27FC236}">
+                      <a16:creationId xmlns:a16="http://schemas.microsoft.com/office/drawing/2014/main" id="{4A37E173-B389-0385-3FF1-8216CB8209E8}"/>
+                    </a:ext>
+                  </a:extLst>
+                </p:cNvPr>
+                <p:cNvPicPr/>
+                <p:nvPr/>
+              </p:nvPicPr>
+              <p:blipFill>
+                <a:blip r:embed="rId65"/>
+                <a:stretch>
+                  <a:fillRect/>
+                </a:stretch>
+              </p:blipFill>
+              <p:spPr>
+                <a:xfrm>
+                  <a:off x="10032770" y="2405748"/>
+                  <a:ext cx="931320" cy="529560"/>
+                </a:xfrm>
+                <a:prstGeom prst="rect">
+                  <a:avLst/>
+                </a:prstGeom>
+              </p:spPr>
+            </p:pic>
+          </mc:Fallback>
+        </mc:AlternateContent>
+        <mc:AlternateContent xmlns:mc="http://schemas.openxmlformats.org/markup-compatibility/2006">
+          <mc:Choice xmlns:p14="http://schemas.microsoft.com/office/powerpoint/2010/main" Requires="p14">
+            <p:contentPart p14:bwMode="auto" r:id="rId66">
+              <p14:nvContentPartPr>
+                <p14:cNvPr id="41" name="Ink 40">
+                  <a:extLst>
+                    <a:ext uri="{FF2B5EF4-FFF2-40B4-BE49-F238E27FC236}">
+                      <a16:creationId xmlns:a16="http://schemas.microsoft.com/office/drawing/2014/main" id="{586DDDED-5559-9F96-B28A-43C26FA2A636}"/>
+                    </a:ext>
+                  </a:extLst>
+                </p14:cNvPr>
+                <p14:cNvContentPartPr/>
+                <p14:nvPr/>
+              </p14:nvContentPartPr>
+              <p14:xfrm>
+                <a:off x="10697330" y="2556588"/>
+                <a:ext cx="205920" cy="360"/>
+              </p14:xfrm>
+            </p:contentPart>
+          </mc:Choice>
+          <mc:Fallback>
+            <p:pic>
+              <p:nvPicPr>
+                <p:cNvPr id="41" name="Ink 40">
+                  <a:extLst>
+                    <a:ext uri="{FF2B5EF4-FFF2-40B4-BE49-F238E27FC236}">
+                      <a16:creationId xmlns:a16="http://schemas.microsoft.com/office/drawing/2014/main" id="{586DDDED-5559-9F96-B28A-43C26FA2A636}"/>
+                    </a:ext>
+                  </a:extLst>
+                </p:cNvPr>
+                <p:cNvPicPr/>
+                <p:nvPr/>
+              </p:nvPicPr>
+              <p:blipFill>
+                <a:blip r:embed="rId67"/>
+                <a:stretch>
+                  <a:fillRect/>
+                </a:stretch>
+              </p:blipFill>
+              <p:spPr>
+                <a:xfrm>
+                  <a:off x="10691210" y="2550468"/>
+                  <a:ext cx="218160" cy="12600"/>
+                </a:xfrm>
+                <a:prstGeom prst="rect">
+                  <a:avLst/>
+                </a:prstGeom>
+              </p:spPr>
+            </p:pic>
+          </mc:Fallback>
+        </mc:AlternateContent>
+        <mc:AlternateContent xmlns:mc="http://schemas.openxmlformats.org/markup-compatibility/2006">
+          <mc:Choice xmlns:p14="http://schemas.microsoft.com/office/powerpoint/2010/main" Requires="p14">
+            <p:contentPart p14:bwMode="auto" r:id="rId68">
+              <p14:nvContentPartPr>
+                <p14:cNvPr id="42" name="Ink 41">
+                  <a:extLst>
+                    <a:ext uri="{FF2B5EF4-FFF2-40B4-BE49-F238E27FC236}">
+                      <a16:creationId xmlns:a16="http://schemas.microsoft.com/office/drawing/2014/main" id="{C4EC6F1B-FCDD-2C8F-BBC4-C1AB5E3B32A4}"/>
+                    </a:ext>
+                  </a:extLst>
+                </p14:cNvPr>
+                <p14:cNvContentPartPr/>
+                <p14:nvPr/>
+              </p14:nvContentPartPr>
+              <p14:xfrm>
+                <a:off x="11169290" y="2378028"/>
+                <a:ext cx="227520" cy="423360"/>
+              </p14:xfrm>
+            </p:contentPart>
+          </mc:Choice>
+          <mc:Fallback>
+            <p:pic>
+              <p:nvPicPr>
+                <p:cNvPr id="42" name="Ink 41">
+                  <a:extLst>
+                    <a:ext uri="{FF2B5EF4-FFF2-40B4-BE49-F238E27FC236}">
+                      <a16:creationId xmlns:a16="http://schemas.microsoft.com/office/drawing/2014/main" id="{C4EC6F1B-FCDD-2C8F-BBC4-C1AB5E3B32A4}"/>
+                    </a:ext>
+                  </a:extLst>
+                </p:cNvPr>
+                <p:cNvPicPr/>
+                <p:nvPr/>
+              </p:nvPicPr>
+              <p:blipFill>
+                <a:blip r:embed="rId69"/>
+                <a:stretch>
+                  <a:fillRect/>
+                </a:stretch>
+              </p:blipFill>
+              <p:spPr>
+                <a:xfrm>
+                  <a:off x="11163170" y="2371908"/>
+                  <a:ext cx="239760" cy="435600"/>
+                </a:xfrm>
+                <a:prstGeom prst="rect">
+                  <a:avLst/>
+                </a:prstGeom>
+              </p:spPr>
+            </p:pic>
+          </mc:Fallback>
+        </mc:AlternateContent>
+      </p:grpSp>
+      <mc:AlternateContent xmlns:mc="http://schemas.openxmlformats.org/markup-compatibility/2006">
+        <mc:Choice xmlns:p14="http://schemas.microsoft.com/office/powerpoint/2010/main" Requires="p14">
+          <p:contentPart p14:bwMode="auto" r:id="rId70">
+            <p14:nvContentPartPr>
+              <p14:cNvPr id="44" name="Ink 43">
+                <a:extLst>
+                  <a:ext uri="{FF2B5EF4-FFF2-40B4-BE49-F238E27FC236}">
+                    <a16:creationId xmlns:a16="http://schemas.microsoft.com/office/drawing/2014/main" id="{F2849226-1C04-1547-8821-C28219CCD1D4}"/>
+                  </a:ext>
+                </a:extLst>
+              </p14:cNvPr>
+              <p14:cNvContentPartPr/>
+              <p14:nvPr/>
+            </p14:nvContentPartPr>
+            <p14:xfrm>
+              <a:off x="11335970" y="2949348"/>
+              <a:ext cx="91800" cy="99720"/>
+            </p14:xfrm>
+          </p:contentPart>
+        </mc:Choice>
+        <mc:Fallback>
+          <p:pic>
+            <p:nvPicPr>
+              <p:cNvPr id="44" name="Ink 43">
+                <a:extLst>
+                  <a:ext uri="{FF2B5EF4-FFF2-40B4-BE49-F238E27FC236}">
+                    <a16:creationId xmlns:a16="http://schemas.microsoft.com/office/drawing/2014/main" id="{F2849226-1C04-1547-8821-C28219CCD1D4}"/>
+                  </a:ext>
+                </a:extLst>
+              </p:cNvPr>
+              <p:cNvPicPr/>
+              <p:nvPr/>
+            </p:nvPicPr>
+            <p:blipFill>
+              <a:blip r:embed="rId71"/>
+              <a:stretch>
+                <a:fillRect/>
+              </a:stretch>
+            </p:blipFill>
+            <p:spPr>
+              <a:xfrm>
+                <a:off x="11329850" y="2943228"/>
+                <a:ext cx="104040" cy="111960"/>
+              </a:xfrm>
+              <a:prstGeom prst="rect">
+                <a:avLst/>
+              </a:prstGeom>
+            </p:spPr>
+          </p:pic>
+        </mc:Fallback>
+      </mc:AlternateContent>
     </p:spTree>
     <p:extLst>
       <p:ext uri="{BB962C8B-B14F-4D97-AF65-F5344CB8AC3E}">
@@ -5692,7 +8743,7 @@
               </a:lnSpc>
             </a:pPr>
             <a:r>
-              <a:rPr lang="en-US" sz="2000" b="1" spc="10" dirty="0" smtClean="0">
+              <a:rPr lang="en-US" sz="2000" b="1" spc="10" dirty="0">
                 <a:solidFill>
                   <a:srgbClr val="273239"/>
                 </a:solidFill>
@@ -5703,7 +8754,7 @@
               </a:rPr>
               <a:t>Why Version Control system is so Important?</a:t>
             </a:r>
-            <a:endParaRPr lang="en-US" sz="2000" dirty="0" smtClean="0">
+            <a:endParaRPr lang="en-US" sz="2000" dirty="0">
               <a:effectLst/>
               <a:latin typeface="Calibri" panose="020F0502020204030204" pitchFamily="34" charset="0"/>
               <a:ea typeface="Calibri" panose="020F0502020204030204" pitchFamily="34" charset="0"/>
@@ -5720,7 +8771,7 @@
               </a:spcAft>
             </a:pPr>
             <a:r>
-              <a:rPr lang="en-US" sz="2000" spc="10" dirty="0" smtClean="0">
+              <a:rPr lang="en-US" sz="2000" spc="10" dirty="0">
                 <a:solidFill>
                   <a:srgbClr val="273239"/>
                 </a:solidFill>
@@ -5777,13 +8828,6 @@
   <p:clrMapOvr>
     <a:masterClrMapping/>
   </p:clrMapOvr>
-  <p:timing>
-    <p:tnLst>
-      <p:par>
-        <p:cTn id="1" dur="indefinite" restart="never" nodeType="tmRoot"/>
-      </p:par>
-    </p:tnLst>
-  </p:timing>
 </p:sld>
 </file>
 
@@ -6574,7 +9618,7 @@
               </a:spcAft>
             </a:pPr>
             <a:r>
-              <a:rPr lang="en-US" sz="3200" spc="10" dirty="0" smtClean="0">
+              <a:rPr lang="en-US" sz="3200" spc="10" dirty="0">
                 <a:solidFill>
                   <a:srgbClr val="273239"/>
                 </a:solidFill>
@@ -6631,13 +9675,6 @@
   <p:clrMapOvr>
     <a:masterClrMapping/>
   </p:clrMapOvr>
-  <p:timing>
-    <p:tnLst>
-      <p:par>
-        <p:cTn id="1" dur="indefinite" restart="never" nodeType="tmRoot"/>
-      </p:par>
-    </p:tnLst>
-  </p:timing>
 </p:sld>
 </file>
 
@@ -6685,7 +9722,7 @@
               </a:lnSpc>
             </a:pPr>
             <a:r>
-              <a:rPr lang="en-US" sz="2000" b="1" spc="10" dirty="0" smtClean="0">
+              <a:rPr lang="en-US" sz="2000" b="1" spc="10" dirty="0">
                 <a:solidFill>
                   <a:srgbClr val="273239"/>
                 </a:solidFill>
@@ -6696,7 +9733,7 @@
               </a:rPr>
               <a:t>Benefits of the version control system:</a:t>
             </a:r>
-            <a:endParaRPr lang="en-US" sz="2000" dirty="0" smtClean="0">
+            <a:endParaRPr lang="en-US" sz="2000" dirty="0">
               <a:effectLst/>
               <a:latin typeface="Calibri" panose="020F0502020204030204" pitchFamily="34" charset="0"/>
               <a:ea typeface="Calibri" panose="020F0502020204030204" pitchFamily="34" charset="0"/>
@@ -6722,7 +9759,7 @@
               </a:tabLst>
             </a:pPr>
             <a:r>
-              <a:rPr lang="en-US" sz="2000" spc="10" dirty="0" smtClean="0">
+              <a:rPr lang="en-US" sz="2000" spc="10" dirty="0">
                 <a:solidFill>
                   <a:srgbClr val="273239"/>
                 </a:solidFill>
@@ -6733,7 +9770,7 @@
               </a:rPr>
               <a:t>Enhances the project development speed by providing efficient collaboration,</a:t>
             </a:r>
-            <a:endParaRPr lang="en-US" sz="2000" dirty="0" smtClean="0">
+            <a:endParaRPr lang="en-US" sz="2000" dirty="0">
               <a:effectLst/>
               <a:latin typeface="Calibri" panose="020F0502020204030204" pitchFamily="34" charset="0"/>
               <a:ea typeface="Calibri" panose="020F0502020204030204" pitchFamily="34" charset="0"/>
@@ -6759,7 +9796,7 @@
               </a:tabLst>
             </a:pPr>
             <a:r>
-              <a:rPr lang="en-US" sz="2000" spc="10" dirty="0" smtClean="0">
+              <a:rPr lang="en-US" sz="2000" spc="10" dirty="0">
                 <a:solidFill>
                   <a:srgbClr val="273239"/>
                 </a:solidFill>
@@ -6770,7 +9807,7 @@
               </a:rPr>
               <a:t>Leverages the productivity, expedites product delivery, and skills of the employees through better communication and assistance,</a:t>
             </a:r>
-            <a:endParaRPr lang="en-US" sz="2000" dirty="0" smtClean="0">
+            <a:endParaRPr lang="en-US" sz="2000" dirty="0">
               <a:effectLst/>
               <a:latin typeface="Calibri" panose="020F0502020204030204" pitchFamily="34" charset="0"/>
               <a:ea typeface="Calibri" panose="020F0502020204030204" pitchFamily="34" charset="0"/>
@@ -6796,7 +9833,7 @@
               </a:tabLst>
             </a:pPr>
             <a:r>
-              <a:rPr lang="en-US" sz="2000" spc="10" dirty="0" smtClean="0">
+              <a:rPr lang="en-US" sz="2000" spc="10" dirty="0">
                 <a:solidFill>
                   <a:srgbClr val="273239"/>
                 </a:solidFill>
@@ -6807,7 +9844,7 @@
               </a:rPr>
               <a:t>Reduce possibilities of errors and conflicts meanwhile project development through traceability to every small change,</a:t>
             </a:r>
-            <a:endParaRPr lang="en-US" sz="2000" dirty="0" smtClean="0">
+            <a:endParaRPr lang="en-US" sz="2000" dirty="0">
               <a:effectLst/>
               <a:latin typeface="Calibri" panose="020F0502020204030204" pitchFamily="34" charset="0"/>
               <a:ea typeface="Calibri" panose="020F0502020204030204" pitchFamily="34" charset="0"/>
@@ -6833,7 +9870,7 @@
               </a:tabLst>
             </a:pPr>
             <a:r>
-              <a:rPr lang="en-US" sz="2000" spc="10" dirty="0" smtClean="0">
+              <a:rPr lang="en-US" sz="2000" spc="10" dirty="0">
                 <a:solidFill>
                   <a:srgbClr val="273239"/>
                 </a:solidFill>
@@ -6845,7 +9882,7 @@
               <a:t>Employees or contributors of the project can contribute from anywhere irrespective of the different geographical locations through this </a:t>
             </a:r>
             <a:r>
-              <a:rPr lang="en-US" sz="2000" b="1" spc="10" dirty="0" smtClean="0">
+              <a:rPr lang="en-US" sz="2000" b="1" spc="10" dirty="0">
                 <a:solidFill>
                   <a:srgbClr val="273239"/>
                 </a:solidFill>
@@ -6856,7 +9893,7 @@
               </a:rPr>
               <a:t>VCS,</a:t>
             </a:r>
-            <a:endParaRPr lang="en-US" sz="2000" dirty="0" smtClean="0">
+            <a:endParaRPr lang="en-US" sz="2000" dirty="0">
               <a:effectLst/>
               <a:latin typeface="Calibri" panose="020F0502020204030204" pitchFamily="34" charset="0"/>
               <a:ea typeface="Calibri" panose="020F0502020204030204" pitchFamily="34" charset="0"/>
@@ -6882,7 +9919,7 @@
               </a:tabLst>
             </a:pPr>
             <a:r>
-              <a:rPr lang="en-US" sz="2000" spc="10" dirty="0" smtClean="0">
+              <a:rPr lang="en-US" sz="2000" spc="10" dirty="0">
                 <a:solidFill>
                   <a:srgbClr val="273239"/>
                 </a:solidFill>
@@ -6894,7 +9931,7 @@
               <a:t>For each different contributor to the project, a different working copy is maintained and not merged to the main file unless the working copy is validated. The most popular example is </a:t>
             </a:r>
             <a:r>
-              <a:rPr lang="en-US" sz="2000" b="1" spc="10" dirty="0" err="1" smtClean="0">
+              <a:rPr lang="en-US" sz="2000" b="1" spc="10" dirty="0" err="1">
                 <a:solidFill>
                   <a:srgbClr val="273239"/>
                 </a:solidFill>
@@ -6906,7 +9943,7 @@
               <a:t>Git</a:t>
             </a:r>
             <a:r>
-              <a:rPr lang="en-US" sz="2000" b="1" spc="10" dirty="0" smtClean="0">
+              <a:rPr lang="en-US" sz="2000" b="1" spc="10" dirty="0">
                 <a:solidFill>
                   <a:srgbClr val="273239"/>
                 </a:solidFill>
@@ -6917,7 +9954,7 @@
               </a:rPr>
               <a:t>, Helix core, Microsoft TFS,</a:t>
             </a:r>
-            <a:endParaRPr lang="en-US" sz="2000" dirty="0" smtClean="0">
+            <a:endParaRPr lang="en-US" sz="2000" dirty="0">
               <a:effectLst/>
               <a:latin typeface="Calibri" panose="020F0502020204030204" pitchFamily="34" charset="0"/>
               <a:ea typeface="Calibri" panose="020F0502020204030204" pitchFamily="34" charset="0"/>
@@ -6943,7 +9980,7 @@
               </a:tabLst>
             </a:pPr>
             <a:r>
-              <a:rPr lang="en-US" sz="2000" spc="10" dirty="0" smtClean="0">
+              <a:rPr lang="en-US" sz="2000" spc="10" dirty="0">
                 <a:solidFill>
                   <a:srgbClr val="273239"/>
                 </a:solidFill>
@@ -6954,7 +9991,7 @@
               </a:rPr>
               <a:t>Helps in recovery in case of any disaster or contingent situation,</a:t>
             </a:r>
-            <a:endParaRPr lang="en-US" sz="2000" dirty="0" smtClean="0">
+            <a:endParaRPr lang="en-US" sz="2000" dirty="0">
               <a:effectLst/>
               <a:latin typeface="Calibri" panose="020F0502020204030204" pitchFamily="34" charset="0"/>
               <a:ea typeface="Calibri" panose="020F0502020204030204" pitchFamily="34" charset="0"/>
@@ -6980,7 +10017,7 @@
               </a:tabLst>
             </a:pPr>
             <a:r>
-              <a:rPr lang="en-US" sz="2000" spc="10" dirty="0" smtClean="0">
+              <a:rPr lang="en-US" sz="2000" spc="10" dirty="0">
                 <a:solidFill>
                   <a:srgbClr val="273239"/>
                 </a:solidFill>
@@ -7037,13 +10074,6 @@
   <p:clrMapOvr>
     <a:masterClrMapping/>
   </p:clrMapOvr>
-  <p:timing>
-    <p:tnLst>
-      <p:par>
-        <p:cTn id="1" dur="indefinite" restart="never" nodeType="tmRoot"/>
-      </p:par>
-    </p:tnLst>
-  </p:timing>
 </p:sld>
 </file>
 
@@ -7091,7 +10121,7 @@
               </a:lnSpc>
             </a:pPr>
             <a:r>
-              <a:rPr lang="en-US" sz="2000" b="1" spc="10" dirty="0" smtClean="0">
+              <a:rPr lang="en-US" sz="2000" b="1" spc="10" dirty="0">
                 <a:solidFill>
                   <a:srgbClr val="273239"/>
                 </a:solidFill>
@@ -7103,7 +10133,7 @@
               <a:t>Use of Version Control System:</a:t>
             </a:r>
             <a:r>
-              <a:rPr lang="en-US" sz="2000" spc="10" dirty="0" smtClean="0">
+              <a:rPr lang="en-US" sz="2000" spc="10" dirty="0">
                 <a:solidFill>
                   <a:srgbClr val="273239"/>
                 </a:solidFill>
@@ -7114,7 +10144,7 @@
               </a:rPr>
               <a:t> </a:t>
             </a:r>
-            <a:endParaRPr lang="en-US" sz="2000" dirty="0" smtClean="0">
+            <a:endParaRPr lang="en-US" sz="2000" dirty="0">
               <a:effectLst/>
               <a:latin typeface="Calibri" panose="020F0502020204030204" pitchFamily="34" charset="0"/>
               <a:ea typeface="Calibri" panose="020F0502020204030204" pitchFamily="34" charset="0"/>
@@ -7140,7 +10170,7 @@
               </a:tabLst>
             </a:pPr>
             <a:r>
-              <a:rPr lang="en-US" sz="2000" b="1" spc="10" dirty="0" smtClean="0">
+              <a:rPr lang="en-US" sz="2000" b="1" spc="10" dirty="0">
                 <a:solidFill>
                   <a:srgbClr val="273239"/>
                 </a:solidFill>
@@ -7152,7 +10182,7 @@
               <a:t>A repository:</a:t>
             </a:r>
             <a:r>
-              <a:rPr lang="en-US" sz="2000" spc="10" dirty="0" smtClean="0">
+              <a:rPr lang="en-US" sz="2000" spc="10" dirty="0">
                 <a:solidFill>
                   <a:srgbClr val="273239"/>
                 </a:solidFill>
@@ -7163,7 +10193,7 @@
               </a:rPr>
               <a:t> It can be thought of as a database of changes. It contains all the edits and historical versions (snapshots) of the project.</a:t>
             </a:r>
-            <a:endParaRPr lang="en-US" sz="2000" dirty="0" smtClean="0">
+            <a:endParaRPr lang="en-US" sz="2000" dirty="0">
               <a:effectLst/>
               <a:latin typeface="Calibri" panose="020F0502020204030204" pitchFamily="34" charset="0"/>
               <a:ea typeface="Calibri" panose="020F0502020204030204" pitchFamily="34" charset="0"/>
@@ -7189,7 +10219,7 @@
               </a:tabLst>
             </a:pPr>
             <a:r>
-              <a:rPr lang="en-US" sz="2000" b="1" spc="10" dirty="0" smtClean="0">
+              <a:rPr lang="en-US" sz="2000" b="1" spc="10" dirty="0">
                 <a:solidFill>
                   <a:srgbClr val="273239"/>
                 </a:solidFill>
@@ -7201,7 +10231,7 @@
               <a:t>Copy of Work (sometimes called as checkout):</a:t>
             </a:r>
             <a:r>
-              <a:rPr lang="en-US" sz="2000" spc="10" dirty="0" smtClean="0">
+              <a:rPr lang="en-US" sz="2000" spc="10" dirty="0">
                 <a:solidFill>
                   <a:srgbClr val="273239"/>
                 </a:solidFill>
@@ -7212,7 +10242,7 @@
               </a:rPr>
               <a:t> It is the personal copy of all the files in a project. You can edit to this copy, without affecting the work of others and you can finally commit your changes to a repository when you are done making your changes.</a:t>
             </a:r>
-            <a:endParaRPr lang="en-US" sz="2000" dirty="0" smtClean="0">
+            <a:endParaRPr lang="en-US" sz="2000" dirty="0">
               <a:effectLst/>
               <a:latin typeface="Calibri" panose="020F0502020204030204" pitchFamily="34" charset="0"/>
               <a:ea typeface="Calibri" panose="020F0502020204030204" pitchFamily="34" charset="0"/>
@@ -7238,7 +10268,7 @@
               </a:tabLst>
             </a:pPr>
             <a:r>
-              <a:rPr lang="en-US" sz="2000" b="1" spc="10" dirty="0" smtClean="0">
+              <a:rPr lang="en-US" sz="2000" b="1" spc="10" dirty="0">
                 <a:solidFill>
                   <a:srgbClr val="273239"/>
                 </a:solidFill>
@@ -7250,7 +10280,7 @@
               <a:t>Working in a group: </a:t>
             </a:r>
             <a:r>
-              <a:rPr lang="en-US" sz="2000" spc="10" dirty="0" smtClean="0">
+              <a:rPr lang="en-US" sz="2000" spc="10" dirty="0">
                 <a:solidFill>
                   <a:srgbClr val="273239"/>
                 </a:solidFill>
@@ -7307,13 +10337,6 @@
   <p:clrMapOvr>
     <a:masterClrMapping/>
   </p:clrMapOvr>
-  <p:timing>
-    <p:tnLst>
-      <p:par>
-        <p:cTn id="1" dur="indefinite" restart="never" nodeType="tmRoot"/>
-      </p:par>
-    </p:tnLst>
-  </p:timing>
 </p:sld>
 </file>
 
@@ -7404,13 +10427,6 @@
   <p:clrMapOvr>
     <a:masterClrMapping/>
   </p:clrMapOvr>
-  <p:timing>
-    <p:tnLst>
-      <p:par>
-        <p:cTn id="1" dur="indefinite" restart="never" nodeType="tmRoot"/>
-      </p:par>
-    </p:tnLst>
-  </p:timing>
 </p:sld>
 </file>
 
@@ -7458,7 +10474,7 @@
               </a:lnSpc>
             </a:pPr>
             <a:r>
-              <a:rPr lang="en-US" sz="2000" b="1" spc="10" dirty="0" smtClean="0">
+              <a:rPr lang="en-US" sz="2000" b="1" spc="10" dirty="0">
                 <a:solidFill>
                   <a:srgbClr val="273239"/>
                 </a:solidFill>
@@ -7470,7 +10486,7 @@
               <a:t>Types of Version Control Systems:</a:t>
             </a:r>
             <a:r>
-              <a:rPr lang="en-US" sz="2000" spc="10" dirty="0" smtClean="0">
+              <a:rPr lang="en-US" sz="2000" spc="10" dirty="0">
                 <a:solidFill>
                   <a:srgbClr val="273239"/>
                 </a:solidFill>
@@ -7481,7 +10497,7 @@
               </a:rPr>
               <a:t> </a:t>
             </a:r>
-            <a:endParaRPr lang="en-US" sz="2000" dirty="0" smtClean="0">
+            <a:endParaRPr lang="en-US" sz="2000" dirty="0">
               <a:effectLst/>
               <a:latin typeface="Calibri" panose="020F0502020204030204" pitchFamily="34" charset="0"/>
               <a:ea typeface="Calibri" panose="020F0502020204030204" pitchFamily="34" charset="0"/>
@@ -7507,7 +10523,7 @@
               </a:tabLst>
             </a:pPr>
             <a:r>
-              <a:rPr lang="en-US" sz="2000" spc="10" dirty="0" smtClean="0">
+              <a:rPr lang="en-US" sz="2000" spc="10" dirty="0">
                 <a:solidFill>
                   <a:srgbClr val="273239"/>
                 </a:solidFill>
@@ -7518,7 +10534,7 @@
               </a:rPr>
               <a:t>Local Version Control Systems</a:t>
             </a:r>
-            <a:endParaRPr lang="en-US" sz="2000" dirty="0" smtClean="0">
+            <a:endParaRPr lang="en-US" sz="2000" dirty="0">
               <a:effectLst/>
               <a:latin typeface="Calibri" panose="020F0502020204030204" pitchFamily="34" charset="0"/>
               <a:ea typeface="Calibri" panose="020F0502020204030204" pitchFamily="34" charset="0"/>
@@ -7544,7 +10560,7 @@
               </a:tabLst>
             </a:pPr>
             <a:r>
-              <a:rPr lang="en-US" sz="2000" spc="10" dirty="0" smtClean="0">
+              <a:rPr lang="en-US" sz="2000" spc="10" dirty="0">
                 <a:solidFill>
                   <a:srgbClr val="273239"/>
                 </a:solidFill>
@@ -7555,7 +10571,7 @@
               </a:rPr>
               <a:t>Centralized Version Control Systems</a:t>
             </a:r>
-            <a:endParaRPr lang="en-US" sz="2000" dirty="0" smtClean="0">
+            <a:endParaRPr lang="en-US" sz="2000" dirty="0">
               <a:effectLst/>
               <a:latin typeface="Calibri" panose="020F0502020204030204" pitchFamily="34" charset="0"/>
               <a:ea typeface="Calibri" panose="020F0502020204030204" pitchFamily="34" charset="0"/>
@@ -7581,7 +10597,7 @@
               </a:tabLst>
             </a:pPr>
             <a:r>
-              <a:rPr lang="en-US" sz="2000" spc="10" dirty="0" smtClean="0">
+              <a:rPr lang="en-US" sz="2000" spc="10" dirty="0">
                 <a:solidFill>
                   <a:srgbClr val="273239"/>
                 </a:solidFill>
@@ -7592,7 +10608,7 @@
               </a:rPr>
               <a:t>Distributed Version Control Systems</a:t>
             </a:r>
-            <a:endParaRPr lang="en-US" sz="2000" dirty="0" smtClean="0">
+            <a:endParaRPr lang="en-US" sz="2000" dirty="0">
               <a:effectLst/>
               <a:latin typeface="Calibri" panose="020F0502020204030204" pitchFamily="34" charset="0"/>
               <a:ea typeface="Calibri" panose="020F0502020204030204" pitchFamily="34" charset="0"/>
@@ -7606,7 +10622,7 @@
               </a:lnSpc>
             </a:pPr>
             <a:r>
-              <a:rPr lang="en-US" sz="2000" b="1" spc="10" dirty="0" smtClean="0">
+              <a:rPr lang="en-US" sz="2000" b="1" spc="10" dirty="0">
                 <a:solidFill>
                   <a:srgbClr val="273239"/>
                 </a:solidFill>
@@ -7618,7 +10634,7 @@
               <a:t>Local Version Control Systems:</a:t>
             </a:r>
             <a:r>
-              <a:rPr lang="en-US" sz="2000" spc="10" dirty="0" smtClean="0">
+              <a:rPr lang="en-US" sz="2000" spc="10" dirty="0">
                 <a:solidFill>
                   <a:srgbClr val="273239"/>
                 </a:solidFill>
@@ -7629,7 +10645,7 @@
               </a:rPr>
               <a:t> It is one of the simplest forms and has a database that kept all the changes to files under revision control. RCS is one of the most common VCS tools. It keeps patch sets (differences between files) in a special format on disk. By adding up all the patches it can then re-create what any file looked like at any point in time. </a:t>
             </a:r>
-            <a:endParaRPr lang="en-US" sz="2000" dirty="0" smtClean="0">
+            <a:endParaRPr lang="en-US" sz="2000" dirty="0">
               <a:effectLst/>
               <a:latin typeface="Calibri" panose="020F0502020204030204" pitchFamily="34" charset="0"/>
               <a:ea typeface="Calibri" panose="020F0502020204030204" pitchFamily="34" charset="0"/>
@@ -7643,7 +10659,7 @@
               </a:lnSpc>
             </a:pPr>
             <a:r>
-              <a:rPr lang="en-US" sz="2000" b="1" spc="10" dirty="0" smtClean="0">
+              <a:rPr lang="en-US" sz="2000" b="1" spc="10" dirty="0">
                 <a:solidFill>
                   <a:srgbClr val="273239"/>
                 </a:solidFill>
@@ -7655,7 +10671,7 @@
               <a:t>Centralized Version Control Systems:</a:t>
             </a:r>
             <a:r>
-              <a:rPr lang="en-US" sz="2000" spc="10" dirty="0" smtClean="0">
+              <a:rPr lang="en-US" sz="2000" spc="10" dirty="0">
                 <a:solidFill>
                   <a:srgbClr val="273239"/>
                 </a:solidFill>
@@ -7666,7 +10682,7 @@
               </a:rPr>
               <a:t> Centralized version control systems contain just one repository globally and every user need to commit for reflecting one’s changes in the repository. It is possible for others to see your changes by updating. </a:t>
             </a:r>
-            <a:endParaRPr lang="en-US" sz="2000" dirty="0" smtClean="0">
+            <a:endParaRPr lang="en-US" sz="2000" dirty="0">
               <a:effectLst/>
               <a:latin typeface="Calibri" panose="020F0502020204030204" pitchFamily="34" charset="0"/>
               <a:ea typeface="Calibri" panose="020F0502020204030204" pitchFamily="34" charset="0"/>
@@ -7683,7 +10699,7 @@
               </a:spcAft>
             </a:pPr>
             <a:r>
-              <a:rPr lang="en-US" sz="2000" spc="10" dirty="0" smtClean="0">
+              <a:rPr lang="en-US" sz="2000" spc="10" dirty="0">
                 <a:solidFill>
                   <a:srgbClr val="273239"/>
                 </a:solidFill>
@@ -7694,7 +10710,7 @@
               </a:rPr>
               <a:t>Two things are required to make your changes visible to others which are:  </a:t>
             </a:r>
-            <a:endParaRPr lang="en-US" sz="2000" dirty="0" smtClean="0">
+            <a:endParaRPr lang="en-US" sz="2000" dirty="0">
               <a:effectLst/>
               <a:latin typeface="Calibri" panose="020F0502020204030204" pitchFamily="34" charset="0"/>
               <a:ea typeface="Calibri" panose="020F0502020204030204" pitchFamily="34" charset="0"/>
@@ -7720,7 +10736,7 @@
               </a:tabLst>
             </a:pPr>
             <a:r>
-              <a:rPr lang="en-US" sz="2000" spc="10" dirty="0" smtClean="0">
+              <a:rPr lang="en-US" sz="2000" spc="10" dirty="0">
                 <a:solidFill>
                   <a:srgbClr val="273239"/>
                 </a:solidFill>
@@ -7731,7 +10747,7 @@
               </a:rPr>
               <a:t>You commit</a:t>
             </a:r>
-            <a:endParaRPr lang="en-US" sz="2000" dirty="0" smtClean="0">
+            <a:endParaRPr lang="en-US" sz="2000" dirty="0">
               <a:effectLst/>
               <a:latin typeface="Calibri" panose="020F0502020204030204" pitchFamily="34" charset="0"/>
               <a:ea typeface="Calibri" panose="020F0502020204030204" pitchFamily="34" charset="0"/>
@@ -7757,7 +10773,7 @@
               </a:tabLst>
             </a:pPr>
             <a:r>
-              <a:rPr lang="en-US" sz="2000" spc="10" dirty="0" smtClean="0">
+              <a:rPr lang="en-US" sz="2000" spc="10" dirty="0">
                 <a:solidFill>
                   <a:srgbClr val="273239"/>
                 </a:solidFill>
@@ -7814,13 +10830,6 @@
   <p:clrMapOvr>
     <a:masterClrMapping/>
   </p:clrMapOvr>
-  <p:timing>
-    <p:tnLst>
-      <p:par>
-        <p:cTn id="1" dur="indefinite" restart="never" nodeType="tmRoot"/>
-      </p:par>
-    </p:tnLst>
-  </p:timing>
 </p:sld>
 </file>
 
@@ -7911,13 +10920,6 @@
   <p:clrMapOvr>
     <a:masterClrMapping/>
   </p:clrMapOvr>
-  <p:timing>
-    <p:tnLst>
-      <p:par>
-        <p:cTn id="1" dur="indefinite" restart="never" nodeType="tmRoot"/>
-      </p:par>
-    </p:tnLst>
-  </p:timing>
 </p:sld>
 </file>
 
@@ -7965,7 +10967,7 @@
               </a:lnSpc>
             </a:pPr>
             <a:r>
-              <a:rPr lang="en-US" sz="2400" spc="10" dirty="0" smtClean="0">
+              <a:rPr lang="en-US" sz="2400" spc="10" dirty="0">
                 <a:solidFill>
                   <a:srgbClr val="273239"/>
                 </a:solidFill>
@@ -7977,7 +10979,7 @@
               <a:t>The </a:t>
             </a:r>
             <a:r>
-              <a:rPr lang="en-US" sz="2400" b="1" spc="10" dirty="0" smtClean="0">
+              <a:rPr lang="en-US" sz="2400" b="1" spc="10" dirty="0">
                 <a:solidFill>
                   <a:srgbClr val="273239"/>
                 </a:solidFill>
@@ -7989,7 +10991,7 @@
               <a:t>benefit</a:t>
             </a:r>
             <a:r>
-              <a:rPr lang="en-US" sz="2400" spc="10" dirty="0" smtClean="0">
+              <a:rPr lang="en-US" sz="2400" spc="10" dirty="0">
                 <a:solidFill>
                   <a:srgbClr val="273239"/>
                 </a:solidFill>
@@ -8000,7 +11002,7 @@
               </a:rPr>
               <a:t> of CVCS (Centralized Version Control Systems) makes collaboration amongst developers along with providing an insight to a certain extent on what everyone else is doing on the project. It allows administrators to fine-grained control over who can do what. </a:t>
             </a:r>
-            <a:endParaRPr lang="en-US" sz="2400" dirty="0" smtClean="0">
+            <a:endParaRPr lang="en-US" sz="2400" dirty="0">
               <a:effectLst/>
               <a:latin typeface="Calibri" panose="020F0502020204030204" pitchFamily="34" charset="0"/>
               <a:ea typeface="Calibri" panose="020F0502020204030204" pitchFamily="34" charset="0"/>
@@ -8014,7 +11016,7 @@
               </a:lnSpc>
             </a:pPr>
             <a:r>
-              <a:rPr lang="en-US" sz="2400" spc="10" dirty="0" smtClean="0">
+              <a:rPr lang="en-US" sz="2400" spc="10" dirty="0">
                 <a:solidFill>
                   <a:srgbClr val="273239"/>
                 </a:solidFill>
@@ -8026,7 +11028,7 @@
               <a:t>It has some </a:t>
             </a:r>
             <a:r>
-              <a:rPr lang="en-US" sz="2400" b="1" spc="10" dirty="0" smtClean="0">
+              <a:rPr lang="en-US" sz="2400" b="1" spc="10" dirty="0">
                 <a:solidFill>
                   <a:srgbClr val="273239"/>
                 </a:solidFill>
@@ -8038,7 +11040,7 @@
               <a:t>downsides</a:t>
             </a:r>
             <a:r>
-              <a:rPr lang="en-US" sz="2400" spc="10" dirty="0" smtClean="0">
+              <a:rPr lang="en-US" sz="2400" spc="10" dirty="0">
                 <a:solidFill>
                   <a:srgbClr val="273239"/>
                 </a:solidFill>
@@ -8049,7 +11051,7 @@
               </a:rPr>
               <a:t> as well which led to the development of DVS. The most obvious is the single point of failure that the centralized repository represents if it goes down during that period collaboration and saving versioned changes is not possible. What if the hard disk of the central database becomes corrupted, and proper backups haven’t been kept? You lose absolutely everything. </a:t>
             </a:r>
-            <a:endParaRPr lang="en-US" sz="2400" dirty="0" smtClean="0">
+            <a:endParaRPr lang="en-US" sz="2400" dirty="0">
               <a:effectLst/>
               <a:latin typeface="Calibri" panose="020F0502020204030204" pitchFamily="34" charset="0"/>
               <a:ea typeface="Calibri" panose="020F0502020204030204" pitchFamily="34" charset="0"/>
@@ -8095,13 +11097,6 @@
   <p:clrMapOvr>
     <a:masterClrMapping/>
   </p:clrMapOvr>
-  <p:timing>
-    <p:tnLst>
-      <p:par>
-        <p:cTn id="1" dur="indefinite" restart="never" nodeType="tmRoot"/>
-      </p:par>
-    </p:tnLst>
-  </p:timing>
 </p:sld>
 </file>
 
